--- a/FlaskESP32ConceptDemo.pptx
+++ b/FlaskESP32ConceptDemo.pptx
@@ -6,8 +6,8 @@
   </p:sldMasterIdLst>
   <p:sldIdLst>
     <p:sldId id="256" r:id="rId2"/>
-    <p:sldId id="257" r:id="rId3"/>
-    <p:sldId id="259" r:id="rId4"/>
+    <p:sldId id="259" r:id="rId3"/>
+    <p:sldId id="257" r:id="rId4"/>
     <p:sldId id="258" r:id="rId5"/>
     <p:sldId id="264" r:id="rId6"/>
     <p:sldId id="262" r:id="rId7"/>
@@ -5887,98 +5887,472 @@
           <a:chExt cx="0" cy="0"/>
         </a:xfrm>
       </p:grpSpPr>
-      <p:sp>
-        <p:nvSpPr>
-          <p:cNvPr id="2" name="Title 1">
+      <p:pic>
+        <p:nvPicPr>
+          <p:cNvPr id="6" name="Content Placeholder 5" descr="Text&#10;&#10;Description automatically generated">
             <a:extLst>
               <a:ext uri="{FF2B5EF4-FFF2-40B4-BE49-F238E27FC236}">
-                <a16:creationId xmlns:a16="http://schemas.microsoft.com/office/drawing/2014/main" id="{B13AAC35-CC71-52A2-E2F6-9396B9FCBE2D}"/>
+                <a16:creationId xmlns:a16="http://schemas.microsoft.com/office/drawing/2014/main" id="{89E85EB2-6BD9-97BC-6514-C639676F73C0}"/>
               </a:ext>
             </a:extLst>
           </p:cNvPr>
-          <p:cNvSpPr>
-            <a:spLocks noGrp="1"/>
-          </p:cNvSpPr>
-          <p:nvPr>
-            <p:ph type="title"/>
-          </p:nvPr>
-        </p:nvSpPr>
-        <p:spPr/>
-        <p:txBody>
-          <a:bodyPr/>
-          <a:lstStyle/>
-          <a:p>
-            <a:r>
-              <a:rPr lang="en-US" cap="none" dirty="0"/>
-              <a:t>Data Flow from ESP32 to Flask Application</a:t>
-            </a:r>
-          </a:p>
-        </p:txBody>
-      </p:sp>
-      <p:sp>
-        <p:nvSpPr>
-          <p:cNvPr id="3" name="Content Placeholder 2">
+          <p:cNvPicPr>
+            <a:picLocks noGrp="1" noChangeAspect="1"/>
+          </p:cNvPicPr>
+          <p:nvPr>
+            <p:ph idx="1"/>
+          </p:nvPr>
+        </p:nvPicPr>
+        <p:blipFill rotWithShape="1">
+          <a:blip r:embed="rId2">
+            <a:extLst>
+              <a:ext uri="{28A0092B-C50C-407E-A947-70E740481C1C}">
+                <a14:useLocalDpi xmlns:a14="http://schemas.microsoft.com/office/drawing/2010/main" val="0"/>
+              </a:ext>
+            </a:extLst>
+          </a:blip>
+          <a:srcRect l="5018" t="8423" r="4624" b="8288"/>
+          <a:stretch/>
+        </p:blipFill>
+        <p:spPr>
+          <a:xfrm>
+            <a:off x="4685338" y="592359"/>
+            <a:ext cx="7273637" cy="5707148"/>
+          </a:xfrm>
+        </p:spPr>
+      </p:pic>
+      <p:sp>
+        <p:nvSpPr>
+          <p:cNvPr id="7" name="Rectangle 6">
             <a:extLst>
               <a:ext uri="{FF2B5EF4-FFF2-40B4-BE49-F238E27FC236}">
-                <a16:creationId xmlns:a16="http://schemas.microsoft.com/office/drawing/2014/main" id="{54CCF76B-AAA8-A4A4-2243-5D5FA6DF77CC}"/>
+                <a16:creationId xmlns:a16="http://schemas.microsoft.com/office/drawing/2014/main" id="{BC52D2F0-00EB-34C1-8008-8336DE743858}"/>
               </a:ext>
             </a:extLst>
           </p:cNvPr>
-          <p:cNvSpPr>
-            <a:spLocks noGrp="1"/>
-          </p:cNvSpPr>
-          <p:nvPr>
-            <p:ph idx="1"/>
-          </p:nvPr>
-        </p:nvSpPr>
-        <p:spPr/>
-        <p:txBody>
-          <a:bodyPr/>
-          <a:lstStyle/>
-          <a:p>
+          <p:cNvSpPr/>
+          <p:nvPr/>
+        </p:nvSpPr>
+        <p:spPr>
+          <a:xfrm>
+            <a:off x="4796742" y="696393"/>
+            <a:ext cx="5056909" cy="1647099"/>
+          </a:xfrm>
+          <a:prstGeom prst="rect">
+            <a:avLst/>
+          </a:prstGeom>
+          <a:noFill/>
+          <a:ln w="76200">
+            <a:solidFill>
+              <a:srgbClr val="FF0000"/>
+            </a:solidFill>
+          </a:ln>
+        </p:spPr>
+        <p:style>
+          <a:lnRef idx="2">
+            <a:schemeClr val="accent1">
+              <a:shade val="50000"/>
+            </a:schemeClr>
+          </a:lnRef>
+          <a:fillRef idx="1">
+            <a:schemeClr val="accent1"/>
+          </a:fillRef>
+          <a:effectRef idx="0">
+            <a:schemeClr val="accent1"/>
+          </a:effectRef>
+          <a:fontRef idx="minor">
+            <a:schemeClr val="lt1"/>
+          </a:fontRef>
+        </p:style>
+        <p:txBody>
+          <a:bodyPr rtlCol="0" anchor="ctr"/>
+          <a:lstStyle/>
+          <a:p>
+            <a:pPr algn="ctr"/>
+            <a:endParaRPr lang="en-US"/>
+          </a:p>
+        </p:txBody>
+      </p:sp>
+      <p:sp>
+        <p:nvSpPr>
+          <p:cNvPr id="8" name="Rectangle 7">
+            <a:extLst>
+              <a:ext uri="{FF2B5EF4-FFF2-40B4-BE49-F238E27FC236}">
+                <a16:creationId xmlns:a16="http://schemas.microsoft.com/office/drawing/2014/main" id="{5AD1524C-FB95-F08A-B4DB-7885FA6C6E32}"/>
+              </a:ext>
+            </a:extLst>
+          </p:cNvPr>
+          <p:cNvSpPr/>
+          <p:nvPr/>
+        </p:nvSpPr>
+        <p:spPr>
+          <a:xfrm>
+            <a:off x="4796742" y="3142908"/>
+            <a:ext cx="5056909" cy="1987588"/>
+          </a:xfrm>
+          <a:prstGeom prst="rect">
+            <a:avLst/>
+          </a:prstGeom>
+          <a:noFill/>
+          <a:ln w="76200">
+            <a:solidFill>
+              <a:srgbClr val="FF0000"/>
+            </a:solidFill>
+          </a:ln>
+        </p:spPr>
+        <p:style>
+          <a:lnRef idx="2">
+            <a:schemeClr val="accent1">
+              <a:shade val="50000"/>
+            </a:schemeClr>
+          </a:lnRef>
+          <a:fillRef idx="1">
+            <a:schemeClr val="accent1"/>
+          </a:fillRef>
+          <a:effectRef idx="0">
+            <a:schemeClr val="accent1"/>
+          </a:effectRef>
+          <a:fontRef idx="minor">
+            <a:schemeClr val="lt1"/>
+          </a:fontRef>
+        </p:style>
+        <p:txBody>
+          <a:bodyPr rtlCol="0" anchor="ctr"/>
+          <a:lstStyle/>
+          <a:p>
+            <a:pPr algn="ctr"/>
+            <a:endParaRPr lang="en-US"/>
+          </a:p>
+        </p:txBody>
+      </p:sp>
+      <p:sp>
+        <p:nvSpPr>
+          <p:cNvPr id="9" name="Rectangle 8">
+            <a:extLst>
+              <a:ext uri="{FF2B5EF4-FFF2-40B4-BE49-F238E27FC236}">
+                <a16:creationId xmlns:a16="http://schemas.microsoft.com/office/drawing/2014/main" id="{6ED8085E-6A33-528C-6DB8-5DE3AB005856}"/>
+              </a:ext>
+            </a:extLst>
+          </p:cNvPr>
+          <p:cNvSpPr/>
+          <p:nvPr/>
+        </p:nvSpPr>
+        <p:spPr>
+          <a:xfrm>
+            <a:off x="4796742" y="5130496"/>
+            <a:ext cx="5056909" cy="1035674"/>
+          </a:xfrm>
+          <a:prstGeom prst="rect">
+            <a:avLst/>
+          </a:prstGeom>
+          <a:noFill/>
+          <a:ln w="76200">
+            <a:solidFill>
+              <a:srgbClr val="FF0000"/>
+            </a:solidFill>
+          </a:ln>
+        </p:spPr>
+        <p:style>
+          <a:lnRef idx="2">
+            <a:schemeClr val="accent1">
+              <a:shade val="50000"/>
+            </a:schemeClr>
+          </a:lnRef>
+          <a:fillRef idx="1">
+            <a:schemeClr val="accent1"/>
+          </a:fillRef>
+          <a:effectRef idx="0">
+            <a:schemeClr val="accent1"/>
+          </a:effectRef>
+          <a:fontRef idx="minor">
+            <a:schemeClr val="lt1"/>
+          </a:fontRef>
+        </p:style>
+        <p:txBody>
+          <a:bodyPr rtlCol="0" anchor="ctr"/>
+          <a:lstStyle/>
+          <a:p>
+            <a:pPr algn="ctr"/>
+            <a:endParaRPr lang="en-US"/>
+          </a:p>
+        </p:txBody>
+      </p:sp>
+      <p:sp>
+        <p:nvSpPr>
+          <p:cNvPr id="10" name="Arrow: Right 9">
+            <a:extLst>
+              <a:ext uri="{FF2B5EF4-FFF2-40B4-BE49-F238E27FC236}">
+                <a16:creationId xmlns:a16="http://schemas.microsoft.com/office/drawing/2014/main" id="{083300F4-293B-B37F-7E1F-012551630124}"/>
+              </a:ext>
+            </a:extLst>
+          </p:cNvPr>
+          <p:cNvSpPr/>
+          <p:nvPr/>
+        </p:nvSpPr>
+        <p:spPr>
+          <a:xfrm>
+            <a:off x="503741" y="958204"/>
+            <a:ext cx="4035406" cy="1155320"/>
+          </a:xfrm>
+          <a:prstGeom prst="rightArrow">
+            <a:avLst/>
+          </a:prstGeom>
+          <a:solidFill>
+            <a:schemeClr val="accent1"/>
+          </a:solidFill>
+          <a:ln>
+            <a:solidFill>
+              <a:schemeClr val="bg1"/>
+            </a:solidFill>
+          </a:ln>
+        </p:spPr>
+        <p:style>
+          <a:lnRef idx="2">
+            <a:schemeClr val="accent1">
+              <a:shade val="50000"/>
+            </a:schemeClr>
+          </a:lnRef>
+          <a:fillRef idx="1">
+            <a:schemeClr val="accent1"/>
+          </a:fillRef>
+          <a:effectRef idx="0">
+            <a:schemeClr val="accent1"/>
+          </a:effectRef>
+          <a:fontRef idx="minor">
+            <a:schemeClr val="lt1"/>
+          </a:fontRef>
+        </p:style>
+        <p:txBody>
+          <a:bodyPr rtlCol="0" anchor="ctr"/>
+          <a:lstStyle/>
+          <a:p>
+            <a:pPr algn="ctr"/>
             <a:r>
               <a:rPr lang="en-US" dirty="0"/>
-              <a:t>ESP32 “visits” a URL associated with a Flask application</a:t>
-            </a:r>
-          </a:p>
-          <a:p>
-            <a:pPr lvl="1"/>
+              <a:t>Receive Data from ESP32 through URL</a:t>
+            </a:r>
+          </a:p>
+        </p:txBody>
+      </p:sp>
+      <p:sp>
+        <p:nvSpPr>
+          <p:cNvPr id="12" name="Arrow: Right 11">
+            <a:extLst>
+              <a:ext uri="{FF2B5EF4-FFF2-40B4-BE49-F238E27FC236}">
+                <a16:creationId xmlns:a16="http://schemas.microsoft.com/office/drawing/2014/main" id="{9ED719B6-74E1-82EA-8EF9-8078DF27EDD4}"/>
+              </a:ext>
+            </a:extLst>
+          </p:cNvPr>
+          <p:cNvSpPr/>
+          <p:nvPr/>
+        </p:nvSpPr>
+        <p:spPr>
+          <a:xfrm>
+            <a:off x="503741" y="3445933"/>
+            <a:ext cx="4035406" cy="1155320"/>
+          </a:xfrm>
+          <a:prstGeom prst="rightArrow">
+            <a:avLst/>
+          </a:prstGeom>
+          <a:solidFill>
+            <a:schemeClr val="accent1"/>
+          </a:solidFill>
+          <a:ln>
+            <a:solidFill>
+              <a:schemeClr val="bg1"/>
+            </a:solidFill>
+          </a:ln>
+        </p:spPr>
+        <p:style>
+          <a:lnRef idx="2">
+            <a:schemeClr val="accent1">
+              <a:shade val="50000"/>
+            </a:schemeClr>
+          </a:lnRef>
+          <a:fillRef idx="1">
+            <a:schemeClr val="accent1"/>
+          </a:fillRef>
+          <a:effectRef idx="0">
+            <a:schemeClr val="accent1"/>
+          </a:effectRef>
+          <a:fontRef idx="minor">
+            <a:schemeClr val="lt1"/>
+          </a:fontRef>
+        </p:style>
+        <p:txBody>
+          <a:bodyPr rtlCol="0" anchor="ctr"/>
+          <a:lstStyle/>
+          <a:p>
+            <a:pPr algn="ctr"/>
             <a:r>
               <a:rPr lang="en-US" dirty="0"/>
-              <a:t>The URL contains data; i.e., http://10.13.154.216/inputdata/24.6</a:t>
-            </a:r>
-          </a:p>
-          <a:p>
+              <a:t>Flask Processes Data</a:t>
+            </a:r>
+          </a:p>
+        </p:txBody>
+      </p:sp>
+      <p:sp>
+        <p:nvSpPr>
+          <p:cNvPr id="13" name="Arrow: Right 12">
+            <a:extLst>
+              <a:ext uri="{FF2B5EF4-FFF2-40B4-BE49-F238E27FC236}">
+                <a16:creationId xmlns:a16="http://schemas.microsoft.com/office/drawing/2014/main" id="{8955BE31-9638-6518-D203-FA61BEDE5B18}"/>
+              </a:ext>
+            </a:extLst>
+          </p:cNvPr>
+          <p:cNvSpPr/>
+          <p:nvPr/>
+        </p:nvSpPr>
+        <p:spPr>
+          <a:xfrm>
+            <a:off x="503741" y="5070673"/>
+            <a:ext cx="4035406" cy="1155320"/>
+          </a:xfrm>
+          <a:prstGeom prst="rightArrow">
+            <a:avLst/>
+          </a:prstGeom>
+          <a:solidFill>
+            <a:schemeClr val="accent1"/>
+          </a:solidFill>
+          <a:ln>
+            <a:solidFill>
+              <a:schemeClr val="bg1"/>
+            </a:solidFill>
+          </a:ln>
+        </p:spPr>
+        <p:style>
+          <a:lnRef idx="2">
+            <a:schemeClr val="accent1">
+              <a:shade val="50000"/>
+            </a:schemeClr>
+          </a:lnRef>
+          <a:fillRef idx="1">
+            <a:schemeClr val="accent1"/>
+          </a:fillRef>
+          <a:effectRef idx="0">
+            <a:schemeClr val="accent1"/>
+          </a:effectRef>
+          <a:fontRef idx="minor">
+            <a:schemeClr val="lt1"/>
+          </a:fontRef>
+        </p:style>
+        <p:txBody>
+          <a:bodyPr rtlCol="0" anchor="ctr"/>
+          <a:lstStyle/>
+          <a:p>
+            <a:pPr algn="ctr"/>
             <a:r>
               <a:rPr lang="en-US" dirty="0"/>
-              <a:t>Flask receives the request (along with the data in the URL) and does some processing</a:t>
-            </a:r>
-          </a:p>
-          <a:p>
-            <a:pPr lvl="1"/>
+              <a:t>Processed Data is Returned to ESP32</a:t>
+            </a:r>
+          </a:p>
+        </p:txBody>
+      </p:sp>
+      <p:sp>
+        <p:nvSpPr>
+          <p:cNvPr id="14" name="Rectangle 13">
+            <a:extLst>
+              <a:ext uri="{FF2B5EF4-FFF2-40B4-BE49-F238E27FC236}">
+                <a16:creationId xmlns:a16="http://schemas.microsoft.com/office/drawing/2014/main" id="{BFB3541B-69C6-CD0A-E684-F0B9252D9A36}"/>
+              </a:ext>
+            </a:extLst>
+          </p:cNvPr>
+          <p:cNvSpPr/>
+          <p:nvPr/>
+        </p:nvSpPr>
+        <p:spPr>
+          <a:xfrm>
+            <a:off x="4796742" y="2343492"/>
+            <a:ext cx="5056909" cy="799416"/>
+          </a:xfrm>
+          <a:prstGeom prst="rect">
+            <a:avLst/>
+          </a:prstGeom>
+          <a:noFill/>
+          <a:ln w="76200">
+            <a:solidFill>
+              <a:srgbClr val="FF0000"/>
+            </a:solidFill>
+          </a:ln>
+        </p:spPr>
+        <p:style>
+          <a:lnRef idx="2">
+            <a:schemeClr val="accent1">
+              <a:shade val="50000"/>
+            </a:schemeClr>
+          </a:lnRef>
+          <a:fillRef idx="1">
+            <a:schemeClr val="accent1"/>
+          </a:fillRef>
+          <a:effectRef idx="0">
+            <a:schemeClr val="accent1"/>
+          </a:effectRef>
+          <a:fontRef idx="minor">
+            <a:schemeClr val="lt1"/>
+          </a:fontRef>
+        </p:style>
+        <p:txBody>
+          <a:bodyPr rtlCol="0" anchor="ctr"/>
+          <a:lstStyle/>
+          <a:p>
+            <a:pPr algn="ctr"/>
+            <a:endParaRPr lang="en-US"/>
+          </a:p>
+        </p:txBody>
+      </p:sp>
+      <p:sp>
+        <p:nvSpPr>
+          <p:cNvPr id="15" name="Arrow: Right 14">
+            <a:extLst>
+              <a:ext uri="{FF2B5EF4-FFF2-40B4-BE49-F238E27FC236}">
+                <a16:creationId xmlns:a16="http://schemas.microsoft.com/office/drawing/2014/main" id="{E18E03A9-C3C4-522F-370B-637904A71859}"/>
+              </a:ext>
+            </a:extLst>
+          </p:cNvPr>
+          <p:cNvSpPr/>
+          <p:nvPr/>
+        </p:nvSpPr>
+        <p:spPr>
+          <a:xfrm>
+            <a:off x="503741" y="2216898"/>
+            <a:ext cx="4035406" cy="1155320"/>
+          </a:xfrm>
+          <a:prstGeom prst="rightArrow">
+            <a:avLst/>
+          </a:prstGeom>
+          <a:solidFill>
+            <a:schemeClr val="accent1"/>
+          </a:solidFill>
+          <a:ln>
+            <a:solidFill>
+              <a:schemeClr val="bg1"/>
+            </a:solidFill>
+          </a:ln>
+        </p:spPr>
+        <p:style>
+          <a:lnRef idx="2">
+            <a:schemeClr val="accent1">
+              <a:shade val="50000"/>
+            </a:schemeClr>
+          </a:lnRef>
+          <a:fillRef idx="1">
+            <a:schemeClr val="accent1"/>
+          </a:fillRef>
+          <a:effectRef idx="0">
+            <a:schemeClr val="accent1"/>
+          </a:effectRef>
+          <a:fontRef idx="minor">
+            <a:schemeClr val="lt1"/>
+          </a:fontRef>
+        </p:style>
+        <p:txBody>
+          <a:bodyPr rtlCol="0" anchor="ctr"/>
+          <a:lstStyle/>
+          <a:p>
+            <a:pPr algn="ctr"/>
             <a:r>
               <a:rPr lang="en-US" dirty="0"/>
-              <a:t>Any calculations, advanced processing, etc. SHOULD BE DONE SERVER-SIDE (in Flask). The ESP32 is a relatively weak computer and can’t handle advanced operations. On the other hand, the “host” has more computational resources, so it can do things like AI/ML and other advanced calculations.</a:t>
-            </a:r>
-          </a:p>
-          <a:p>
-            <a:r>
-              <a:rPr lang="en-US" dirty="0"/>
-              <a:t>Flask sends a response back to the client (along with processed data)</a:t>
-            </a:r>
-          </a:p>
-          <a:p>
-            <a:pPr lvl="1"/>
-            <a:r>
-              <a:rPr lang="en-US" dirty="0"/>
-              <a:t>For the ESP32, the response can be printed in the Serial Monitor</a:t>
-            </a:r>
-          </a:p>
-          <a:p>
-            <a:pPr lvl="1"/>
-            <a:r>
-              <a:rPr lang="en-US" dirty="0"/>
-              <a:t>For a human using a computer, the response can be rendered with HTML on a web browser</a:t>
+              <a:t>Flask Stores Data in Persistent Storage</a:t>
             </a:r>
           </a:p>
         </p:txBody>
@@ -5986,7 +6360,7 @@
     </p:spTree>
     <p:extLst>
       <p:ext uri="{BB962C8B-B14F-4D97-AF65-F5344CB8AC3E}">
-        <p14:creationId xmlns:p14="http://schemas.microsoft.com/office/powerpoint/2010/main" val="3269124258"/>
+        <p14:creationId xmlns:p14="http://schemas.microsoft.com/office/powerpoint/2010/main" val="3861650629"/>
       </p:ext>
     </p:extLst>
   </p:cSld>
@@ -6013,472 +6387,98 @@
           <a:chExt cx="0" cy="0"/>
         </a:xfrm>
       </p:grpSpPr>
-      <p:pic>
-        <p:nvPicPr>
-          <p:cNvPr id="6" name="Content Placeholder 5" descr="Text&#10;&#10;Description automatically generated">
+      <p:sp>
+        <p:nvSpPr>
+          <p:cNvPr id="2" name="Title 1">
             <a:extLst>
               <a:ext uri="{FF2B5EF4-FFF2-40B4-BE49-F238E27FC236}">
-                <a16:creationId xmlns:a16="http://schemas.microsoft.com/office/drawing/2014/main" id="{89E85EB2-6BD9-97BC-6514-C639676F73C0}"/>
+                <a16:creationId xmlns:a16="http://schemas.microsoft.com/office/drawing/2014/main" id="{B13AAC35-CC71-52A2-E2F6-9396B9FCBE2D}"/>
               </a:ext>
             </a:extLst>
           </p:cNvPr>
-          <p:cNvPicPr>
-            <a:picLocks noGrp="1" noChangeAspect="1"/>
-          </p:cNvPicPr>
-          <p:nvPr>
-            <p:ph idx="1"/>
-          </p:nvPr>
-        </p:nvPicPr>
-        <p:blipFill rotWithShape="1">
-          <a:blip r:embed="rId2">
-            <a:extLst>
-              <a:ext uri="{28A0092B-C50C-407E-A947-70E740481C1C}">
-                <a14:useLocalDpi xmlns:a14="http://schemas.microsoft.com/office/drawing/2010/main" val="0"/>
-              </a:ext>
-            </a:extLst>
-          </a:blip>
-          <a:srcRect l="5018" t="8423" r="4624" b="8288"/>
-          <a:stretch/>
-        </p:blipFill>
-        <p:spPr>
-          <a:xfrm>
-            <a:off x="4685338" y="592359"/>
-            <a:ext cx="7273637" cy="5707148"/>
-          </a:xfrm>
-        </p:spPr>
-      </p:pic>
-      <p:sp>
-        <p:nvSpPr>
-          <p:cNvPr id="7" name="Rectangle 6">
+          <p:cNvSpPr>
+            <a:spLocks noGrp="1"/>
+          </p:cNvSpPr>
+          <p:nvPr>
+            <p:ph type="title"/>
+          </p:nvPr>
+        </p:nvSpPr>
+        <p:spPr/>
+        <p:txBody>
+          <a:bodyPr/>
+          <a:lstStyle/>
+          <a:p>
+            <a:r>
+              <a:rPr lang="en-US" cap="none" dirty="0"/>
+              <a:t>Data Flow from ESP32 to Flask Application</a:t>
+            </a:r>
+          </a:p>
+        </p:txBody>
+      </p:sp>
+      <p:sp>
+        <p:nvSpPr>
+          <p:cNvPr id="3" name="Content Placeholder 2">
             <a:extLst>
               <a:ext uri="{FF2B5EF4-FFF2-40B4-BE49-F238E27FC236}">
-                <a16:creationId xmlns:a16="http://schemas.microsoft.com/office/drawing/2014/main" id="{BC52D2F0-00EB-34C1-8008-8336DE743858}"/>
+                <a16:creationId xmlns:a16="http://schemas.microsoft.com/office/drawing/2014/main" id="{54CCF76B-AAA8-A4A4-2243-5D5FA6DF77CC}"/>
               </a:ext>
             </a:extLst>
           </p:cNvPr>
-          <p:cNvSpPr/>
-          <p:nvPr/>
-        </p:nvSpPr>
-        <p:spPr>
-          <a:xfrm>
-            <a:off x="4796742" y="696393"/>
-            <a:ext cx="5056909" cy="1647099"/>
-          </a:xfrm>
-          <a:prstGeom prst="rect">
-            <a:avLst/>
-          </a:prstGeom>
-          <a:noFill/>
-          <a:ln w="76200">
-            <a:solidFill>
-              <a:srgbClr val="FF0000"/>
-            </a:solidFill>
-          </a:ln>
-        </p:spPr>
-        <p:style>
-          <a:lnRef idx="2">
-            <a:schemeClr val="accent1">
-              <a:shade val="50000"/>
-            </a:schemeClr>
-          </a:lnRef>
-          <a:fillRef idx="1">
-            <a:schemeClr val="accent1"/>
-          </a:fillRef>
-          <a:effectRef idx="0">
-            <a:schemeClr val="accent1"/>
-          </a:effectRef>
-          <a:fontRef idx="minor">
-            <a:schemeClr val="lt1"/>
-          </a:fontRef>
-        </p:style>
-        <p:txBody>
-          <a:bodyPr rtlCol="0" anchor="ctr"/>
-          <a:lstStyle/>
-          <a:p>
-            <a:pPr algn="ctr"/>
-            <a:endParaRPr lang="en-US"/>
-          </a:p>
-        </p:txBody>
-      </p:sp>
-      <p:sp>
-        <p:nvSpPr>
-          <p:cNvPr id="8" name="Rectangle 7">
-            <a:extLst>
-              <a:ext uri="{FF2B5EF4-FFF2-40B4-BE49-F238E27FC236}">
-                <a16:creationId xmlns:a16="http://schemas.microsoft.com/office/drawing/2014/main" id="{5AD1524C-FB95-F08A-B4DB-7885FA6C6E32}"/>
-              </a:ext>
-            </a:extLst>
-          </p:cNvPr>
-          <p:cNvSpPr/>
-          <p:nvPr/>
-        </p:nvSpPr>
-        <p:spPr>
-          <a:xfrm>
-            <a:off x="4796742" y="3142908"/>
-            <a:ext cx="5056909" cy="1987588"/>
-          </a:xfrm>
-          <a:prstGeom prst="rect">
-            <a:avLst/>
-          </a:prstGeom>
-          <a:noFill/>
-          <a:ln w="76200">
-            <a:solidFill>
-              <a:srgbClr val="FF0000"/>
-            </a:solidFill>
-          </a:ln>
-        </p:spPr>
-        <p:style>
-          <a:lnRef idx="2">
-            <a:schemeClr val="accent1">
-              <a:shade val="50000"/>
-            </a:schemeClr>
-          </a:lnRef>
-          <a:fillRef idx="1">
-            <a:schemeClr val="accent1"/>
-          </a:fillRef>
-          <a:effectRef idx="0">
-            <a:schemeClr val="accent1"/>
-          </a:effectRef>
-          <a:fontRef idx="minor">
-            <a:schemeClr val="lt1"/>
-          </a:fontRef>
-        </p:style>
-        <p:txBody>
-          <a:bodyPr rtlCol="0" anchor="ctr"/>
-          <a:lstStyle/>
-          <a:p>
-            <a:pPr algn="ctr"/>
-            <a:endParaRPr lang="en-US"/>
-          </a:p>
-        </p:txBody>
-      </p:sp>
-      <p:sp>
-        <p:nvSpPr>
-          <p:cNvPr id="9" name="Rectangle 8">
-            <a:extLst>
-              <a:ext uri="{FF2B5EF4-FFF2-40B4-BE49-F238E27FC236}">
-                <a16:creationId xmlns:a16="http://schemas.microsoft.com/office/drawing/2014/main" id="{6ED8085E-6A33-528C-6DB8-5DE3AB005856}"/>
-              </a:ext>
-            </a:extLst>
-          </p:cNvPr>
-          <p:cNvSpPr/>
-          <p:nvPr/>
-        </p:nvSpPr>
-        <p:spPr>
-          <a:xfrm>
-            <a:off x="4796742" y="5130496"/>
-            <a:ext cx="5056909" cy="1035674"/>
-          </a:xfrm>
-          <a:prstGeom prst="rect">
-            <a:avLst/>
-          </a:prstGeom>
-          <a:noFill/>
-          <a:ln w="76200">
-            <a:solidFill>
-              <a:srgbClr val="FF0000"/>
-            </a:solidFill>
-          </a:ln>
-        </p:spPr>
-        <p:style>
-          <a:lnRef idx="2">
-            <a:schemeClr val="accent1">
-              <a:shade val="50000"/>
-            </a:schemeClr>
-          </a:lnRef>
-          <a:fillRef idx="1">
-            <a:schemeClr val="accent1"/>
-          </a:fillRef>
-          <a:effectRef idx="0">
-            <a:schemeClr val="accent1"/>
-          </a:effectRef>
-          <a:fontRef idx="minor">
-            <a:schemeClr val="lt1"/>
-          </a:fontRef>
-        </p:style>
-        <p:txBody>
-          <a:bodyPr rtlCol="0" anchor="ctr"/>
-          <a:lstStyle/>
-          <a:p>
-            <a:pPr algn="ctr"/>
-            <a:endParaRPr lang="en-US"/>
-          </a:p>
-        </p:txBody>
-      </p:sp>
-      <p:sp>
-        <p:nvSpPr>
-          <p:cNvPr id="10" name="Arrow: Right 9">
-            <a:extLst>
-              <a:ext uri="{FF2B5EF4-FFF2-40B4-BE49-F238E27FC236}">
-                <a16:creationId xmlns:a16="http://schemas.microsoft.com/office/drawing/2014/main" id="{083300F4-293B-B37F-7E1F-012551630124}"/>
-              </a:ext>
-            </a:extLst>
-          </p:cNvPr>
-          <p:cNvSpPr/>
-          <p:nvPr/>
-        </p:nvSpPr>
-        <p:spPr>
-          <a:xfrm>
-            <a:off x="503741" y="958204"/>
-            <a:ext cx="4035406" cy="1155320"/>
-          </a:xfrm>
-          <a:prstGeom prst="rightArrow">
-            <a:avLst/>
-          </a:prstGeom>
-          <a:solidFill>
-            <a:schemeClr val="accent1"/>
-          </a:solidFill>
-          <a:ln>
-            <a:solidFill>
-              <a:schemeClr val="bg1"/>
-            </a:solidFill>
-          </a:ln>
-        </p:spPr>
-        <p:style>
-          <a:lnRef idx="2">
-            <a:schemeClr val="accent1">
-              <a:shade val="50000"/>
-            </a:schemeClr>
-          </a:lnRef>
-          <a:fillRef idx="1">
-            <a:schemeClr val="accent1"/>
-          </a:fillRef>
-          <a:effectRef idx="0">
-            <a:schemeClr val="accent1"/>
-          </a:effectRef>
-          <a:fontRef idx="minor">
-            <a:schemeClr val="lt1"/>
-          </a:fontRef>
-        </p:style>
-        <p:txBody>
-          <a:bodyPr rtlCol="0" anchor="ctr"/>
-          <a:lstStyle/>
-          <a:p>
-            <a:pPr algn="ctr"/>
+          <p:cNvSpPr>
+            <a:spLocks noGrp="1"/>
+          </p:cNvSpPr>
+          <p:nvPr>
+            <p:ph idx="1"/>
+          </p:nvPr>
+        </p:nvSpPr>
+        <p:spPr/>
+        <p:txBody>
+          <a:bodyPr/>
+          <a:lstStyle/>
+          <a:p>
             <a:r>
               <a:rPr lang="en-US" dirty="0"/>
-              <a:t>Receive Data from ESP32 through URL</a:t>
-            </a:r>
-          </a:p>
-        </p:txBody>
-      </p:sp>
-      <p:sp>
-        <p:nvSpPr>
-          <p:cNvPr id="12" name="Arrow: Right 11">
-            <a:extLst>
-              <a:ext uri="{FF2B5EF4-FFF2-40B4-BE49-F238E27FC236}">
-                <a16:creationId xmlns:a16="http://schemas.microsoft.com/office/drawing/2014/main" id="{9ED719B6-74E1-82EA-8EF9-8078DF27EDD4}"/>
-              </a:ext>
-            </a:extLst>
-          </p:cNvPr>
-          <p:cNvSpPr/>
-          <p:nvPr/>
-        </p:nvSpPr>
-        <p:spPr>
-          <a:xfrm>
-            <a:off x="503741" y="3445933"/>
-            <a:ext cx="4035406" cy="1155320"/>
-          </a:xfrm>
-          <a:prstGeom prst="rightArrow">
-            <a:avLst/>
-          </a:prstGeom>
-          <a:solidFill>
-            <a:schemeClr val="accent1"/>
-          </a:solidFill>
-          <a:ln>
-            <a:solidFill>
-              <a:schemeClr val="bg1"/>
-            </a:solidFill>
-          </a:ln>
-        </p:spPr>
-        <p:style>
-          <a:lnRef idx="2">
-            <a:schemeClr val="accent1">
-              <a:shade val="50000"/>
-            </a:schemeClr>
-          </a:lnRef>
-          <a:fillRef idx="1">
-            <a:schemeClr val="accent1"/>
-          </a:fillRef>
-          <a:effectRef idx="0">
-            <a:schemeClr val="accent1"/>
-          </a:effectRef>
-          <a:fontRef idx="minor">
-            <a:schemeClr val="lt1"/>
-          </a:fontRef>
-        </p:style>
-        <p:txBody>
-          <a:bodyPr rtlCol="0" anchor="ctr"/>
-          <a:lstStyle/>
-          <a:p>
-            <a:pPr algn="ctr"/>
+              <a:t>ESP32 “visits” a URL associated with a Flask application</a:t>
+            </a:r>
+          </a:p>
+          <a:p>
+            <a:pPr lvl="1"/>
             <a:r>
               <a:rPr lang="en-US" dirty="0"/>
-              <a:t>Flask Processes Data</a:t>
-            </a:r>
-          </a:p>
-        </p:txBody>
-      </p:sp>
-      <p:sp>
-        <p:nvSpPr>
-          <p:cNvPr id="13" name="Arrow: Right 12">
-            <a:extLst>
-              <a:ext uri="{FF2B5EF4-FFF2-40B4-BE49-F238E27FC236}">
-                <a16:creationId xmlns:a16="http://schemas.microsoft.com/office/drawing/2014/main" id="{8955BE31-9638-6518-D203-FA61BEDE5B18}"/>
-              </a:ext>
-            </a:extLst>
-          </p:cNvPr>
-          <p:cNvSpPr/>
-          <p:nvPr/>
-        </p:nvSpPr>
-        <p:spPr>
-          <a:xfrm>
-            <a:off x="503741" y="5070673"/>
-            <a:ext cx="4035406" cy="1155320"/>
-          </a:xfrm>
-          <a:prstGeom prst="rightArrow">
-            <a:avLst/>
-          </a:prstGeom>
-          <a:solidFill>
-            <a:schemeClr val="accent1"/>
-          </a:solidFill>
-          <a:ln>
-            <a:solidFill>
-              <a:schemeClr val="bg1"/>
-            </a:solidFill>
-          </a:ln>
-        </p:spPr>
-        <p:style>
-          <a:lnRef idx="2">
-            <a:schemeClr val="accent1">
-              <a:shade val="50000"/>
-            </a:schemeClr>
-          </a:lnRef>
-          <a:fillRef idx="1">
-            <a:schemeClr val="accent1"/>
-          </a:fillRef>
-          <a:effectRef idx="0">
-            <a:schemeClr val="accent1"/>
-          </a:effectRef>
-          <a:fontRef idx="minor">
-            <a:schemeClr val="lt1"/>
-          </a:fontRef>
-        </p:style>
-        <p:txBody>
-          <a:bodyPr rtlCol="0" anchor="ctr"/>
-          <a:lstStyle/>
-          <a:p>
-            <a:pPr algn="ctr"/>
+              <a:t>The URL contains data; i.e., http://10.13.154.216/inputdata/24.6</a:t>
+            </a:r>
+          </a:p>
+          <a:p>
             <a:r>
               <a:rPr lang="en-US" dirty="0"/>
-              <a:t>Processed Data is Returned to ESP32</a:t>
-            </a:r>
-          </a:p>
-        </p:txBody>
-      </p:sp>
-      <p:sp>
-        <p:nvSpPr>
-          <p:cNvPr id="14" name="Rectangle 13">
-            <a:extLst>
-              <a:ext uri="{FF2B5EF4-FFF2-40B4-BE49-F238E27FC236}">
-                <a16:creationId xmlns:a16="http://schemas.microsoft.com/office/drawing/2014/main" id="{BFB3541B-69C6-CD0A-E684-F0B9252D9A36}"/>
-              </a:ext>
-            </a:extLst>
-          </p:cNvPr>
-          <p:cNvSpPr/>
-          <p:nvPr/>
-        </p:nvSpPr>
-        <p:spPr>
-          <a:xfrm>
-            <a:off x="4796742" y="2343492"/>
-            <a:ext cx="5056909" cy="799416"/>
-          </a:xfrm>
-          <a:prstGeom prst="rect">
-            <a:avLst/>
-          </a:prstGeom>
-          <a:noFill/>
-          <a:ln w="76200">
-            <a:solidFill>
-              <a:srgbClr val="FF0000"/>
-            </a:solidFill>
-          </a:ln>
-        </p:spPr>
-        <p:style>
-          <a:lnRef idx="2">
-            <a:schemeClr val="accent1">
-              <a:shade val="50000"/>
-            </a:schemeClr>
-          </a:lnRef>
-          <a:fillRef idx="1">
-            <a:schemeClr val="accent1"/>
-          </a:fillRef>
-          <a:effectRef idx="0">
-            <a:schemeClr val="accent1"/>
-          </a:effectRef>
-          <a:fontRef idx="minor">
-            <a:schemeClr val="lt1"/>
-          </a:fontRef>
-        </p:style>
-        <p:txBody>
-          <a:bodyPr rtlCol="0" anchor="ctr"/>
-          <a:lstStyle/>
-          <a:p>
-            <a:pPr algn="ctr"/>
-            <a:endParaRPr lang="en-US"/>
-          </a:p>
-        </p:txBody>
-      </p:sp>
-      <p:sp>
-        <p:nvSpPr>
-          <p:cNvPr id="15" name="Arrow: Right 14">
-            <a:extLst>
-              <a:ext uri="{FF2B5EF4-FFF2-40B4-BE49-F238E27FC236}">
-                <a16:creationId xmlns:a16="http://schemas.microsoft.com/office/drawing/2014/main" id="{E18E03A9-C3C4-522F-370B-637904A71859}"/>
-              </a:ext>
-            </a:extLst>
-          </p:cNvPr>
-          <p:cNvSpPr/>
-          <p:nvPr/>
-        </p:nvSpPr>
-        <p:spPr>
-          <a:xfrm>
-            <a:off x="503741" y="2216898"/>
-            <a:ext cx="4035406" cy="1155320"/>
-          </a:xfrm>
-          <a:prstGeom prst="rightArrow">
-            <a:avLst/>
-          </a:prstGeom>
-          <a:solidFill>
-            <a:schemeClr val="accent1"/>
-          </a:solidFill>
-          <a:ln>
-            <a:solidFill>
-              <a:schemeClr val="bg1"/>
-            </a:solidFill>
-          </a:ln>
-        </p:spPr>
-        <p:style>
-          <a:lnRef idx="2">
-            <a:schemeClr val="accent1">
-              <a:shade val="50000"/>
-            </a:schemeClr>
-          </a:lnRef>
-          <a:fillRef idx="1">
-            <a:schemeClr val="accent1"/>
-          </a:fillRef>
-          <a:effectRef idx="0">
-            <a:schemeClr val="accent1"/>
-          </a:effectRef>
-          <a:fontRef idx="minor">
-            <a:schemeClr val="lt1"/>
-          </a:fontRef>
-        </p:style>
-        <p:txBody>
-          <a:bodyPr rtlCol="0" anchor="ctr"/>
-          <a:lstStyle/>
-          <a:p>
-            <a:pPr algn="ctr"/>
+              <a:t>Flask receives the request (along with the data in the URL) and does some processing</a:t>
+            </a:r>
+          </a:p>
+          <a:p>
+            <a:pPr lvl="1"/>
             <a:r>
               <a:rPr lang="en-US" dirty="0"/>
-              <a:t>Flask Stores Data in Persistent Storage</a:t>
+              <a:t>Any calculations, advanced processing, etc. SHOULD BE DONE SERVER-SIDE (in Flask). The ESP32 is a relatively weak computer and can’t handle advanced operations. On the other hand, the “host” has more computational resources, so it can do things like AI/ML and other advanced calculations.</a:t>
+            </a:r>
+          </a:p>
+          <a:p>
+            <a:r>
+              <a:rPr lang="en-US" dirty="0"/>
+              <a:t>Flask sends a response back to the client (along with processed data)</a:t>
+            </a:r>
+          </a:p>
+          <a:p>
+            <a:pPr lvl="1"/>
+            <a:r>
+              <a:rPr lang="en-US" dirty="0"/>
+              <a:t>For the ESP32, the response can be printed in the Serial Monitor</a:t>
+            </a:r>
+          </a:p>
+          <a:p>
+            <a:pPr lvl="1"/>
+            <a:r>
+              <a:rPr lang="en-US" dirty="0"/>
+              <a:t>For a human using a computer, the response can be rendered with HTML on a web browser</a:t>
             </a:r>
           </a:p>
         </p:txBody>
@@ -6486,7 +6486,7 @@
     </p:spTree>
     <p:extLst>
       <p:ext uri="{BB962C8B-B14F-4D97-AF65-F5344CB8AC3E}">
-        <p14:creationId xmlns:p14="http://schemas.microsoft.com/office/powerpoint/2010/main" val="3861650629"/>
+        <p14:creationId xmlns:p14="http://schemas.microsoft.com/office/powerpoint/2010/main" val="3269124258"/>
       </p:ext>
     </p:extLst>
   </p:cSld>

--- a/FlaskESP32ConceptDemo.pptx
+++ b/FlaskESP32ConceptDemo.pptx
@@ -6,8 +6,8 @@
   </p:sldMasterIdLst>
   <p:sldIdLst>
     <p:sldId id="256" r:id="rId2"/>
-    <p:sldId id="259" r:id="rId3"/>
-    <p:sldId id="257" r:id="rId4"/>
+    <p:sldId id="257" r:id="rId3"/>
+    <p:sldId id="259" r:id="rId4"/>
     <p:sldId id="258" r:id="rId5"/>
     <p:sldId id="264" r:id="rId6"/>
     <p:sldId id="262" r:id="rId7"/>
@@ -5887,472 +5887,98 @@
           <a:chExt cx="0" cy="0"/>
         </a:xfrm>
       </p:grpSpPr>
-      <p:pic>
-        <p:nvPicPr>
-          <p:cNvPr id="6" name="Content Placeholder 5" descr="Text&#10;&#10;Description automatically generated">
+      <p:sp>
+        <p:nvSpPr>
+          <p:cNvPr id="2" name="Title 1">
             <a:extLst>
               <a:ext uri="{FF2B5EF4-FFF2-40B4-BE49-F238E27FC236}">
-                <a16:creationId xmlns:a16="http://schemas.microsoft.com/office/drawing/2014/main" id="{89E85EB2-6BD9-97BC-6514-C639676F73C0}"/>
+                <a16:creationId xmlns:a16="http://schemas.microsoft.com/office/drawing/2014/main" id="{B13AAC35-CC71-52A2-E2F6-9396B9FCBE2D}"/>
               </a:ext>
             </a:extLst>
           </p:cNvPr>
-          <p:cNvPicPr>
-            <a:picLocks noGrp="1" noChangeAspect="1"/>
-          </p:cNvPicPr>
-          <p:nvPr>
-            <p:ph idx="1"/>
-          </p:nvPr>
-        </p:nvPicPr>
-        <p:blipFill rotWithShape="1">
-          <a:blip r:embed="rId2">
-            <a:extLst>
-              <a:ext uri="{28A0092B-C50C-407E-A947-70E740481C1C}">
-                <a14:useLocalDpi xmlns:a14="http://schemas.microsoft.com/office/drawing/2010/main" val="0"/>
-              </a:ext>
-            </a:extLst>
-          </a:blip>
-          <a:srcRect l="5018" t="8423" r="4624" b="8288"/>
-          <a:stretch/>
-        </p:blipFill>
-        <p:spPr>
-          <a:xfrm>
-            <a:off x="4685338" y="592359"/>
-            <a:ext cx="7273637" cy="5707148"/>
-          </a:xfrm>
-        </p:spPr>
-      </p:pic>
-      <p:sp>
-        <p:nvSpPr>
-          <p:cNvPr id="7" name="Rectangle 6">
+          <p:cNvSpPr>
+            <a:spLocks noGrp="1"/>
+          </p:cNvSpPr>
+          <p:nvPr>
+            <p:ph type="title"/>
+          </p:nvPr>
+        </p:nvSpPr>
+        <p:spPr/>
+        <p:txBody>
+          <a:bodyPr/>
+          <a:lstStyle/>
+          <a:p>
+            <a:r>
+              <a:rPr lang="en-US" cap="none" dirty="0"/>
+              <a:t>Data Flow from ESP32 to Flask Application</a:t>
+            </a:r>
+          </a:p>
+        </p:txBody>
+      </p:sp>
+      <p:sp>
+        <p:nvSpPr>
+          <p:cNvPr id="3" name="Content Placeholder 2">
             <a:extLst>
               <a:ext uri="{FF2B5EF4-FFF2-40B4-BE49-F238E27FC236}">
-                <a16:creationId xmlns:a16="http://schemas.microsoft.com/office/drawing/2014/main" id="{BC52D2F0-00EB-34C1-8008-8336DE743858}"/>
+                <a16:creationId xmlns:a16="http://schemas.microsoft.com/office/drawing/2014/main" id="{54CCF76B-AAA8-A4A4-2243-5D5FA6DF77CC}"/>
               </a:ext>
             </a:extLst>
           </p:cNvPr>
-          <p:cNvSpPr/>
-          <p:nvPr/>
-        </p:nvSpPr>
-        <p:spPr>
-          <a:xfrm>
-            <a:off x="4796742" y="696393"/>
-            <a:ext cx="5056909" cy="1647099"/>
-          </a:xfrm>
-          <a:prstGeom prst="rect">
-            <a:avLst/>
-          </a:prstGeom>
-          <a:noFill/>
-          <a:ln w="76200">
-            <a:solidFill>
-              <a:srgbClr val="FF0000"/>
-            </a:solidFill>
-          </a:ln>
-        </p:spPr>
-        <p:style>
-          <a:lnRef idx="2">
-            <a:schemeClr val="accent1">
-              <a:shade val="50000"/>
-            </a:schemeClr>
-          </a:lnRef>
-          <a:fillRef idx="1">
-            <a:schemeClr val="accent1"/>
-          </a:fillRef>
-          <a:effectRef idx="0">
-            <a:schemeClr val="accent1"/>
-          </a:effectRef>
-          <a:fontRef idx="minor">
-            <a:schemeClr val="lt1"/>
-          </a:fontRef>
-        </p:style>
-        <p:txBody>
-          <a:bodyPr rtlCol="0" anchor="ctr"/>
-          <a:lstStyle/>
-          <a:p>
-            <a:pPr algn="ctr"/>
-            <a:endParaRPr lang="en-US"/>
-          </a:p>
-        </p:txBody>
-      </p:sp>
-      <p:sp>
-        <p:nvSpPr>
-          <p:cNvPr id="8" name="Rectangle 7">
-            <a:extLst>
-              <a:ext uri="{FF2B5EF4-FFF2-40B4-BE49-F238E27FC236}">
-                <a16:creationId xmlns:a16="http://schemas.microsoft.com/office/drawing/2014/main" id="{5AD1524C-FB95-F08A-B4DB-7885FA6C6E32}"/>
-              </a:ext>
-            </a:extLst>
-          </p:cNvPr>
-          <p:cNvSpPr/>
-          <p:nvPr/>
-        </p:nvSpPr>
-        <p:spPr>
-          <a:xfrm>
-            <a:off x="4796742" y="3142908"/>
-            <a:ext cx="5056909" cy="1987588"/>
-          </a:xfrm>
-          <a:prstGeom prst="rect">
-            <a:avLst/>
-          </a:prstGeom>
-          <a:noFill/>
-          <a:ln w="76200">
-            <a:solidFill>
-              <a:srgbClr val="FF0000"/>
-            </a:solidFill>
-          </a:ln>
-        </p:spPr>
-        <p:style>
-          <a:lnRef idx="2">
-            <a:schemeClr val="accent1">
-              <a:shade val="50000"/>
-            </a:schemeClr>
-          </a:lnRef>
-          <a:fillRef idx="1">
-            <a:schemeClr val="accent1"/>
-          </a:fillRef>
-          <a:effectRef idx="0">
-            <a:schemeClr val="accent1"/>
-          </a:effectRef>
-          <a:fontRef idx="minor">
-            <a:schemeClr val="lt1"/>
-          </a:fontRef>
-        </p:style>
-        <p:txBody>
-          <a:bodyPr rtlCol="0" anchor="ctr"/>
-          <a:lstStyle/>
-          <a:p>
-            <a:pPr algn="ctr"/>
-            <a:endParaRPr lang="en-US"/>
-          </a:p>
-        </p:txBody>
-      </p:sp>
-      <p:sp>
-        <p:nvSpPr>
-          <p:cNvPr id="9" name="Rectangle 8">
-            <a:extLst>
-              <a:ext uri="{FF2B5EF4-FFF2-40B4-BE49-F238E27FC236}">
-                <a16:creationId xmlns:a16="http://schemas.microsoft.com/office/drawing/2014/main" id="{6ED8085E-6A33-528C-6DB8-5DE3AB005856}"/>
-              </a:ext>
-            </a:extLst>
-          </p:cNvPr>
-          <p:cNvSpPr/>
-          <p:nvPr/>
-        </p:nvSpPr>
-        <p:spPr>
-          <a:xfrm>
-            <a:off x="4796742" y="5130496"/>
-            <a:ext cx="5056909" cy="1035674"/>
-          </a:xfrm>
-          <a:prstGeom prst="rect">
-            <a:avLst/>
-          </a:prstGeom>
-          <a:noFill/>
-          <a:ln w="76200">
-            <a:solidFill>
-              <a:srgbClr val="FF0000"/>
-            </a:solidFill>
-          </a:ln>
-        </p:spPr>
-        <p:style>
-          <a:lnRef idx="2">
-            <a:schemeClr val="accent1">
-              <a:shade val="50000"/>
-            </a:schemeClr>
-          </a:lnRef>
-          <a:fillRef idx="1">
-            <a:schemeClr val="accent1"/>
-          </a:fillRef>
-          <a:effectRef idx="0">
-            <a:schemeClr val="accent1"/>
-          </a:effectRef>
-          <a:fontRef idx="minor">
-            <a:schemeClr val="lt1"/>
-          </a:fontRef>
-        </p:style>
-        <p:txBody>
-          <a:bodyPr rtlCol="0" anchor="ctr"/>
-          <a:lstStyle/>
-          <a:p>
-            <a:pPr algn="ctr"/>
-            <a:endParaRPr lang="en-US"/>
-          </a:p>
-        </p:txBody>
-      </p:sp>
-      <p:sp>
-        <p:nvSpPr>
-          <p:cNvPr id="10" name="Arrow: Right 9">
-            <a:extLst>
-              <a:ext uri="{FF2B5EF4-FFF2-40B4-BE49-F238E27FC236}">
-                <a16:creationId xmlns:a16="http://schemas.microsoft.com/office/drawing/2014/main" id="{083300F4-293B-B37F-7E1F-012551630124}"/>
-              </a:ext>
-            </a:extLst>
-          </p:cNvPr>
-          <p:cNvSpPr/>
-          <p:nvPr/>
-        </p:nvSpPr>
-        <p:spPr>
-          <a:xfrm>
-            <a:off x="503741" y="958204"/>
-            <a:ext cx="4035406" cy="1155320"/>
-          </a:xfrm>
-          <a:prstGeom prst="rightArrow">
-            <a:avLst/>
-          </a:prstGeom>
-          <a:solidFill>
-            <a:schemeClr val="accent1"/>
-          </a:solidFill>
-          <a:ln>
-            <a:solidFill>
-              <a:schemeClr val="bg1"/>
-            </a:solidFill>
-          </a:ln>
-        </p:spPr>
-        <p:style>
-          <a:lnRef idx="2">
-            <a:schemeClr val="accent1">
-              <a:shade val="50000"/>
-            </a:schemeClr>
-          </a:lnRef>
-          <a:fillRef idx="1">
-            <a:schemeClr val="accent1"/>
-          </a:fillRef>
-          <a:effectRef idx="0">
-            <a:schemeClr val="accent1"/>
-          </a:effectRef>
-          <a:fontRef idx="minor">
-            <a:schemeClr val="lt1"/>
-          </a:fontRef>
-        </p:style>
-        <p:txBody>
-          <a:bodyPr rtlCol="0" anchor="ctr"/>
-          <a:lstStyle/>
-          <a:p>
-            <a:pPr algn="ctr"/>
+          <p:cNvSpPr>
+            <a:spLocks noGrp="1"/>
+          </p:cNvSpPr>
+          <p:nvPr>
+            <p:ph idx="1"/>
+          </p:nvPr>
+        </p:nvSpPr>
+        <p:spPr/>
+        <p:txBody>
+          <a:bodyPr/>
+          <a:lstStyle/>
+          <a:p>
             <a:r>
               <a:rPr lang="en-US" dirty="0"/>
-              <a:t>Receive Data from ESP32 through URL</a:t>
-            </a:r>
-          </a:p>
-        </p:txBody>
-      </p:sp>
-      <p:sp>
-        <p:nvSpPr>
-          <p:cNvPr id="12" name="Arrow: Right 11">
-            <a:extLst>
-              <a:ext uri="{FF2B5EF4-FFF2-40B4-BE49-F238E27FC236}">
-                <a16:creationId xmlns:a16="http://schemas.microsoft.com/office/drawing/2014/main" id="{9ED719B6-74E1-82EA-8EF9-8078DF27EDD4}"/>
-              </a:ext>
-            </a:extLst>
-          </p:cNvPr>
-          <p:cNvSpPr/>
-          <p:nvPr/>
-        </p:nvSpPr>
-        <p:spPr>
-          <a:xfrm>
-            <a:off x="503741" y="3445933"/>
-            <a:ext cx="4035406" cy="1155320"/>
-          </a:xfrm>
-          <a:prstGeom prst="rightArrow">
-            <a:avLst/>
-          </a:prstGeom>
-          <a:solidFill>
-            <a:schemeClr val="accent1"/>
-          </a:solidFill>
-          <a:ln>
-            <a:solidFill>
-              <a:schemeClr val="bg1"/>
-            </a:solidFill>
-          </a:ln>
-        </p:spPr>
-        <p:style>
-          <a:lnRef idx="2">
-            <a:schemeClr val="accent1">
-              <a:shade val="50000"/>
-            </a:schemeClr>
-          </a:lnRef>
-          <a:fillRef idx="1">
-            <a:schemeClr val="accent1"/>
-          </a:fillRef>
-          <a:effectRef idx="0">
-            <a:schemeClr val="accent1"/>
-          </a:effectRef>
-          <a:fontRef idx="minor">
-            <a:schemeClr val="lt1"/>
-          </a:fontRef>
-        </p:style>
-        <p:txBody>
-          <a:bodyPr rtlCol="0" anchor="ctr"/>
-          <a:lstStyle/>
-          <a:p>
-            <a:pPr algn="ctr"/>
+              <a:t>ESP32 “visits” a URL associated with a Flask application</a:t>
+            </a:r>
+          </a:p>
+          <a:p>
+            <a:pPr lvl="1"/>
             <a:r>
               <a:rPr lang="en-US" dirty="0"/>
-              <a:t>Flask Processes Data</a:t>
-            </a:r>
-          </a:p>
-        </p:txBody>
-      </p:sp>
-      <p:sp>
-        <p:nvSpPr>
-          <p:cNvPr id="13" name="Arrow: Right 12">
-            <a:extLst>
-              <a:ext uri="{FF2B5EF4-FFF2-40B4-BE49-F238E27FC236}">
-                <a16:creationId xmlns:a16="http://schemas.microsoft.com/office/drawing/2014/main" id="{8955BE31-9638-6518-D203-FA61BEDE5B18}"/>
-              </a:ext>
-            </a:extLst>
-          </p:cNvPr>
-          <p:cNvSpPr/>
-          <p:nvPr/>
-        </p:nvSpPr>
-        <p:spPr>
-          <a:xfrm>
-            <a:off x="503741" y="5070673"/>
-            <a:ext cx="4035406" cy="1155320"/>
-          </a:xfrm>
-          <a:prstGeom prst="rightArrow">
-            <a:avLst/>
-          </a:prstGeom>
-          <a:solidFill>
-            <a:schemeClr val="accent1"/>
-          </a:solidFill>
-          <a:ln>
-            <a:solidFill>
-              <a:schemeClr val="bg1"/>
-            </a:solidFill>
-          </a:ln>
-        </p:spPr>
-        <p:style>
-          <a:lnRef idx="2">
-            <a:schemeClr val="accent1">
-              <a:shade val="50000"/>
-            </a:schemeClr>
-          </a:lnRef>
-          <a:fillRef idx="1">
-            <a:schemeClr val="accent1"/>
-          </a:fillRef>
-          <a:effectRef idx="0">
-            <a:schemeClr val="accent1"/>
-          </a:effectRef>
-          <a:fontRef idx="minor">
-            <a:schemeClr val="lt1"/>
-          </a:fontRef>
-        </p:style>
-        <p:txBody>
-          <a:bodyPr rtlCol="0" anchor="ctr"/>
-          <a:lstStyle/>
-          <a:p>
-            <a:pPr algn="ctr"/>
+              <a:t>The URL contains data; i.e., http://10.13.154.216:5000/inputdata/24.6</a:t>
+            </a:r>
+          </a:p>
+          <a:p>
             <a:r>
               <a:rPr lang="en-US" dirty="0"/>
-              <a:t>Processed Data is Returned to ESP32</a:t>
-            </a:r>
-          </a:p>
-        </p:txBody>
-      </p:sp>
-      <p:sp>
-        <p:nvSpPr>
-          <p:cNvPr id="14" name="Rectangle 13">
-            <a:extLst>
-              <a:ext uri="{FF2B5EF4-FFF2-40B4-BE49-F238E27FC236}">
-                <a16:creationId xmlns:a16="http://schemas.microsoft.com/office/drawing/2014/main" id="{BFB3541B-69C6-CD0A-E684-F0B9252D9A36}"/>
-              </a:ext>
-            </a:extLst>
-          </p:cNvPr>
-          <p:cNvSpPr/>
-          <p:nvPr/>
-        </p:nvSpPr>
-        <p:spPr>
-          <a:xfrm>
-            <a:off x="4796742" y="2343492"/>
-            <a:ext cx="5056909" cy="799416"/>
-          </a:xfrm>
-          <a:prstGeom prst="rect">
-            <a:avLst/>
-          </a:prstGeom>
-          <a:noFill/>
-          <a:ln w="76200">
-            <a:solidFill>
-              <a:srgbClr val="FF0000"/>
-            </a:solidFill>
-          </a:ln>
-        </p:spPr>
-        <p:style>
-          <a:lnRef idx="2">
-            <a:schemeClr val="accent1">
-              <a:shade val="50000"/>
-            </a:schemeClr>
-          </a:lnRef>
-          <a:fillRef idx="1">
-            <a:schemeClr val="accent1"/>
-          </a:fillRef>
-          <a:effectRef idx="0">
-            <a:schemeClr val="accent1"/>
-          </a:effectRef>
-          <a:fontRef idx="minor">
-            <a:schemeClr val="lt1"/>
-          </a:fontRef>
-        </p:style>
-        <p:txBody>
-          <a:bodyPr rtlCol="0" anchor="ctr"/>
-          <a:lstStyle/>
-          <a:p>
-            <a:pPr algn="ctr"/>
-            <a:endParaRPr lang="en-US"/>
-          </a:p>
-        </p:txBody>
-      </p:sp>
-      <p:sp>
-        <p:nvSpPr>
-          <p:cNvPr id="15" name="Arrow: Right 14">
-            <a:extLst>
-              <a:ext uri="{FF2B5EF4-FFF2-40B4-BE49-F238E27FC236}">
-                <a16:creationId xmlns:a16="http://schemas.microsoft.com/office/drawing/2014/main" id="{E18E03A9-C3C4-522F-370B-637904A71859}"/>
-              </a:ext>
-            </a:extLst>
-          </p:cNvPr>
-          <p:cNvSpPr/>
-          <p:nvPr/>
-        </p:nvSpPr>
-        <p:spPr>
-          <a:xfrm>
-            <a:off x="503741" y="2216898"/>
-            <a:ext cx="4035406" cy="1155320"/>
-          </a:xfrm>
-          <a:prstGeom prst="rightArrow">
-            <a:avLst/>
-          </a:prstGeom>
-          <a:solidFill>
-            <a:schemeClr val="accent1"/>
-          </a:solidFill>
-          <a:ln>
-            <a:solidFill>
-              <a:schemeClr val="bg1"/>
-            </a:solidFill>
-          </a:ln>
-        </p:spPr>
-        <p:style>
-          <a:lnRef idx="2">
-            <a:schemeClr val="accent1">
-              <a:shade val="50000"/>
-            </a:schemeClr>
-          </a:lnRef>
-          <a:fillRef idx="1">
-            <a:schemeClr val="accent1"/>
-          </a:fillRef>
-          <a:effectRef idx="0">
-            <a:schemeClr val="accent1"/>
-          </a:effectRef>
-          <a:fontRef idx="minor">
-            <a:schemeClr val="lt1"/>
-          </a:fontRef>
-        </p:style>
-        <p:txBody>
-          <a:bodyPr rtlCol="0" anchor="ctr"/>
-          <a:lstStyle/>
-          <a:p>
-            <a:pPr algn="ctr"/>
+              <a:t>Flask receives the request (along with the data in the URL) and does some processing</a:t>
+            </a:r>
+          </a:p>
+          <a:p>
+            <a:pPr lvl="1"/>
             <a:r>
               <a:rPr lang="en-US" dirty="0"/>
-              <a:t>Flask Stores Data in Persistent Storage</a:t>
+              <a:t>Any calculations, advanced processing, etc. SHOULD BE DONE SERVER-SIDE (in Flask). The ESP32 is a relatively weak computer and can’t handle advanced operations. On the other hand, the “host” has more computational resources, so it can do things like AI/ML and other advanced calculations.</a:t>
+            </a:r>
+          </a:p>
+          <a:p>
+            <a:r>
+              <a:rPr lang="en-US" dirty="0"/>
+              <a:t>Flask sends a response back to the client (along with processed data)</a:t>
+            </a:r>
+          </a:p>
+          <a:p>
+            <a:pPr lvl="1"/>
+            <a:r>
+              <a:rPr lang="en-US" dirty="0"/>
+              <a:t>For the ESP32, the response can be printed in the Serial Monitor</a:t>
+            </a:r>
+          </a:p>
+          <a:p>
+            <a:pPr lvl="1"/>
+            <a:r>
+              <a:rPr lang="en-US" dirty="0"/>
+              <a:t>For a human using a computer, the response can be rendered with HTML on a web browser</a:t>
             </a:r>
           </a:p>
         </p:txBody>
@@ -6360,7 +5986,7 @@
     </p:spTree>
     <p:extLst>
       <p:ext uri="{BB962C8B-B14F-4D97-AF65-F5344CB8AC3E}">
-        <p14:creationId xmlns:p14="http://schemas.microsoft.com/office/powerpoint/2010/main" val="3861650629"/>
+        <p14:creationId xmlns:p14="http://schemas.microsoft.com/office/powerpoint/2010/main" val="3269124258"/>
       </p:ext>
     </p:extLst>
   </p:cSld>
@@ -6387,98 +6013,472 @@
           <a:chExt cx="0" cy="0"/>
         </a:xfrm>
       </p:grpSpPr>
-      <p:sp>
-        <p:nvSpPr>
-          <p:cNvPr id="2" name="Title 1">
+      <p:pic>
+        <p:nvPicPr>
+          <p:cNvPr id="6" name="Content Placeholder 5" descr="Text&#10;&#10;Description automatically generated">
             <a:extLst>
               <a:ext uri="{FF2B5EF4-FFF2-40B4-BE49-F238E27FC236}">
-                <a16:creationId xmlns:a16="http://schemas.microsoft.com/office/drawing/2014/main" id="{B13AAC35-CC71-52A2-E2F6-9396B9FCBE2D}"/>
+                <a16:creationId xmlns:a16="http://schemas.microsoft.com/office/drawing/2014/main" id="{89E85EB2-6BD9-97BC-6514-C639676F73C0}"/>
               </a:ext>
             </a:extLst>
           </p:cNvPr>
-          <p:cNvSpPr>
-            <a:spLocks noGrp="1"/>
-          </p:cNvSpPr>
-          <p:nvPr>
-            <p:ph type="title"/>
-          </p:nvPr>
-        </p:nvSpPr>
-        <p:spPr/>
-        <p:txBody>
-          <a:bodyPr/>
-          <a:lstStyle/>
-          <a:p>
-            <a:r>
-              <a:rPr lang="en-US" cap="none" dirty="0"/>
-              <a:t>Data Flow from ESP32 to Flask Application</a:t>
-            </a:r>
-          </a:p>
-        </p:txBody>
-      </p:sp>
-      <p:sp>
-        <p:nvSpPr>
-          <p:cNvPr id="3" name="Content Placeholder 2">
+          <p:cNvPicPr>
+            <a:picLocks noGrp="1" noChangeAspect="1"/>
+          </p:cNvPicPr>
+          <p:nvPr>
+            <p:ph idx="1"/>
+          </p:nvPr>
+        </p:nvPicPr>
+        <p:blipFill rotWithShape="1">
+          <a:blip r:embed="rId2">
+            <a:extLst>
+              <a:ext uri="{28A0092B-C50C-407E-A947-70E740481C1C}">
+                <a14:useLocalDpi xmlns:a14="http://schemas.microsoft.com/office/drawing/2010/main" val="0"/>
+              </a:ext>
+            </a:extLst>
+          </a:blip>
+          <a:srcRect l="5018" t="8423" r="4624" b="8288"/>
+          <a:stretch/>
+        </p:blipFill>
+        <p:spPr>
+          <a:xfrm>
+            <a:off x="4685338" y="592359"/>
+            <a:ext cx="7273637" cy="5707148"/>
+          </a:xfrm>
+        </p:spPr>
+      </p:pic>
+      <p:sp>
+        <p:nvSpPr>
+          <p:cNvPr id="7" name="Rectangle 6">
             <a:extLst>
               <a:ext uri="{FF2B5EF4-FFF2-40B4-BE49-F238E27FC236}">
-                <a16:creationId xmlns:a16="http://schemas.microsoft.com/office/drawing/2014/main" id="{54CCF76B-AAA8-A4A4-2243-5D5FA6DF77CC}"/>
+                <a16:creationId xmlns:a16="http://schemas.microsoft.com/office/drawing/2014/main" id="{BC52D2F0-00EB-34C1-8008-8336DE743858}"/>
               </a:ext>
             </a:extLst>
           </p:cNvPr>
-          <p:cNvSpPr>
-            <a:spLocks noGrp="1"/>
-          </p:cNvSpPr>
-          <p:nvPr>
-            <p:ph idx="1"/>
-          </p:nvPr>
-        </p:nvSpPr>
-        <p:spPr/>
-        <p:txBody>
-          <a:bodyPr/>
-          <a:lstStyle/>
-          <a:p>
+          <p:cNvSpPr/>
+          <p:nvPr/>
+        </p:nvSpPr>
+        <p:spPr>
+          <a:xfrm>
+            <a:off x="4796742" y="696393"/>
+            <a:ext cx="5056909" cy="1647099"/>
+          </a:xfrm>
+          <a:prstGeom prst="rect">
+            <a:avLst/>
+          </a:prstGeom>
+          <a:noFill/>
+          <a:ln w="76200">
+            <a:solidFill>
+              <a:srgbClr val="FF0000"/>
+            </a:solidFill>
+          </a:ln>
+        </p:spPr>
+        <p:style>
+          <a:lnRef idx="2">
+            <a:schemeClr val="accent1">
+              <a:shade val="50000"/>
+            </a:schemeClr>
+          </a:lnRef>
+          <a:fillRef idx="1">
+            <a:schemeClr val="accent1"/>
+          </a:fillRef>
+          <a:effectRef idx="0">
+            <a:schemeClr val="accent1"/>
+          </a:effectRef>
+          <a:fontRef idx="minor">
+            <a:schemeClr val="lt1"/>
+          </a:fontRef>
+        </p:style>
+        <p:txBody>
+          <a:bodyPr rtlCol="0" anchor="ctr"/>
+          <a:lstStyle/>
+          <a:p>
+            <a:pPr algn="ctr"/>
+            <a:endParaRPr lang="en-US"/>
+          </a:p>
+        </p:txBody>
+      </p:sp>
+      <p:sp>
+        <p:nvSpPr>
+          <p:cNvPr id="8" name="Rectangle 7">
+            <a:extLst>
+              <a:ext uri="{FF2B5EF4-FFF2-40B4-BE49-F238E27FC236}">
+                <a16:creationId xmlns:a16="http://schemas.microsoft.com/office/drawing/2014/main" id="{5AD1524C-FB95-F08A-B4DB-7885FA6C6E32}"/>
+              </a:ext>
+            </a:extLst>
+          </p:cNvPr>
+          <p:cNvSpPr/>
+          <p:nvPr/>
+        </p:nvSpPr>
+        <p:spPr>
+          <a:xfrm>
+            <a:off x="4796742" y="3142908"/>
+            <a:ext cx="5056909" cy="1987588"/>
+          </a:xfrm>
+          <a:prstGeom prst="rect">
+            <a:avLst/>
+          </a:prstGeom>
+          <a:noFill/>
+          <a:ln w="76200">
+            <a:solidFill>
+              <a:srgbClr val="FF0000"/>
+            </a:solidFill>
+          </a:ln>
+        </p:spPr>
+        <p:style>
+          <a:lnRef idx="2">
+            <a:schemeClr val="accent1">
+              <a:shade val="50000"/>
+            </a:schemeClr>
+          </a:lnRef>
+          <a:fillRef idx="1">
+            <a:schemeClr val="accent1"/>
+          </a:fillRef>
+          <a:effectRef idx="0">
+            <a:schemeClr val="accent1"/>
+          </a:effectRef>
+          <a:fontRef idx="minor">
+            <a:schemeClr val="lt1"/>
+          </a:fontRef>
+        </p:style>
+        <p:txBody>
+          <a:bodyPr rtlCol="0" anchor="ctr"/>
+          <a:lstStyle/>
+          <a:p>
+            <a:pPr algn="ctr"/>
+            <a:endParaRPr lang="en-US"/>
+          </a:p>
+        </p:txBody>
+      </p:sp>
+      <p:sp>
+        <p:nvSpPr>
+          <p:cNvPr id="9" name="Rectangle 8">
+            <a:extLst>
+              <a:ext uri="{FF2B5EF4-FFF2-40B4-BE49-F238E27FC236}">
+                <a16:creationId xmlns:a16="http://schemas.microsoft.com/office/drawing/2014/main" id="{6ED8085E-6A33-528C-6DB8-5DE3AB005856}"/>
+              </a:ext>
+            </a:extLst>
+          </p:cNvPr>
+          <p:cNvSpPr/>
+          <p:nvPr/>
+        </p:nvSpPr>
+        <p:spPr>
+          <a:xfrm>
+            <a:off x="4796742" y="5130496"/>
+            <a:ext cx="5056909" cy="1035674"/>
+          </a:xfrm>
+          <a:prstGeom prst="rect">
+            <a:avLst/>
+          </a:prstGeom>
+          <a:noFill/>
+          <a:ln w="76200">
+            <a:solidFill>
+              <a:srgbClr val="FF0000"/>
+            </a:solidFill>
+          </a:ln>
+        </p:spPr>
+        <p:style>
+          <a:lnRef idx="2">
+            <a:schemeClr val="accent1">
+              <a:shade val="50000"/>
+            </a:schemeClr>
+          </a:lnRef>
+          <a:fillRef idx="1">
+            <a:schemeClr val="accent1"/>
+          </a:fillRef>
+          <a:effectRef idx="0">
+            <a:schemeClr val="accent1"/>
+          </a:effectRef>
+          <a:fontRef idx="minor">
+            <a:schemeClr val="lt1"/>
+          </a:fontRef>
+        </p:style>
+        <p:txBody>
+          <a:bodyPr rtlCol="0" anchor="ctr"/>
+          <a:lstStyle/>
+          <a:p>
+            <a:pPr algn="ctr"/>
+            <a:endParaRPr lang="en-US"/>
+          </a:p>
+        </p:txBody>
+      </p:sp>
+      <p:sp>
+        <p:nvSpPr>
+          <p:cNvPr id="10" name="Arrow: Right 9">
+            <a:extLst>
+              <a:ext uri="{FF2B5EF4-FFF2-40B4-BE49-F238E27FC236}">
+                <a16:creationId xmlns:a16="http://schemas.microsoft.com/office/drawing/2014/main" id="{083300F4-293B-B37F-7E1F-012551630124}"/>
+              </a:ext>
+            </a:extLst>
+          </p:cNvPr>
+          <p:cNvSpPr/>
+          <p:nvPr/>
+        </p:nvSpPr>
+        <p:spPr>
+          <a:xfrm>
+            <a:off x="503741" y="958204"/>
+            <a:ext cx="4035406" cy="1155320"/>
+          </a:xfrm>
+          <a:prstGeom prst="rightArrow">
+            <a:avLst/>
+          </a:prstGeom>
+          <a:solidFill>
+            <a:schemeClr val="accent1"/>
+          </a:solidFill>
+          <a:ln>
+            <a:solidFill>
+              <a:schemeClr val="bg1"/>
+            </a:solidFill>
+          </a:ln>
+        </p:spPr>
+        <p:style>
+          <a:lnRef idx="2">
+            <a:schemeClr val="accent1">
+              <a:shade val="50000"/>
+            </a:schemeClr>
+          </a:lnRef>
+          <a:fillRef idx="1">
+            <a:schemeClr val="accent1"/>
+          </a:fillRef>
+          <a:effectRef idx="0">
+            <a:schemeClr val="accent1"/>
+          </a:effectRef>
+          <a:fontRef idx="minor">
+            <a:schemeClr val="lt1"/>
+          </a:fontRef>
+        </p:style>
+        <p:txBody>
+          <a:bodyPr rtlCol="0" anchor="ctr"/>
+          <a:lstStyle/>
+          <a:p>
+            <a:pPr algn="ctr"/>
             <a:r>
               <a:rPr lang="en-US" dirty="0"/>
-              <a:t>ESP32 “visits” a URL associated with a Flask application</a:t>
-            </a:r>
-          </a:p>
-          <a:p>
-            <a:pPr lvl="1"/>
+              <a:t>Receive Data from ESP32 through URL</a:t>
+            </a:r>
+          </a:p>
+        </p:txBody>
+      </p:sp>
+      <p:sp>
+        <p:nvSpPr>
+          <p:cNvPr id="12" name="Arrow: Right 11">
+            <a:extLst>
+              <a:ext uri="{FF2B5EF4-FFF2-40B4-BE49-F238E27FC236}">
+                <a16:creationId xmlns:a16="http://schemas.microsoft.com/office/drawing/2014/main" id="{9ED719B6-74E1-82EA-8EF9-8078DF27EDD4}"/>
+              </a:ext>
+            </a:extLst>
+          </p:cNvPr>
+          <p:cNvSpPr/>
+          <p:nvPr/>
+        </p:nvSpPr>
+        <p:spPr>
+          <a:xfrm>
+            <a:off x="503741" y="3445933"/>
+            <a:ext cx="4035406" cy="1155320"/>
+          </a:xfrm>
+          <a:prstGeom prst="rightArrow">
+            <a:avLst/>
+          </a:prstGeom>
+          <a:solidFill>
+            <a:schemeClr val="accent1"/>
+          </a:solidFill>
+          <a:ln>
+            <a:solidFill>
+              <a:schemeClr val="bg1"/>
+            </a:solidFill>
+          </a:ln>
+        </p:spPr>
+        <p:style>
+          <a:lnRef idx="2">
+            <a:schemeClr val="accent1">
+              <a:shade val="50000"/>
+            </a:schemeClr>
+          </a:lnRef>
+          <a:fillRef idx="1">
+            <a:schemeClr val="accent1"/>
+          </a:fillRef>
+          <a:effectRef idx="0">
+            <a:schemeClr val="accent1"/>
+          </a:effectRef>
+          <a:fontRef idx="minor">
+            <a:schemeClr val="lt1"/>
+          </a:fontRef>
+        </p:style>
+        <p:txBody>
+          <a:bodyPr rtlCol="0" anchor="ctr"/>
+          <a:lstStyle/>
+          <a:p>
+            <a:pPr algn="ctr"/>
             <a:r>
               <a:rPr lang="en-US" dirty="0"/>
-              <a:t>The URL contains data; i.e., http://10.13.154.216/inputdata/24.6</a:t>
-            </a:r>
-          </a:p>
-          <a:p>
+              <a:t>Flask Processes Data</a:t>
+            </a:r>
+          </a:p>
+        </p:txBody>
+      </p:sp>
+      <p:sp>
+        <p:nvSpPr>
+          <p:cNvPr id="13" name="Arrow: Right 12">
+            <a:extLst>
+              <a:ext uri="{FF2B5EF4-FFF2-40B4-BE49-F238E27FC236}">
+                <a16:creationId xmlns:a16="http://schemas.microsoft.com/office/drawing/2014/main" id="{8955BE31-9638-6518-D203-FA61BEDE5B18}"/>
+              </a:ext>
+            </a:extLst>
+          </p:cNvPr>
+          <p:cNvSpPr/>
+          <p:nvPr/>
+        </p:nvSpPr>
+        <p:spPr>
+          <a:xfrm>
+            <a:off x="503741" y="5070673"/>
+            <a:ext cx="4035406" cy="1155320"/>
+          </a:xfrm>
+          <a:prstGeom prst="rightArrow">
+            <a:avLst/>
+          </a:prstGeom>
+          <a:solidFill>
+            <a:schemeClr val="accent1"/>
+          </a:solidFill>
+          <a:ln>
+            <a:solidFill>
+              <a:schemeClr val="bg1"/>
+            </a:solidFill>
+          </a:ln>
+        </p:spPr>
+        <p:style>
+          <a:lnRef idx="2">
+            <a:schemeClr val="accent1">
+              <a:shade val="50000"/>
+            </a:schemeClr>
+          </a:lnRef>
+          <a:fillRef idx="1">
+            <a:schemeClr val="accent1"/>
+          </a:fillRef>
+          <a:effectRef idx="0">
+            <a:schemeClr val="accent1"/>
+          </a:effectRef>
+          <a:fontRef idx="minor">
+            <a:schemeClr val="lt1"/>
+          </a:fontRef>
+        </p:style>
+        <p:txBody>
+          <a:bodyPr rtlCol="0" anchor="ctr"/>
+          <a:lstStyle/>
+          <a:p>
+            <a:pPr algn="ctr"/>
             <a:r>
               <a:rPr lang="en-US" dirty="0"/>
-              <a:t>Flask receives the request (along with the data in the URL) and does some processing</a:t>
-            </a:r>
-          </a:p>
-          <a:p>
-            <a:pPr lvl="1"/>
+              <a:t>Processed Data is Returned to ESP32</a:t>
+            </a:r>
+          </a:p>
+        </p:txBody>
+      </p:sp>
+      <p:sp>
+        <p:nvSpPr>
+          <p:cNvPr id="14" name="Rectangle 13">
+            <a:extLst>
+              <a:ext uri="{FF2B5EF4-FFF2-40B4-BE49-F238E27FC236}">
+                <a16:creationId xmlns:a16="http://schemas.microsoft.com/office/drawing/2014/main" id="{BFB3541B-69C6-CD0A-E684-F0B9252D9A36}"/>
+              </a:ext>
+            </a:extLst>
+          </p:cNvPr>
+          <p:cNvSpPr/>
+          <p:nvPr/>
+        </p:nvSpPr>
+        <p:spPr>
+          <a:xfrm>
+            <a:off x="4796742" y="2343492"/>
+            <a:ext cx="5056909" cy="799416"/>
+          </a:xfrm>
+          <a:prstGeom prst="rect">
+            <a:avLst/>
+          </a:prstGeom>
+          <a:noFill/>
+          <a:ln w="76200">
+            <a:solidFill>
+              <a:srgbClr val="FF0000"/>
+            </a:solidFill>
+          </a:ln>
+        </p:spPr>
+        <p:style>
+          <a:lnRef idx="2">
+            <a:schemeClr val="accent1">
+              <a:shade val="50000"/>
+            </a:schemeClr>
+          </a:lnRef>
+          <a:fillRef idx="1">
+            <a:schemeClr val="accent1"/>
+          </a:fillRef>
+          <a:effectRef idx="0">
+            <a:schemeClr val="accent1"/>
+          </a:effectRef>
+          <a:fontRef idx="minor">
+            <a:schemeClr val="lt1"/>
+          </a:fontRef>
+        </p:style>
+        <p:txBody>
+          <a:bodyPr rtlCol="0" anchor="ctr"/>
+          <a:lstStyle/>
+          <a:p>
+            <a:pPr algn="ctr"/>
+            <a:endParaRPr lang="en-US"/>
+          </a:p>
+        </p:txBody>
+      </p:sp>
+      <p:sp>
+        <p:nvSpPr>
+          <p:cNvPr id="15" name="Arrow: Right 14">
+            <a:extLst>
+              <a:ext uri="{FF2B5EF4-FFF2-40B4-BE49-F238E27FC236}">
+                <a16:creationId xmlns:a16="http://schemas.microsoft.com/office/drawing/2014/main" id="{E18E03A9-C3C4-522F-370B-637904A71859}"/>
+              </a:ext>
+            </a:extLst>
+          </p:cNvPr>
+          <p:cNvSpPr/>
+          <p:nvPr/>
+        </p:nvSpPr>
+        <p:spPr>
+          <a:xfrm>
+            <a:off x="503741" y="2216898"/>
+            <a:ext cx="4035406" cy="1155320"/>
+          </a:xfrm>
+          <a:prstGeom prst="rightArrow">
+            <a:avLst/>
+          </a:prstGeom>
+          <a:solidFill>
+            <a:schemeClr val="accent1"/>
+          </a:solidFill>
+          <a:ln>
+            <a:solidFill>
+              <a:schemeClr val="bg1"/>
+            </a:solidFill>
+          </a:ln>
+        </p:spPr>
+        <p:style>
+          <a:lnRef idx="2">
+            <a:schemeClr val="accent1">
+              <a:shade val="50000"/>
+            </a:schemeClr>
+          </a:lnRef>
+          <a:fillRef idx="1">
+            <a:schemeClr val="accent1"/>
+          </a:fillRef>
+          <a:effectRef idx="0">
+            <a:schemeClr val="accent1"/>
+          </a:effectRef>
+          <a:fontRef idx="minor">
+            <a:schemeClr val="lt1"/>
+          </a:fontRef>
+        </p:style>
+        <p:txBody>
+          <a:bodyPr rtlCol="0" anchor="ctr"/>
+          <a:lstStyle/>
+          <a:p>
+            <a:pPr algn="ctr"/>
             <a:r>
               <a:rPr lang="en-US" dirty="0"/>
-              <a:t>Any calculations, advanced processing, etc. SHOULD BE DONE SERVER-SIDE (in Flask). The ESP32 is a relatively weak computer and can’t handle advanced operations. On the other hand, the “host” has more computational resources, so it can do things like AI/ML and other advanced calculations.</a:t>
-            </a:r>
-          </a:p>
-          <a:p>
-            <a:r>
-              <a:rPr lang="en-US" dirty="0"/>
-              <a:t>Flask sends a response back to the client (along with processed data)</a:t>
-            </a:r>
-          </a:p>
-          <a:p>
-            <a:pPr lvl="1"/>
-            <a:r>
-              <a:rPr lang="en-US" dirty="0"/>
-              <a:t>For the ESP32, the response can be printed in the Serial Monitor</a:t>
-            </a:r>
-          </a:p>
-          <a:p>
-            <a:pPr lvl="1"/>
-            <a:r>
-              <a:rPr lang="en-US" dirty="0"/>
-              <a:t>For a human using a computer, the response can be rendered with HTML on a web browser</a:t>
+              <a:t>Flask Stores Data in Persistent Storage</a:t>
             </a:r>
           </a:p>
         </p:txBody>
@@ -6486,7 +6486,7 @@
     </p:spTree>
     <p:extLst>
       <p:ext uri="{BB962C8B-B14F-4D97-AF65-F5344CB8AC3E}">
-        <p14:creationId xmlns:p14="http://schemas.microsoft.com/office/powerpoint/2010/main" val="3269124258"/>
+        <p14:creationId xmlns:p14="http://schemas.microsoft.com/office/powerpoint/2010/main" val="3861650629"/>
       </p:ext>
     </p:extLst>
   </p:cSld>
@@ -6597,8 +6597,8 @@
         </p:nvSpPr>
         <p:spPr>
           <a:xfrm>
-            <a:off x="6096000" y="1347408"/>
-            <a:ext cx="4722813" cy="576262"/>
+            <a:off x="6751229" y="1347408"/>
+            <a:ext cx="4067584" cy="576262"/>
           </a:xfrm>
         </p:spPr>
         <p:txBody>
@@ -6975,35 +6975,47 @@
               <a:buNone/>
             </a:pPr>
             <a:r>
-              <a:rPr lang="en-US" sz="3600" dirty="0"/>
-              <a:t>http://10.13.135.141/potentiometer/human/&lt;some_value&gt;</a:t>
+              <a:rPr lang="en-US" sz="3200" dirty="0"/>
+              <a:t>http://10.13.135.141:5000/potentiometer/human/&lt;some_value&gt;</a:t>
             </a:r>
           </a:p>
           <a:p>
             <a:pPr marL="0" indent="0" algn="ctr">
               <a:buNone/>
             </a:pPr>
-            <a:endParaRPr lang="en-US" sz="3600" dirty="0"/>
+            <a:endParaRPr lang="en-US" sz="3200" dirty="0"/>
           </a:p>
           <a:p>
             <a:pPr algn="ctr"/>
             <a:r>
-              <a:rPr lang="en-US" sz="3600" dirty="0"/>
+              <a:rPr lang="en-US" sz="3200" dirty="0"/>
+              <a:t>Connect your phone/laptop to </a:t>
+            </a:r>
+            <a:r>
+              <a:rPr lang="en-US" sz="3200" dirty="0" err="1"/>
+              <a:t>UPIoT</a:t>
+            </a:r>
+            <a:endParaRPr lang="en-US" sz="3200" dirty="0"/>
+          </a:p>
+          <a:p>
+            <a:pPr algn="ctr"/>
+            <a:r>
+              <a:rPr lang="en-US" sz="3200" dirty="0"/>
               <a:t>Replace &lt;</a:t>
             </a:r>
             <a:r>
-              <a:rPr lang="en-US" sz="3600" dirty="0" err="1"/>
+              <a:rPr lang="en-US" sz="3200" dirty="0" err="1"/>
               <a:t>some_value</a:t>
             </a:r>
             <a:r>
-              <a:rPr lang="en-US" sz="3600" dirty="0"/>
+              <a:rPr lang="en-US" sz="3200" dirty="0"/>
               <a:t>&gt; with a float between 0 and 100</a:t>
             </a:r>
           </a:p>
           <a:p>
             <a:pPr algn="ctr"/>
             <a:r>
-              <a:rPr lang="en-US" sz="3600" dirty="0"/>
+              <a:rPr lang="en-US" sz="3200" dirty="0"/>
               <a:t>Use a decimal point for integers (i.e., instead of 10, use 10.0)</a:t>
             </a:r>
           </a:p>
@@ -7099,7 +7111,7 @@
               <a:buNone/>
             </a:pPr>
             <a:r>
-              <a:rPr lang="en-US" sz="3600" dirty="0"/>
+              <a:rPr lang="en-US" sz="3200" dirty="0"/>
               <a:t>http://github.com/uyechi23/FlaskESP32ConceptDemo</a:t>
             </a:r>
           </a:p>
@@ -7107,20 +7119,20 @@
             <a:pPr marL="0" indent="0" algn="ctr">
               <a:buNone/>
             </a:pPr>
-            <a:endParaRPr lang="en-US" sz="3600" dirty="0"/>
+            <a:endParaRPr lang="en-US" sz="3200" dirty="0"/>
           </a:p>
           <a:p>
             <a:pPr algn="ctr"/>
             <a:r>
-              <a:rPr lang="en-US" sz="3600" dirty="0"/>
+              <a:rPr lang="en-US" sz="3200" dirty="0"/>
               <a:t>Upload the .</a:t>
             </a:r>
             <a:r>
-              <a:rPr lang="en-US" sz="3600" dirty="0" err="1"/>
+              <a:rPr lang="en-US" sz="3200" dirty="0" err="1"/>
               <a:t>ino</a:t>
             </a:r>
             <a:r>
-              <a:rPr lang="en-US" sz="3600" dirty="0"/>
+              <a:rPr lang="en-US" sz="3200" dirty="0"/>
               <a:t> file to your ESP32</a:t>
             </a:r>
           </a:p>
@@ -7129,27 +7141,27 @@
               <a:buNone/>
             </a:pPr>
             <a:r>
-              <a:rPr lang="en-US" sz="3600" dirty="0"/>
+              <a:rPr lang="en-US" sz="3200" dirty="0"/>
               <a:t>(</a:t>
             </a:r>
             <a:r>
-              <a:rPr lang="en-US" sz="3600" dirty="0">
+              <a:rPr lang="en-US" sz="3200" dirty="0">
                 <a:sym typeface="Wingdings" panose="05000000000000000000" pitchFamily="2" charset="2"/>
               </a:rPr>
               <a:t>ESP32  esp32potdemo  esp32potdemo.ino)</a:t>
             </a:r>
-            <a:endParaRPr lang="en-US" sz="3600" dirty="0"/>
+            <a:endParaRPr lang="en-US" sz="3200" dirty="0"/>
           </a:p>
           <a:p>
             <a:pPr algn="ctr"/>
             <a:r>
-              <a:rPr lang="en-US" sz="3600" dirty="0"/>
+              <a:rPr lang="en-US" sz="3200" dirty="0"/>
               <a:t>Connect a potentiometer’s middle pin to 33 on your ESP32</a:t>
             </a:r>
           </a:p>
           <a:p>
             <a:pPr algn="ctr"/>
-            <a:endParaRPr lang="en-US" sz="3600" dirty="0"/>
+            <a:endParaRPr lang="en-US" sz="3200" dirty="0"/>
           </a:p>
         </p:txBody>
       </p:sp>

--- a/FlaskESP32ConceptDemo.pptx
+++ b/FlaskESP32ConceptDemo.pptx
@@ -4,14 +4,20 @@
   <p:sldMasterIdLst>
     <p:sldMasterId id="2147483678" r:id="rId1"/>
   </p:sldMasterIdLst>
+  <p:notesMasterIdLst>
+    <p:notesMasterId r:id="rId12"/>
+  </p:notesMasterIdLst>
   <p:sldIdLst>
     <p:sldId id="256" r:id="rId2"/>
-    <p:sldId id="257" r:id="rId3"/>
-    <p:sldId id="259" r:id="rId4"/>
-    <p:sldId id="258" r:id="rId5"/>
-    <p:sldId id="264" r:id="rId6"/>
-    <p:sldId id="262" r:id="rId7"/>
-    <p:sldId id="263" r:id="rId8"/>
+    <p:sldId id="265" r:id="rId3"/>
+    <p:sldId id="266" r:id="rId4"/>
+    <p:sldId id="267" r:id="rId5"/>
+    <p:sldId id="257" r:id="rId6"/>
+    <p:sldId id="259" r:id="rId7"/>
+    <p:sldId id="258" r:id="rId8"/>
+    <p:sldId id="264" r:id="rId9"/>
+    <p:sldId id="262" r:id="rId10"/>
+    <p:sldId id="263" r:id="rId11"/>
   </p:sldIdLst>
   <p:sldSz cx="12192000" cy="6858000"/>
   <p:notesSz cx="6858000" cy="9144000"/>
@@ -110,7 +116,491 @@
       </a:defRPr>
     </a:lvl9pPr>
   </p:defaultTextStyle>
+  <p:extLst>
+    <p:ext uri="{EFAFB233-063F-42B5-8137-9DF3F51BA10A}">
+      <p15:sldGuideLst xmlns:p15="http://schemas.microsoft.com/office/powerpoint/2012/main"/>
+    </p:ext>
+  </p:extLst>
 </p:presentation>
+</file>
+
+<file path=ppt/notesMasters/notesMaster1.xml><?xml version="1.0" encoding="utf-8"?>
+<p:notesMaster xmlns:a="http://schemas.openxmlformats.org/drawingml/2006/main" xmlns:r="http://schemas.openxmlformats.org/officeDocument/2006/relationships" xmlns:p="http://schemas.openxmlformats.org/presentationml/2006/main">
+  <p:cSld>
+    <p:bg>
+      <p:bgRef idx="1001">
+        <a:schemeClr val="bg1"/>
+      </p:bgRef>
+    </p:bg>
+    <p:spTree>
+      <p:nvGrpSpPr>
+        <p:cNvPr id="1" name=""/>
+        <p:cNvGrpSpPr/>
+        <p:nvPr/>
+      </p:nvGrpSpPr>
+      <p:grpSpPr>
+        <a:xfrm>
+          <a:off x="0" y="0"/>
+          <a:ext cx="0" cy="0"/>
+          <a:chOff x="0" y="0"/>
+          <a:chExt cx="0" cy="0"/>
+        </a:xfrm>
+      </p:grpSpPr>
+      <p:sp>
+        <p:nvSpPr>
+          <p:cNvPr id="2" name="Header Placeholder 1"/>
+          <p:cNvSpPr>
+            <a:spLocks noGrp="1"/>
+          </p:cNvSpPr>
+          <p:nvPr>
+            <p:ph type="hdr" sz="quarter"/>
+          </p:nvPr>
+        </p:nvSpPr>
+        <p:spPr>
+          <a:xfrm>
+            <a:off x="0" y="0"/>
+            <a:ext cx="2971800" cy="458788"/>
+          </a:xfrm>
+          <a:prstGeom prst="rect">
+            <a:avLst/>
+          </a:prstGeom>
+        </p:spPr>
+        <p:txBody>
+          <a:bodyPr vert="horz" lIns="91440" tIns="45720" rIns="91440" bIns="45720" rtlCol="0"/>
+          <a:lstStyle>
+            <a:lvl1pPr algn="l">
+              <a:defRPr sz="1200"/>
+            </a:lvl1pPr>
+          </a:lstStyle>
+          <a:p>
+            <a:endParaRPr lang="en-US"/>
+          </a:p>
+        </p:txBody>
+      </p:sp>
+      <p:sp>
+        <p:nvSpPr>
+          <p:cNvPr id="3" name="Date Placeholder 2"/>
+          <p:cNvSpPr>
+            <a:spLocks noGrp="1"/>
+          </p:cNvSpPr>
+          <p:nvPr>
+            <p:ph type="dt" idx="1"/>
+          </p:nvPr>
+        </p:nvSpPr>
+        <p:spPr>
+          <a:xfrm>
+            <a:off x="3884613" y="0"/>
+            <a:ext cx="2971800" cy="458788"/>
+          </a:xfrm>
+          <a:prstGeom prst="rect">
+            <a:avLst/>
+          </a:prstGeom>
+        </p:spPr>
+        <p:txBody>
+          <a:bodyPr vert="horz" lIns="91440" tIns="45720" rIns="91440" bIns="45720" rtlCol="0"/>
+          <a:lstStyle>
+            <a:lvl1pPr algn="r">
+              <a:defRPr sz="1200"/>
+            </a:lvl1pPr>
+          </a:lstStyle>
+          <a:p>
+            <a:fld id="{C82F613A-5C1C-4033-8CE6-57512C44D28B}" type="datetimeFigureOut">
+              <a:rPr lang="en-US" smtClean="0"/>
+              <a:t>2/28/2023</a:t>
+            </a:fld>
+            <a:endParaRPr lang="en-US"/>
+          </a:p>
+        </p:txBody>
+      </p:sp>
+      <p:sp>
+        <p:nvSpPr>
+          <p:cNvPr id="4" name="Slide Image Placeholder 3"/>
+          <p:cNvSpPr>
+            <a:spLocks noGrp="1" noRot="1" noChangeAspect="1"/>
+          </p:cNvSpPr>
+          <p:nvPr>
+            <p:ph type="sldImg" idx="2"/>
+          </p:nvPr>
+        </p:nvSpPr>
+        <p:spPr>
+          <a:xfrm>
+            <a:off x="685800" y="1143000"/>
+            <a:ext cx="5486400" cy="3086100"/>
+          </a:xfrm>
+          <a:prstGeom prst="rect">
+            <a:avLst/>
+          </a:prstGeom>
+          <a:noFill/>
+          <a:ln w="12700">
+            <a:solidFill>
+              <a:prstClr val="black"/>
+            </a:solidFill>
+          </a:ln>
+        </p:spPr>
+        <p:txBody>
+          <a:bodyPr vert="horz" lIns="91440" tIns="45720" rIns="91440" bIns="45720" rtlCol="0" anchor="ctr"/>
+          <a:lstStyle/>
+          <a:p>
+            <a:endParaRPr lang="en-US"/>
+          </a:p>
+        </p:txBody>
+      </p:sp>
+      <p:sp>
+        <p:nvSpPr>
+          <p:cNvPr id="5" name="Notes Placeholder 4"/>
+          <p:cNvSpPr>
+            <a:spLocks noGrp="1"/>
+          </p:cNvSpPr>
+          <p:nvPr>
+            <p:ph type="body" sz="quarter" idx="3"/>
+          </p:nvPr>
+        </p:nvSpPr>
+        <p:spPr>
+          <a:xfrm>
+            <a:off x="685800" y="4400550"/>
+            <a:ext cx="5486400" cy="3600450"/>
+          </a:xfrm>
+          <a:prstGeom prst="rect">
+            <a:avLst/>
+          </a:prstGeom>
+        </p:spPr>
+        <p:txBody>
+          <a:bodyPr vert="horz" lIns="91440" tIns="45720" rIns="91440" bIns="45720" rtlCol="0"/>
+          <a:lstStyle/>
+          <a:p>
+            <a:pPr lvl="0"/>
+            <a:r>
+              <a:rPr lang="en-US"/>
+              <a:t>Click to edit Master text styles</a:t>
+            </a:r>
+          </a:p>
+          <a:p>
+            <a:pPr lvl="1"/>
+            <a:r>
+              <a:rPr lang="en-US"/>
+              <a:t>Second level</a:t>
+            </a:r>
+          </a:p>
+          <a:p>
+            <a:pPr lvl="2"/>
+            <a:r>
+              <a:rPr lang="en-US"/>
+              <a:t>Third level</a:t>
+            </a:r>
+          </a:p>
+          <a:p>
+            <a:pPr lvl="3"/>
+            <a:r>
+              <a:rPr lang="en-US"/>
+              <a:t>Fourth level</a:t>
+            </a:r>
+          </a:p>
+          <a:p>
+            <a:pPr lvl="4"/>
+            <a:r>
+              <a:rPr lang="en-US"/>
+              <a:t>Fifth level</a:t>
+            </a:r>
+          </a:p>
+        </p:txBody>
+      </p:sp>
+      <p:sp>
+        <p:nvSpPr>
+          <p:cNvPr id="6" name="Footer Placeholder 5"/>
+          <p:cNvSpPr>
+            <a:spLocks noGrp="1"/>
+          </p:cNvSpPr>
+          <p:nvPr>
+            <p:ph type="ftr" sz="quarter" idx="4"/>
+          </p:nvPr>
+        </p:nvSpPr>
+        <p:spPr>
+          <a:xfrm>
+            <a:off x="0" y="8685213"/>
+            <a:ext cx="2971800" cy="458787"/>
+          </a:xfrm>
+          <a:prstGeom prst="rect">
+            <a:avLst/>
+          </a:prstGeom>
+        </p:spPr>
+        <p:txBody>
+          <a:bodyPr vert="horz" lIns="91440" tIns="45720" rIns="91440" bIns="45720" rtlCol="0" anchor="b"/>
+          <a:lstStyle>
+            <a:lvl1pPr algn="l">
+              <a:defRPr sz="1200"/>
+            </a:lvl1pPr>
+          </a:lstStyle>
+          <a:p>
+            <a:endParaRPr lang="en-US"/>
+          </a:p>
+        </p:txBody>
+      </p:sp>
+      <p:sp>
+        <p:nvSpPr>
+          <p:cNvPr id="7" name="Slide Number Placeholder 6"/>
+          <p:cNvSpPr>
+            <a:spLocks noGrp="1"/>
+          </p:cNvSpPr>
+          <p:nvPr>
+            <p:ph type="sldNum" sz="quarter" idx="5"/>
+          </p:nvPr>
+        </p:nvSpPr>
+        <p:spPr>
+          <a:xfrm>
+            <a:off x="3884613" y="8685213"/>
+            <a:ext cx="2971800" cy="458787"/>
+          </a:xfrm>
+          <a:prstGeom prst="rect">
+            <a:avLst/>
+          </a:prstGeom>
+        </p:spPr>
+        <p:txBody>
+          <a:bodyPr vert="horz" lIns="91440" tIns="45720" rIns="91440" bIns="45720" rtlCol="0" anchor="b"/>
+          <a:lstStyle>
+            <a:lvl1pPr algn="r">
+              <a:defRPr sz="1200"/>
+            </a:lvl1pPr>
+          </a:lstStyle>
+          <a:p>
+            <a:fld id="{1E2B549C-8074-4248-B939-E10272674DE7}" type="slidenum">
+              <a:rPr lang="en-US" smtClean="0"/>
+              <a:t>‹#›</a:t>
+            </a:fld>
+            <a:endParaRPr lang="en-US"/>
+          </a:p>
+        </p:txBody>
+      </p:sp>
+    </p:spTree>
+    <p:extLst>
+      <p:ext uri="{BB962C8B-B14F-4D97-AF65-F5344CB8AC3E}">
+        <p14:creationId xmlns:p14="http://schemas.microsoft.com/office/powerpoint/2010/main" val="2411704609"/>
+      </p:ext>
+    </p:extLst>
+  </p:cSld>
+  <p:clrMap bg1="lt1" tx1="dk1" bg2="lt2" tx2="dk2" accent1="accent1" accent2="accent2" accent3="accent3" accent4="accent4" accent5="accent5" accent6="accent6" hlink="hlink" folHlink="folHlink"/>
+  <p:notesStyle>
+    <a:lvl1pPr marL="0" algn="l" defTabSz="914400" rtl="0" eaLnBrk="1" latinLnBrk="0" hangingPunct="1">
+      <a:defRPr sz="1200" kern="1200">
+        <a:solidFill>
+          <a:schemeClr val="tx1"/>
+        </a:solidFill>
+        <a:latin typeface="+mn-lt"/>
+        <a:ea typeface="+mn-ea"/>
+        <a:cs typeface="+mn-cs"/>
+      </a:defRPr>
+    </a:lvl1pPr>
+    <a:lvl2pPr marL="457200" algn="l" defTabSz="914400" rtl="0" eaLnBrk="1" latinLnBrk="0" hangingPunct="1">
+      <a:defRPr sz="1200" kern="1200">
+        <a:solidFill>
+          <a:schemeClr val="tx1"/>
+        </a:solidFill>
+        <a:latin typeface="+mn-lt"/>
+        <a:ea typeface="+mn-ea"/>
+        <a:cs typeface="+mn-cs"/>
+      </a:defRPr>
+    </a:lvl2pPr>
+    <a:lvl3pPr marL="914400" algn="l" defTabSz="914400" rtl="0" eaLnBrk="1" latinLnBrk="0" hangingPunct="1">
+      <a:defRPr sz="1200" kern="1200">
+        <a:solidFill>
+          <a:schemeClr val="tx1"/>
+        </a:solidFill>
+        <a:latin typeface="+mn-lt"/>
+        <a:ea typeface="+mn-ea"/>
+        <a:cs typeface="+mn-cs"/>
+      </a:defRPr>
+    </a:lvl3pPr>
+    <a:lvl4pPr marL="1371600" algn="l" defTabSz="914400" rtl="0" eaLnBrk="1" latinLnBrk="0" hangingPunct="1">
+      <a:defRPr sz="1200" kern="1200">
+        <a:solidFill>
+          <a:schemeClr val="tx1"/>
+        </a:solidFill>
+        <a:latin typeface="+mn-lt"/>
+        <a:ea typeface="+mn-ea"/>
+        <a:cs typeface="+mn-cs"/>
+      </a:defRPr>
+    </a:lvl4pPr>
+    <a:lvl5pPr marL="1828800" algn="l" defTabSz="914400" rtl="0" eaLnBrk="1" latinLnBrk="0" hangingPunct="1">
+      <a:defRPr sz="1200" kern="1200">
+        <a:solidFill>
+          <a:schemeClr val="tx1"/>
+        </a:solidFill>
+        <a:latin typeface="+mn-lt"/>
+        <a:ea typeface="+mn-ea"/>
+        <a:cs typeface="+mn-cs"/>
+      </a:defRPr>
+    </a:lvl5pPr>
+    <a:lvl6pPr marL="2286000" algn="l" defTabSz="914400" rtl="0" eaLnBrk="1" latinLnBrk="0" hangingPunct="1">
+      <a:defRPr sz="1200" kern="1200">
+        <a:solidFill>
+          <a:schemeClr val="tx1"/>
+        </a:solidFill>
+        <a:latin typeface="+mn-lt"/>
+        <a:ea typeface="+mn-ea"/>
+        <a:cs typeface="+mn-cs"/>
+      </a:defRPr>
+    </a:lvl6pPr>
+    <a:lvl7pPr marL="2743200" algn="l" defTabSz="914400" rtl="0" eaLnBrk="1" latinLnBrk="0" hangingPunct="1">
+      <a:defRPr sz="1200" kern="1200">
+        <a:solidFill>
+          <a:schemeClr val="tx1"/>
+        </a:solidFill>
+        <a:latin typeface="+mn-lt"/>
+        <a:ea typeface="+mn-ea"/>
+        <a:cs typeface="+mn-cs"/>
+      </a:defRPr>
+    </a:lvl7pPr>
+    <a:lvl8pPr marL="3200400" algn="l" defTabSz="914400" rtl="0" eaLnBrk="1" latinLnBrk="0" hangingPunct="1">
+      <a:defRPr sz="1200" kern="1200">
+        <a:solidFill>
+          <a:schemeClr val="tx1"/>
+        </a:solidFill>
+        <a:latin typeface="+mn-lt"/>
+        <a:ea typeface="+mn-ea"/>
+        <a:cs typeface="+mn-cs"/>
+      </a:defRPr>
+    </a:lvl8pPr>
+    <a:lvl9pPr marL="3657600" algn="l" defTabSz="914400" rtl="0" eaLnBrk="1" latinLnBrk="0" hangingPunct="1">
+      <a:defRPr sz="1200" kern="1200">
+        <a:solidFill>
+          <a:schemeClr val="tx1"/>
+        </a:solidFill>
+        <a:latin typeface="+mn-lt"/>
+        <a:ea typeface="+mn-ea"/>
+        <a:cs typeface="+mn-cs"/>
+      </a:defRPr>
+    </a:lvl9pPr>
+  </p:notesStyle>
+</p:notesMaster>
+</file>
+
+<file path=ppt/notesSlides/notesSlide1.xml><?xml version="1.0" encoding="utf-8"?>
+<p:notes xmlns:a="http://schemas.openxmlformats.org/drawingml/2006/main" xmlns:r="http://schemas.openxmlformats.org/officeDocument/2006/relationships" xmlns:p="http://schemas.openxmlformats.org/presentationml/2006/main">
+  <p:cSld>
+    <p:spTree>
+      <p:nvGrpSpPr>
+        <p:cNvPr id="1" name=""/>
+        <p:cNvGrpSpPr/>
+        <p:nvPr/>
+      </p:nvGrpSpPr>
+      <p:grpSpPr>
+        <a:xfrm>
+          <a:off x="0" y="0"/>
+          <a:ext cx="0" cy="0"/>
+          <a:chOff x="0" y="0"/>
+          <a:chExt cx="0" cy="0"/>
+        </a:xfrm>
+      </p:grpSpPr>
+      <p:sp>
+        <p:nvSpPr>
+          <p:cNvPr id="2" name="Slide Image Placeholder 1"/>
+          <p:cNvSpPr>
+            <a:spLocks noGrp="1" noRot="1" noChangeAspect="1"/>
+          </p:cNvSpPr>
+          <p:nvPr>
+            <p:ph type="sldImg"/>
+          </p:nvPr>
+        </p:nvSpPr>
+        <p:spPr/>
+      </p:sp>
+      <p:sp>
+        <p:nvSpPr>
+          <p:cNvPr id="3" name="Notes Placeholder 2"/>
+          <p:cNvSpPr>
+            <a:spLocks noGrp="1"/>
+          </p:cNvSpPr>
+          <p:nvPr>
+            <p:ph type="body" idx="1"/>
+          </p:nvPr>
+        </p:nvSpPr>
+        <p:spPr/>
+        <p:txBody>
+          <a:bodyPr/>
+          <a:lstStyle/>
+          <a:p>
+            <a:r>
+              <a:rPr lang="en-US" dirty="0"/>
+              <a:t>ESP32 “visits” a URL associated with a Flask application</a:t>
+            </a:r>
+          </a:p>
+          <a:p>
+            <a:pPr lvl="1"/>
+            <a:r>
+              <a:rPr lang="en-US" dirty="0"/>
+              <a:t>The URL contains data; i.e., http://10.13.154.216:5000/inputdata/24.6</a:t>
+            </a:r>
+          </a:p>
+          <a:p>
+            <a:r>
+              <a:rPr lang="en-US" dirty="0"/>
+              <a:t>Flask receives the request (along with the data in the URL) and does some processing</a:t>
+            </a:r>
+          </a:p>
+          <a:p>
+            <a:pPr lvl="1"/>
+            <a:r>
+              <a:rPr lang="en-US" dirty="0"/>
+              <a:t>Any calculations, advanced processing, etc. SHOULD BE DONE SERVER-SIDE (in Flask). The ESP32 is a relatively weak computer and can’t handle advanced operations. On the other hand, the “host” has more computational resources, so it can do things like AI/ML and other advanced calculations.</a:t>
+            </a:r>
+          </a:p>
+          <a:p>
+            <a:r>
+              <a:rPr lang="en-US" dirty="0"/>
+              <a:t>Flask sends a response back to the client (along with processed data)</a:t>
+            </a:r>
+          </a:p>
+          <a:p>
+            <a:pPr lvl="1"/>
+            <a:r>
+              <a:rPr lang="en-US" dirty="0"/>
+              <a:t>For the ESP32, the response can be printed in the Serial Monitor</a:t>
+            </a:r>
+          </a:p>
+          <a:p>
+            <a:pPr lvl="1"/>
+            <a:r>
+              <a:rPr lang="en-US" dirty="0"/>
+              <a:t>For a human using a computer, the response can be rendered with HTML on a web browser</a:t>
+            </a:r>
+          </a:p>
+          <a:p>
+            <a:endParaRPr lang="en-US" dirty="0"/>
+          </a:p>
+        </p:txBody>
+      </p:sp>
+      <p:sp>
+        <p:nvSpPr>
+          <p:cNvPr id="4" name="Slide Number Placeholder 3"/>
+          <p:cNvSpPr>
+            <a:spLocks noGrp="1"/>
+          </p:cNvSpPr>
+          <p:nvPr>
+            <p:ph type="sldNum" sz="quarter" idx="5"/>
+          </p:nvPr>
+        </p:nvSpPr>
+        <p:spPr/>
+        <p:txBody>
+          <a:bodyPr/>
+          <a:lstStyle/>
+          <a:p>
+            <a:fld id="{1E2B549C-8074-4248-B939-E10272674DE7}" type="slidenum">
+              <a:rPr lang="en-US" smtClean="0"/>
+              <a:t>5</a:t>
+            </a:fld>
+            <a:endParaRPr lang="en-US"/>
+          </a:p>
+        </p:txBody>
+      </p:sp>
+    </p:spTree>
+    <p:extLst>
+      <p:ext uri="{BB962C8B-B14F-4D97-AF65-F5344CB8AC3E}">
+        <p14:creationId xmlns:p14="http://schemas.microsoft.com/office/powerpoint/2010/main" val="588214062"/>
+      </p:ext>
+    </p:extLst>
+  </p:cSld>
+  <p:clrMapOvr>
+    <a:masterClrMapping/>
+  </p:clrMapOvr>
+</p:notes>
 </file>
 
 <file path=ppt/slideLayouts/slideLayout1.xml><?xml version="1.0" encoding="utf-8"?>
@@ -342,7 +832,7 @@
           <a:p>
             <a:fld id="{F93B3164-6393-4629-9BD2-AB405115158B}" type="datetimeFigureOut">
               <a:rPr lang="en-US" smtClean="0"/>
-              <a:t>2/20/2023</a:t>
+              <a:t>2/28/2023</a:t>
             </a:fld>
             <a:endParaRPr lang="en-US"/>
           </a:p>
@@ -676,7 +1166,7 @@
           <a:p>
             <a:fld id="{F93B3164-6393-4629-9BD2-AB405115158B}" type="datetimeFigureOut">
               <a:rPr lang="en-US" smtClean="0"/>
-              <a:t>2/20/2023</a:t>
+              <a:t>2/28/2023</a:t>
             </a:fld>
             <a:endParaRPr lang="en-US"/>
           </a:p>
@@ -954,7 +1444,7 @@
           <a:p>
             <a:fld id="{F93B3164-6393-4629-9BD2-AB405115158B}" type="datetimeFigureOut">
               <a:rPr lang="en-US" smtClean="0"/>
-              <a:t>2/20/2023</a:t>
+              <a:t>2/28/2023</a:t>
             </a:fld>
             <a:endParaRPr lang="en-US"/>
           </a:p>
@@ -1522,7 +2012,7 @@
           <a:p>
             <a:fld id="{F93B3164-6393-4629-9BD2-AB405115158B}" type="datetimeFigureOut">
               <a:rPr lang="en-US" smtClean="0"/>
-              <a:t>2/20/2023</a:t>
+              <a:t>2/28/2023</a:t>
             </a:fld>
             <a:endParaRPr lang="en-US"/>
           </a:p>
@@ -1800,7 +2290,7 @@
           <a:p>
             <a:fld id="{F93B3164-6393-4629-9BD2-AB405115158B}" type="datetimeFigureOut">
               <a:rPr lang="en-US" smtClean="0"/>
-              <a:t>2/20/2023</a:t>
+              <a:t>2/28/2023</a:t>
             </a:fld>
             <a:endParaRPr lang="en-US"/>
           </a:p>
@@ -2362,7 +2852,7 @@
           <a:p>
             <a:fld id="{F93B3164-6393-4629-9BD2-AB405115158B}" type="datetimeFigureOut">
               <a:rPr lang="en-US" smtClean="0"/>
-              <a:t>2/20/2023</a:t>
+              <a:t>2/28/2023</a:t>
             </a:fld>
             <a:endParaRPr lang="en-US"/>
           </a:p>
@@ -2689,7 +3179,7 @@
           <a:p>
             <a:fld id="{F93B3164-6393-4629-9BD2-AB405115158B}" type="datetimeFigureOut">
               <a:rPr lang="en-US" smtClean="0"/>
-              <a:t>2/20/2023</a:t>
+              <a:t>2/28/2023</a:t>
             </a:fld>
             <a:endParaRPr lang="en-US"/>
           </a:p>
@@ -2894,7 +3384,7 @@
           <a:p>
             <a:fld id="{F93B3164-6393-4629-9BD2-AB405115158B}" type="datetimeFigureOut">
               <a:rPr lang="en-US" smtClean="0"/>
-              <a:t>2/20/2023</a:t>
+              <a:t>2/28/2023</a:t>
             </a:fld>
             <a:endParaRPr lang="en-US"/>
           </a:p>
@@ -3104,7 +3594,7 @@
           <a:p>
             <a:fld id="{F93B3164-6393-4629-9BD2-AB405115158B}" type="datetimeFigureOut">
               <a:rPr lang="en-US" smtClean="0"/>
-              <a:t>2/20/2023</a:t>
+              <a:t>2/28/2023</a:t>
             </a:fld>
             <a:endParaRPr lang="en-US"/>
           </a:p>
@@ -3304,7 +3794,7 @@
           <a:p>
             <a:fld id="{F93B3164-6393-4629-9BD2-AB405115158B}" type="datetimeFigureOut">
               <a:rPr lang="en-US" smtClean="0"/>
-              <a:t>2/20/2023</a:t>
+              <a:t>2/28/2023</a:t>
             </a:fld>
             <a:endParaRPr lang="en-US"/>
           </a:p>
@@ -3580,7 +4070,7 @@
           <a:p>
             <a:fld id="{F93B3164-6393-4629-9BD2-AB405115158B}" type="datetimeFigureOut">
               <a:rPr lang="en-US" smtClean="0"/>
-              <a:t>2/20/2023</a:t>
+              <a:t>2/28/2023</a:t>
             </a:fld>
             <a:endParaRPr lang="en-US"/>
           </a:p>
@@ -3846,7 +4336,7 @@
           <a:p>
             <a:fld id="{F93B3164-6393-4629-9BD2-AB405115158B}" type="datetimeFigureOut">
               <a:rPr lang="en-US" smtClean="0"/>
-              <a:t>2/20/2023</a:t>
+              <a:t>2/28/2023</a:t>
             </a:fld>
             <a:endParaRPr lang="en-US"/>
           </a:p>
@@ -4220,7 +4710,7 @@
           <a:p>
             <a:fld id="{F93B3164-6393-4629-9BD2-AB405115158B}" type="datetimeFigureOut">
               <a:rPr lang="en-US" smtClean="0"/>
-              <a:t>2/20/2023</a:t>
+              <a:t>2/28/2023</a:t>
             </a:fld>
             <a:endParaRPr lang="en-US"/>
           </a:p>
@@ -4368,7 +4858,7 @@
           <a:p>
             <a:fld id="{F93B3164-6393-4629-9BD2-AB405115158B}" type="datetimeFigureOut">
               <a:rPr lang="en-US" smtClean="0"/>
-              <a:t>2/20/2023</a:t>
+              <a:t>2/28/2023</a:t>
             </a:fld>
             <a:endParaRPr lang="en-US"/>
           </a:p>
@@ -4493,7 +4983,7 @@
           <a:p>
             <a:fld id="{F93B3164-6393-4629-9BD2-AB405115158B}" type="datetimeFigureOut">
               <a:rPr lang="en-US" smtClean="0"/>
-              <a:t>2/20/2023</a:t>
+              <a:t>2/28/2023</a:t>
             </a:fld>
             <a:endParaRPr lang="en-US"/>
           </a:p>
@@ -4778,7 +5268,7 @@
           <a:p>
             <a:fld id="{F93B3164-6393-4629-9BD2-AB405115158B}" type="datetimeFigureOut">
               <a:rPr lang="en-US" smtClean="0"/>
-              <a:t>2/20/2023</a:t>
+              <a:t>2/28/2023</a:t>
             </a:fld>
             <a:endParaRPr lang="en-US"/>
           </a:p>
@@ -5102,7 +5592,7 @@
           <a:p>
             <a:fld id="{F93B3164-6393-4629-9BD2-AB405115158B}" type="datetimeFigureOut">
               <a:rPr lang="en-US" smtClean="0"/>
-              <a:t>2/20/2023</a:t>
+              <a:t>2/28/2023</a:t>
             </a:fld>
             <a:endParaRPr lang="en-US"/>
           </a:p>
@@ -5316,7 +5806,7 @@
           <a:p>
             <a:fld id="{F93B3164-6393-4629-9BD2-AB405115158B}" type="datetimeFigureOut">
               <a:rPr lang="en-US" smtClean="0"/>
-              <a:t>2/20/2023</a:t>
+              <a:t>2/28/2023</a:t>
             </a:fld>
             <a:endParaRPr lang="en-US"/>
           </a:p>
@@ -5870,6 +6360,150 @@
 </p:sld>
 </file>
 
+<file path=ppt/slides/slide10.xml><?xml version="1.0" encoding="utf-8"?>
+<p:sld xmlns:a="http://schemas.openxmlformats.org/drawingml/2006/main" xmlns:r="http://schemas.openxmlformats.org/officeDocument/2006/relationships" xmlns:p="http://schemas.openxmlformats.org/presentationml/2006/main">
+  <p:cSld>
+    <p:spTree>
+      <p:nvGrpSpPr>
+        <p:cNvPr id="1" name=""/>
+        <p:cNvGrpSpPr/>
+        <p:nvPr/>
+      </p:nvGrpSpPr>
+      <p:grpSpPr>
+        <a:xfrm>
+          <a:off x="0" y="0"/>
+          <a:ext cx="0" cy="0"/>
+          <a:chOff x="0" y="0"/>
+          <a:chExt cx="0" cy="0"/>
+        </a:xfrm>
+      </p:grpSpPr>
+      <p:sp>
+        <p:nvSpPr>
+          <p:cNvPr id="2" name="Title 1">
+            <a:extLst>
+              <a:ext uri="{FF2B5EF4-FFF2-40B4-BE49-F238E27FC236}">
+                <a16:creationId xmlns:a16="http://schemas.microsoft.com/office/drawing/2014/main" id="{97FECF91-E2E3-E401-6DF2-B114C4D3B6C3}"/>
+              </a:ext>
+            </a:extLst>
+          </p:cNvPr>
+          <p:cNvSpPr>
+            <a:spLocks noGrp="1"/>
+          </p:cNvSpPr>
+          <p:nvPr>
+            <p:ph type="title"/>
+          </p:nvPr>
+        </p:nvSpPr>
+        <p:spPr/>
+        <p:txBody>
+          <a:bodyPr/>
+          <a:lstStyle/>
+          <a:p>
+            <a:r>
+              <a:rPr lang="en-US" cap="none" dirty="0"/>
+              <a:t>Demo #2: IoT Applications</a:t>
+            </a:r>
+          </a:p>
+        </p:txBody>
+      </p:sp>
+      <p:sp>
+        <p:nvSpPr>
+          <p:cNvPr id="3" name="Content Placeholder 2">
+            <a:extLst>
+              <a:ext uri="{FF2B5EF4-FFF2-40B4-BE49-F238E27FC236}">
+                <a16:creationId xmlns:a16="http://schemas.microsoft.com/office/drawing/2014/main" id="{7EA411E2-0FF7-D65C-0854-8650D0D1023D}"/>
+              </a:ext>
+            </a:extLst>
+          </p:cNvPr>
+          <p:cNvSpPr>
+            <a:spLocks noGrp="1"/>
+          </p:cNvSpPr>
+          <p:nvPr>
+            <p:ph idx="1"/>
+          </p:nvPr>
+        </p:nvSpPr>
+        <p:spPr>
+          <a:xfrm>
+            <a:off x="306625" y="2131116"/>
+            <a:ext cx="11514869" cy="4187552"/>
+          </a:xfrm>
+        </p:spPr>
+        <p:txBody>
+          <a:bodyPr>
+            <a:normAutofit/>
+          </a:bodyPr>
+          <a:lstStyle/>
+          <a:p>
+            <a:pPr marL="0" indent="0" algn="ctr">
+              <a:buNone/>
+            </a:pPr>
+            <a:r>
+              <a:rPr lang="en-US" sz="3200" dirty="0"/>
+              <a:t>http://github.com/uyechi23/FlaskESP32ConceptDemo</a:t>
+            </a:r>
+          </a:p>
+          <a:p>
+            <a:pPr marL="0" indent="0" algn="ctr">
+              <a:buNone/>
+            </a:pPr>
+            <a:endParaRPr lang="en-US" sz="3200" dirty="0"/>
+          </a:p>
+          <a:p>
+            <a:pPr algn="ctr"/>
+            <a:r>
+              <a:rPr lang="en-US" sz="3200" dirty="0"/>
+              <a:t>Upload the .</a:t>
+            </a:r>
+            <a:r>
+              <a:rPr lang="en-US" sz="3200" dirty="0" err="1"/>
+              <a:t>ino</a:t>
+            </a:r>
+            <a:r>
+              <a:rPr lang="en-US" sz="3200" dirty="0"/>
+              <a:t> file to your ESP32</a:t>
+            </a:r>
+          </a:p>
+          <a:p>
+            <a:pPr marL="0" indent="0" algn="ctr">
+              <a:buNone/>
+            </a:pPr>
+            <a:r>
+              <a:rPr lang="en-US" sz="3200" dirty="0"/>
+              <a:t>(</a:t>
+            </a:r>
+            <a:r>
+              <a:rPr lang="en-US" sz="3200" dirty="0">
+                <a:sym typeface="Wingdings" panose="05000000000000000000" pitchFamily="2" charset="2"/>
+              </a:rPr>
+              <a:t>ESP32  esp32potdemo  esp32potdemo.ino)</a:t>
+            </a:r>
+            <a:endParaRPr lang="en-US" sz="3200" dirty="0"/>
+          </a:p>
+          <a:p>
+            <a:pPr algn="ctr"/>
+            <a:r>
+              <a:rPr lang="en-US" sz="3200" dirty="0"/>
+              <a:t>Connect a potentiometer’s middle pin to 33 on your ESP32</a:t>
+            </a:r>
+          </a:p>
+          <a:p>
+            <a:pPr algn="ctr"/>
+            <a:endParaRPr lang="en-US" sz="3200" dirty="0"/>
+          </a:p>
+        </p:txBody>
+      </p:sp>
+    </p:spTree>
+    <p:extLst>
+      <p:ext uri="{BB962C8B-B14F-4D97-AF65-F5344CB8AC3E}">
+        <p14:creationId xmlns:p14="http://schemas.microsoft.com/office/powerpoint/2010/main" val="3688982312"/>
+      </p:ext>
+    </p:extLst>
+  </p:cSld>
+  <p:clrMapOvr>
+    <a:masterClrMapping/>
+  </p:clrMapOvr>
+</p:sld>
+</file>
+
 <file path=ppt/slides/slide2.xml><?xml version="1.0" encoding="utf-8"?>
 <p:sld xmlns:a="http://schemas.openxmlformats.org/drawingml/2006/main" xmlns:r="http://schemas.openxmlformats.org/officeDocument/2006/relationships" xmlns:p="http://schemas.openxmlformats.org/presentationml/2006/main">
   <p:cSld>
@@ -5892,7 +6526,7 @@
           <p:cNvPr id="2" name="Title 1">
             <a:extLst>
               <a:ext uri="{FF2B5EF4-FFF2-40B4-BE49-F238E27FC236}">
-                <a16:creationId xmlns:a16="http://schemas.microsoft.com/office/drawing/2014/main" id="{B13AAC35-CC71-52A2-E2F6-9396B9FCBE2D}"/>
+                <a16:creationId xmlns:a16="http://schemas.microsoft.com/office/drawing/2014/main" id="{97FECF91-E2E3-E401-6DF2-B114C4D3B6C3}"/>
               </a:ext>
             </a:extLst>
           </p:cNvPr>
@@ -5910,7 +6544,7 @@
           <a:p>
             <a:r>
               <a:rPr lang="en-US" cap="none" dirty="0"/>
-              <a:t>Data Flow from ESP32 to Flask Application</a:t>
+              <a:t>Demo #2 Setup</a:t>
             </a:r>
           </a:p>
         </p:txBody>
@@ -5920,7 +6554,7 @@
           <p:cNvPr id="3" name="Content Placeholder 2">
             <a:extLst>
               <a:ext uri="{FF2B5EF4-FFF2-40B4-BE49-F238E27FC236}">
-                <a16:creationId xmlns:a16="http://schemas.microsoft.com/office/drawing/2014/main" id="{54CCF76B-AAA8-A4A4-2243-5D5FA6DF77CC}"/>
+                <a16:creationId xmlns:a16="http://schemas.microsoft.com/office/drawing/2014/main" id="{7EA411E2-0FF7-D65C-0854-8650D0D1023D}"/>
               </a:ext>
             </a:extLst>
           </p:cNvPr>
@@ -5931,62 +6565,69 @@
             <p:ph idx="1"/>
           </p:nvPr>
         </p:nvSpPr>
-        <p:spPr/>
-        <p:txBody>
-          <a:bodyPr/>
-          <a:lstStyle/>
-          <a:p>
-            <a:r>
-              <a:rPr lang="en-US" dirty="0"/>
-              <a:t>ESP32 “visits” a URL associated with a Flask application</a:t>
-            </a:r>
-          </a:p>
-          <a:p>
-            <a:pPr lvl="1"/>
-            <a:r>
-              <a:rPr lang="en-US" dirty="0"/>
-              <a:t>The URL contains data; i.e., http://10.13.154.216:5000/inputdata/24.6</a:t>
-            </a:r>
-          </a:p>
-          <a:p>
-            <a:r>
-              <a:rPr lang="en-US" dirty="0"/>
-              <a:t>Flask receives the request (along with the data in the URL) and does some processing</a:t>
-            </a:r>
-          </a:p>
-          <a:p>
-            <a:pPr lvl="1"/>
-            <a:r>
-              <a:rPr lang="en-US" dirty="0"/>
-              <a:t>Any calculations, advanced processing, etc. SHOULD BE DONE SERVER-SIDE (in Flask). The ESP32 is a relatively weak computer and can’t handle advanced operations. On the other hand, the “host” has more computational resources, so it can do things like AI/ML and other advanced calculations.</a:t>
-            </a:r>
-          </a:p>
-          <a:p>
-            <a:r>
-              <a:rPr lang="en-US" dirty="0"/>
-              <a:t>Flask sends a response back to the client (along with processed data)</a:t>
-            </a:r>
-          </a:p>
-          <a:p>
-            <a:pPr lvl="1"/>
-            <a:r>
-              <a:rPr lang="en-US" dirty="0"/>
-              <a:t>For the ESP32, the response can be printed in the Serial Monitor</a:t>
-            </a:r>
-          </a:p>
-          <a:p>
-            <a:pPr lvl="1"/>
-            <a:r>
-              <a:rPr lang="en-US" dirty="0"/>
-              <a:t>For a human using a computer, the response can be rendered with HTML on a web browser</a:t>
-            </a:r>
+        <p:spPr>
+          <a:xfrm>
+            <a:off x="49279" y="2131116"/>
+            <a:ext cx="12013137" cy="3649133"/>
+          </a:xfrm>
+        </p:spPr>
+        <p:txBody>
+          <a:bodyPr>
+            <a:normAutofit/>
+          </a:bodyPr>
+          <a:lstStyle/>
+          <a:p>
+            <a:pPr marL="0" indent="0" algn="ctr">
+              <a:buNone/>
+            </a:pPr>
+            <a:r>
+              <a:rPr lang="en-US" sz="3200" dirty="0"/>
+              <a:t>http://github.com/uyechi23/FlaskESP32ConceptDemo</a:t>
+            </a:r>
+          </a:p>
+          <a:p>
+            <a:pPr marL="0" indent="0" algn="ctr">
+              <a:buNone/>
+            </a:pPr>
+            <a:endParaRPr lang="en-US" sz="3200" dirty="0"/>
+          </a:p>
+          <a:p>
+            <a:pPr algn="ctr"/>
+            <a:r>
+              <a:rPr lang="en-US" sz="3200" dirty="0"/>
+              <a:t>Upload the .</a:t>
+            </a:r>
+            <a:r>
+              <a:rPr lang="en-US" sz="3200" dirty="0" err="1"/>
+              <a:t>ino</a:t>
+            </a:r>
+            <a:r>
+              <a:rPr lang="en-US" sz="3200" dirty="0"/>
+              <a:t> file to your ESP32</a:t>
+            </a:r>
+          </a:p>
+          <a:p>
+            <a:pPr marL="0" indent="0" algn="ctr">
+              <a:buNone/>
+            </a:pPr>
+            <a:r>
+              <a:rPr lang="en-US" sz="3200" dirty="0"/>
+              <a:t>(</a:t>
+            </a:r>
+            <a:r>
+              <a:rPr lang="en-US" sz="3200" dirty="0">
+                <a:sym typeface="Wingdings" panose="05000000000000000000" pitchFamily="2" charset="2"/>
+              </a:rPr>
+              <a:t>ESP32  esp32potdemo  esp32potdemo.ino)</a:t>
+            </a:r>
+            <a:endParaRPr lang="en-US" sz="3200" dirty="0"/>
           </a:p>
         </p:txBody>
       </p:sp>
     </p:spTree>
     <p:extLst>
       <p:ext uri="{BB962C8B-B14F-4D97-AF65-F5344CB8AC3E}">
-        <p14:creationId xmlns:p14="http://schemas.microsoft.com/office/powerpoint/2010/main" val="3269124258"/>
+        <p14:creationId xmlns:p14="http://schemas.microsoft.com/office/powerpoint/2010/main" val="1304208922"/>
       </p:ext>
     </p:extLst>
   </p:cSld>
@@ -6015,21 +6656,19 @@
       </p:grpSpPr>
       <p:pic>
         <p:nvPicPr>
-          <p:cNvPr id="6" name="Content Placeholder 5" descr="Text&#10;&#10;Description automatically generated">
+          <p:cNvPr id="2050" name="Picture 2">
             <a:extLst>
               <a:ext uri="{FF2B5EF4-FFF2-40B4-BE49-F238E27FC236}">
-                <a16:creationId xmlns:a16="http://schemas.microsoft.com/office/drawing/2014/main" id="{89E85EB2-6BD9-97BC-6514-C639676F73C0}"/>
+                <a16:creationId xmlns:a16="http://schemas.microsoft.com/office/drawing/2014/main" id="{6068F781-4547-D55A-DC95-FE440B46873A}"/>
               </a:ext>
             </a:extLst>
           </p:cNvPr>
           <p:cNvPicPr>
-            <a:picLocks noGrp="1" noChangeAspect="1"/>
+            <a:picLocks noChangeAspect="1" noChangeArrowheads="1"/>
           </p:cNvPicPr>
-          <p:nvPr>
-            <p:ph idx="1"/>
-          </p:nvPr>
+          <p:nvPr/>
         </p:nvPicPr>
-        <p:blipFill rotWithShape="1">
+        <p:blipFill>
           <a:blip r:embed="rId2">
             <a:extLst>
               <a:ext uri="{28A0092B-C50C-407E-A947-70E740481C1C}">
@@ -6037,448 +6676,65 @@
               </a:ext>
             </a:extLst>
           </a:blip>
-          <a:srcRect l="5018" t="8423" r="4624" b="8288"/>
-          <a:stretch/>
+          <a:srcRect/>
+          <a:stretch>
+            <a:fillRect/>
+          </a:stretch>
         </p:blipFill>
-        <p:spPr>
-          <a:xfrm>
-            <a:off x="4685338" y="592359"/>
-            <a:ext cx="7273637" cy="5707148"/>
-          </a:xfrm>
-        </p:spPr>
-      </p:pic>
-      <p:sp>
-        <p:nvSpPr>
-          <p:cNvPr id="7" name="Rectangle 6">
-            <a:extLst>
-              <a:ext uri="{FF2B5EF4-FFF2-40B4-BE49-F238E27FC236}">
-                <a16:creationId xmlns:a16="http://schemas.microsoft.com/office/drawing/2014/main" id="{BC52D2F0-00EB-34C1-8008-8336DE743858}"/>
-              </a:ext>
-            </a:extLst>
-          </p:cNvPr>
-          <p:cNvSpPr/>
-          <p:nvPr/>
-        </p:nvSpPr>
-        <p:spPr>
-          <a:xfrm>
-            <a:off x="4796742" y="696393"/>
-            <a:ext cx="5056909" cy="1647099"/>
+        <p:spPr bwMode="auto">
+          <a:xfrm>
+            <a:off x="377805" y="472281"/>
+            <a:ext cx="11367033" cy="4782146"/>
           </a:xfrm>
           <a:prstGeom prst="rect">
             <a:avLst/>
           </a:prstGeom>
           <a:noFill/>
-          <a:ln w="76200">
-            <a:solidFill>
-              <a:srgbClr val="FF0000"/>
-            </a:solidFill>
-          </a:ln>
-        </p:spPr>
-        <p:style>
-          <a:lnRef idx="2">
-            <a:schemeClr val="accent1">
-              <a:shade val="50000"/>
-            </a:schemeClr>
-          </a:lnRef>
-          <a:fillRef idx="1">
-            <a:schemeClr val="accent1"/>
-          </a:fillRef>
-          <a:effectRef idx="0">
-            <a:schemeClr val="accent1"/>
-          </a:effectRef>
-          <a:fontRef idx="minor">
-            <a:schemeClr val="lt1"/>
-          </a:fontRef>
-        </p:style>
-        <p:txBody>
-          <a:bodyPr rtlCol="0" anchor="ctr"/>
-          <a:lstStyle/>
-          <a:p>
-            <a:pPr algn="ctr"/>
-            <a:endParaRPr lang="en-US"/>
-          </a:p>
-        </p:txBody>
-      </p:sp>
-      <p:sp>
-        <p:nvSpPr>
-          <p:cNvPr id="8" name="Rectangle 7">
+          <a:extLst>
+            <a:ext uri="{909E8E84-426E-40DD-AFC4-6F175D3DCCD1}">
+              <a14:hiddenFill xmlns:a14="http://schemas.microsoft.com/office/drawing/2010/main">
+                <a:solidFill>
+                  <a:srgbClr val="FFFFFF"/>
+                </a:solidFill>
+              </a14:hiddenFill>
+            </a:ext>
+          </a:extLst>
+        </p:spPr>
+      </p:pic>
+      <p:sp>
+        <p:nvSpPr>
+          <p:cNvPr id="8" name="Content Placeholder 2">
             <a:extLst>
               <a:ext uri="{FF2B5EF4-FFF2-40B4-BE49-F238E27FC236}">
-                <a16:creationId xmlns:a16="http://schemas.microsoft.com/office/drawing/2014/main" id="{5AD1524C-FB95-F08A-B4DB-7885FA6C6E32}"/>
+                <a16:creationId xmlns:a16="http://schemas.microsoft.com/office/drawing/2014/main" id="{1F664FCB-3B45-390F-8890-CA13B2CFAC32}"/>
               </a:ext>
             </a:extLst>
           </p:cNvPr>
-          <p:cNvSpPr/>
-          <p:nvPr/>
-        </p:nvSpPr>
-        <p:spPr>
-          <a:xfrm>
-            <a:off x="4796742" y="3142908"/>
-            <a:ext cx="5056909" cy="1987588"/>
-          </a:xfrm>
-          <a:prstGeom prst="rect">
-            <a:avLst/>
-          </a:prstGeom>
-          <a:noFill/>
-          <a:ln w="76200">
-            <a:solidFill>
-              <a:srgbClr val="FF0000"/>
-            </a:solidFill>
-          </a:ln>
-        </p:spPr>
-        <p:style>
-          <a:lnRef idx="2">
-            <a:schemeClr val="accent1">
-              <a:shade val="50000"/>
-            </a:schemeClr>
-          </a:lnRef>
-          <a:fillRef idx="1">
-            <a:schemeClr val="accent1"/>
-          </a:fillRef>
-          <a:effectRef idx="0">
-            <a:schemeClr val="accent1"/>
-          </a:effectRef>
-          <a:fontRef idx="minor">
-            <a:schemeClr val="lt1"/>
-          </a:fontRef>
-        </p:style>
-        <p:txBody>
-          <a:bodyPr rtlCol="0" anchor="ctr"/>
-          <a:lstStyle/>
-          <a:p>
-            <a:pPr algn="ctr"/>
-            <a:endParaRPr lang="en-US"/>
-          </a:p>
-        </p:txBody>
-      </p:sp>
-      <p:sp>
-        <p:nvSpPr>
-          <p:cNvPr id="9" name="Rectangle 8">
-            <a:extLst>
-              <a:ext uri="{FF2B5EF4-FFF2-40B4-BE49-F238E27FC236}">
-                <a16:creationId xmlns:a16="http://schemas.microsoft.com/office/drawing/2014/main" id="{6ED8085E-6A33-528C-6DB8-5DE3AB005856}"/>
-              </a:ext>
-            </a:extLst>
-          </p:cNvPr>
-          <p:cNvSpPr/>
-          <p:nvPr/>
-        </p:nvSpPr>
-        <p:spPr>
-          <a:xfrm>
-            <a:off x="4796742" y="5130496"/>
-            <a:ext cx="5056909" cy="1035674"/>
-          </a:xfrm>
-          <a:prstGeom prst="rect">
-            <a:avLst/>
-          </a:prstGeom>
-          <a:noFill/>
-          <a:ln w="76200">
-            <a:solidFill>
-              <a:srgbClr val="FF0000"/>
-            </a:solidFill>
-          </a:ln>
-        </p:spPr>
-        <p:style>
-          <a:lnRef idx="2">
-            <a:schemeClr val="accent1">
-              <a:shade val="50000"/>
-            </a:schemeClr>
-          </a:lnRef>
-          <a:fillRef idx="1">
-            <a:schemeClr val="accent1"/>
-          </a:fillRef>
-          <a:effectRef idx="0">
-            <a:schemeClr val="accent1"/>
-          </a:effectRef>
-          <a:fontRef idx="minor">
-            <a:schemeClr val="lt1"/>
-          </a:fontRef>
-        </p:style>
-        <p:txBody>
-          <a:bodyPr rtlCol="0" anchor="ctr"/>
-          <a:lstStyle/>
-          <a:p>
-            <a:pPr algn="ctr"/>
-            <a:endParaRPr lang="en-US"/>
-          </a:p>
-        </p:txBody>
-      </p:sp>
-      <p:sp>
-        <p:nvSpPr>
-          <p:cNvPr id="10" name="Arrow: Right 9">
-            <a:extLst>
-              <a:ext uri="{FF2B5EF4-FFF2-40B4-BE49-F238E27FC236}">
-                <a16:creationId xmlns:a16="http://schemas.microsoft.com/office/drawing/2014/main" id="{083300F4-293B-B37F-7E1F-012551630124}"/>
-              </a:ext>
-            </a:extLst>
-          </p:cNvPr>
-          <p:cNvSpPr/>
-          <p:nvPr/>
-        </p:nvSpPr>
-        <p:spPr>
-          <a:xfrm>
-            <a:off x="503741" y="958204"/>
-            <a:ext cx="4035406" cy="1155320"/>
-          </a:xfrm>
-          <a:prstGeom prst="rightArrow">
-            <a:avLst/>
-          </a:prstGeom>
-          <a:solidFill>
-            <a:schemeClr val="accent1"/>
-          </a:solidFill>
-          <a:ln>
-            <a:solidFill>
-              <a:schemeClr val="bg1"/>
-            </a:solidFill>
-          </a:ln>
-        </p:spPr>
-        <p:style>
-          <a:lnRef idx="2">
-            <a:schemeClr val="accent1">
-              <a:shade val="50000"/>
-            </a:schemeClr>
-          </a:lnRef>
-          <a:fillRef idx="1">
-            <a:schemeClr val="accent1"/>
-          </a:fillRef>
-          <a:effectRef idx="0">
-            <a:schemeClr val="accent1"/>
-          </a:effectRef>
-          <a:fontRef idx="minor">
-            <a:schemeClr val="lt1"/>
-          </a:fontRef>
-        </p:style>
-        <p:txBody>
-          <a:bodyPr rtlCol="0" anchor="ctr"/>
-          <a:lstStyle/>
-          <a:p>
-            <a:pPr algn="ctr"/>
-            <a:r>
-              <a:rPr lang="en-US" dirty="0"/>
-              <a:t>Receive Data from ESP32 through URL</a:t>
-            </a:r>
-          </a:p>
-        </p:txBody>
-      </p:sp>
-      <p:sp>
-        <p:nvSpPr>
-          <p:cNvPr id="12" name="Arrow: Right 11">
-            <a:extLst>
-              <a:ext uri="{FF2B5EF4-FFF2-40B4-BE49-F238E27FC236}">
-                <a16:creationId xmlns:a16="http://schemas.microsoft.com/office/drawing/2014/main" id="{9ED719B6-74E1-82EA-8EF9-8078DF27EDD4}"/>
-              </a:ext>
-            </a:extLst>
-          </p:cNvPr>
-          <p:cNvSpPr/>
-          <p:nvPr/>
-        </p:nvSpPr>
-        <p:spPr>
-          <a:xfrm>
-            <a:off x="503741" y="3445933"/>
-            <a:ext cx="4035406" cy="1155320"/>
-          </a:xfrm>
-          <a:prstGeom prst="rightArrow">
-            <a:avLst/>
-          </a:prstGeom>
-          <a:solidFill>
-            <a:schemeClr val="accent1"/>
-          </a:solidFill>
-          <a:ln>
-            <a:solidFill>
-              <a:schemeClr val="bg1"/>
-            </a:solidFill>
-          </a:ln>
-        </p:spPr>
-        <p:style>
-          <a:lnRef idx="2">
-            <a:schemeClr val="accent1">
-              <a:shade val="50000"/>
-            </a:schemeClr>
-          </a:lnRef>
-          <a:fillRef idx="1">
-            <a:schemeClr val="accent1"/>
-          </a:fillRef>
-          <a:effectRef idx="0">
-            <a:schemeClr val="accent1"/>
-          </a:effectRef>
-          <a:fontRef idx="minor">
-            <a:schemeClr val="lt1"/>
-          </a:fontRef>
-        </p:style>
-        <p:txBody>
-          <a:bodyPr rtlCol="0" anchor="ctr"/>
-          <a:lstStyle/>
-          <a:p>
-            <a:pPr algn="ctr"/>
-            <a:r>
-              <a:rPr lang="en-US" dirty="0"/>
-              <a:t>Flask Processes Data</a:t>
-            </a:r>
-          </a:p>
-        </p:txBody>
-      </p:sp>
-      <p:sp>
-        <p:nvSpPr>
-          <p:cNvPr id="13" name="Arrow: Right 12">
-            <a:extLst>
-              <a:ext uri="{FF2B5EF4-FFF2-40B4-BE49-F238E27FC236}">
-                <a16:creationId xmlns:a16="http://schemas.microsoft.com/office/drawing/2014/main" id="{8955BE31-9638-6518-D203-FA61BEDE5B18}"/>
-              </a:ext>
-            </a:extLst>
-          </p:cNvPr>
-          <p:cNvSpPr/>
-          <p:nvPr/>
-        </p:nvSpPr>
-        <p:spPr>
-          <a:xfrm>
-            <a:off x="503741" y="5070673"/>
-            <a:ext cx="4035406" cy="1155320"/>
-          </a:xfrm>
-          <a:prstGeom prst="rightArrow">
-            <a:avLst/>
-          </a:prstGeom>
-          <a:solidFill>
-            <a:schemeClr val="accent1"/>
-          </a:solidFill>
-          <a:ln>
-            <a:solidFill>
-              <a:schemeClr val="bg1"/>
-            </a:solidFill>
-          </a:ln>
-        </p:spPr>
-        <p:style>
-          <a:lnRef idx="2">
-            <a:schemeClr val="accent1">
-              <a:shade val="50000"/>
-            </a:schemeClr>
-          </a:lnRef>
-          <a:fillRef idx="1">
-            <a:schemeClr val="accent1"/>
-          </a:fillRef>
-          <a:effectRef idx="0">
-            <a:schemeClr val="accent1"/>
-          </a:effectRef>
-          <a:fontRef idx="minor">
-            <a:schemeClr val="lt1"/>
-          </a:fontRef>
-        </p:style>
-        <p:txBody>
-          <a:bodyPr rtlCol="0" anchor="ctr"/>
-          <a:lstStyle/>
-          <a:p>
-            <a:pPr algn="ctr"/>
-            <a:r>
-              <a:rPr lang="en-US" dirty="0"/>
-              <a:t>Processed Data is Returned to ESP32</a:t>
-            </a:r>
-          </a:p>
-        </p:txBody>
-      </p:sp>
-      <p:sp>
-        <p:nvSpPr>
-          <p:cNvPr id="14" name="Rectangle 13">
-            <a:extLst>
-              <a:ext uri="{FF2B5EF4-FFF2-40B4-BE49-F238E27FC236}">
-                <a16:creationId xmlns:a16="http://schemas.microsoft.com/office/drawing/2014/main" id="{BFB3541B-69C6-CD0A-E684-F0B9252D9A36}"/>
-              </a:ext>
-            </a:extLst>
-          </p:cNvPr>
-          <p:cNvSpPr/>
-          <p:nvPr/>
-        </p:nvSpPr>
-        <p:spPr>
-          <a:xfrm>
-            <a:off x="4796742" y="2343492"/>
-            <a:ext cx="5056909" cy="799416"/>
-          </a:xfrm>
-          <a:prstGeom prst="rect">
-            <a:avLst/>
-          </a:prstGeom>
-          <a:noFill/>
-          <a:ln w="76200">
-            <a:solidFill>
-              <a:srgbClr val="FF0000"/>
-            </a:solidFill>
-          </a:ln>
-        </p:spPr>
-        <p:style>
-          <a:lnRef idx="2">
-            <a:schemeClr val="accent1">
-              <a:shade val="50000"/>
-            </a:schemeClr>
-          </a:lnRef>
-          <a:fillRef idx="1">
-            <a:schemeClr val="accent1"/>
-          </a:fillRef>
-          <a:effectRef idx="0">
-            <a:schemeClr val="accent1"/>
-          </a:effectRef>
-          <a:fontRef idx="minor">
-            <a:schemeClr val="lt1"/>
-          </a:fontRef>
-        </p:style>
-        <p:txBody>
-          <a:bodyPr rtlCol="0" anchor="ctr"/>
-          <a:lstStyle/>
-          <a:p>
-            <a:pPr algn="ctr"/>
-            <a:endParaRPr lang="en-US"/>
-          </a:p>
-        </p:txBody>
-      </p:sp>
-      <p:sp>
-        <p:nvSpPr>
-          <p:cNvPr id="15" name="Arrow: Right 14">
-            <a:extLst>
-              <a:ext uri="{FF2B5EF4-FFF2-40B4-BE49-F238E27FC236}">
-                <a16:creationId xmlns:a16="http://schemas.microsoft.com/office/drawing/2014/main" id="{E18E03A9-C3C4-522F-370B-637904A71859}"/>
-              </a:ext>
-            </a:extLst>
-          </p:cNvPr>
-          <p:cNvSpPr/>
-          <p:nvPr/>
-        </p:nvSpPr>
-        <p:spPr>
-          <a:xfrm>
-            <a:off x="503741" y="2216898"/>
-            <a:ext cx="4035406" cy="1155320"/>
-          </a:xfrm>
-          <a:prstGeom prst="rightArrow">
-            <a:avLst/>
-          </a:prstGeom>
-          <a:solidFill>
-            <a:schemeClr val="accent1"/>
-          </a:solidFill>
-          <a:ln>
-            <a:solidFill>
-              <a:schemeClr val="bg1"/>
-            </a:solidFill>
-          </a:ln>
-        </p:spPr>
-        <p:style>
-          <a:lnRef idx="2">
-            <a:schemeClr val="accent1">
-              <a:shade val="50000"/>
-            </a:schemeClr>
-          </a:lnRef>
-          <a:fillRef idx="1">
-            <a:schemeClr val="accent1"/>
-          </a:fillRef>
-          <a:effectRef idx="0">
-            <a:schemeClr val="accent1"/>
-          </a:effectRef>
-          <a:fontRef idx="minor">
-            <a:schemeClr val="lt1"/>
-          </a:fontRef>
-        </p:style>
-        <p:txBody>
-          <a:bodyPr rtlCol="0" anchor="ctr"/>
-          <a:lstStyle/>
-          <a:p>
-            <a:pPr algn="ctr"/>
-            <a:r>
-              <a:rPr lang="en-US" dirty="0"/>
-              <a:t>Flask Stores Data in Persistent Storage</a:t>
+          <p:cNvSpPr>
+            <a:spLocks noGrp="1"/>
+          </p:cNvSpPr>
+          <p:nvPr>
+            <p:ph idx="1"/>
+          </p:nvPr>
+        </p:nvSpPr>
+        <p:spPr>
+          <a:xfrm>
+            <a:off x="49279" y="5409743"/>
+            <a:ext cx="12013137" cy="1199123"/>
+          </a:xfrm>
+        </p:spPr>
+        <p:txBody>
+          <a:bodyPr>
+            <a:normAutofit/>
+          </a:bodyPr>
+          <a:lstStyle/>
+          <a:p>
+            <a:pPr marL="0" indent="0" algn="ctr">
+              <a:buNone/>
+            </a:pPr>
+            <a:r>
+              <a:rPr lang="en-US" sz="3200" dirty="0"/>
+              <a:t>Potentiometer connected to 3.3V, middle pin to ESP32 pin 33</a:t>
             </a:r>
           </a:p>
         </p:txBody>
@@ -6486,7 +6742,7 @@
     </p:spTree>
     <p:extLst>
       <p:ext uri="{BB962C8B-B14F-4D97-AF65-F5344CB8AC3E}">
-        <p14:creationId xmlns:p14="http://schemas.microsoft.com/office/powerpoint/2010/main" val="3861650629"/>
+        <p14:creationId xmlns:p14="http://schemas.microsoft.com/office/powerpoint/2010/main" val="1836098769"/>
       </p:ext>
     </p:extLst>
   </p:cSld>
@@ -6518,7 +6774,7 @@
           <p:cNvPr id="2" name="Title 1">
             <a:extLst>
               <a:ext uri="{FF2B5EF4-FFF2-40B4-BE49-F238E27FC236}">
-                <a16:creationId xmlns:a16="http://schemas.microsoft.com/office/drawing/2014/main" id="{B98927DB-6DF3-43C4-3081-10C75A50CECE}"/>
+                <a16:creationId xmlns:a16="http://schemas.microsoft.com/office/drawing/2014/main" id="{7EEFD300-BFA2-49CB-C5AE-87981FA0FF39}"/>
               </a:ext>
             </a:extLst>
           </p:cNvPr>
@@ -6526,164 +6782,25 @@
             <a:spLocks noGrp="1"/>
           </p:cNvSpPr>
           <p:nvPr>
-            <p:ph type="title"/>
-          </p:nvPr>
-        </p:nvSpPr>
-        <p:spPr>
-          <a:xfrm>
-            <a:off x="687388" y="25546"/>
-            <a:ext cx="10131425" cy="1456267"/>
-          </a:xfrm>
-        </p:spPr>
+            <p:ph type="ctrTitle"/>
+          </p:nvPr>
+        </p:nvSpPr>
+        <p:spPr/>
         <p:txBody>
           <a:bodyPr/>
           <a:lstStyle/>
           <a:p>
             <a:r>
               <a:rPr lang="en-US" cap="none" dirty="0"/>
-              <a:t>Flask Route Comparison</a:t>
-            </a:r>
-          </a:p>
-        </p:txBody>
-      </p:sp>
-      <p:sp>
-        <p:nvSpPr>
-          <p:cNvPr id="3" name="Text Placeholder 2">
-            <a:extLst>
-              <a:ext uri="{FF2B5EF4-FFF2-40B4-BE49-F238E27FC236}">
-                <a16:creationId xmlns:a16="http://schemas.microsoft.com/office/drawing/2014/main" id="{4B05E9F9-B924-5676-769D-F0BD96C02299}"/>
-              </a:ext>
-            </a:extLst>
-          </p:cNvPr>
-          <p:cNvSpPr>
-            <a:spLocks noGrp="1"/>
-          </p:cNvSpPr>
-          <p:nvPr>
-            <p:ph type="body" idx="1"/>
-          </p:nvPr>
-        </p:nvSpPr>
-        <p:spPr>
-          <a:xfrm>
-            <a:off x="973667" y="1338941"/>
-            <a:ext cx="4709054" cy="576262"/>
-          </a:xfrm>
-        </p:spPr>
-        <p:txBody>
-          <a:bodyPr/>
-          <a:lstStyle/>
-          <a:p>
-            <a:r>
-              <a:rPr lang="en-US" dirty="0"/>
-              <a:t>“Human” Route	</a:t>
-            </a:r>
-          </a:p>
-        </p:txBody>
-      </p:sp>
-      <p:sp>
-        <p:nvSpPr>
-          <p:cNvPr id="5" name="Text Placeholder 4">
-            <a:extLst>
-              <a:ext uri="{FF2B5EF4-FFF2-40B4-BE49-F238E27FC236}">
-                <a16:creationId xmlns:a16="http://schemas.microsoft.com/office/drawing/2014/main" id="{FF12C12F-01CC-A1F2-6097-5A5C0FFD321D}"/>
-              </a:ext>
-            </a:extLst>
-          </p:cNvPr>
-          <p:cNvSpPr>
-            <a:spLocks noGrp="1"/>
-          </p:cNvSpPr>
-          <p:nvPr>
-            <p:ph type="body" sz="quarter" idx="3"/>
-          </p:nvPr>
-        </p:nvSpPr>
-        <p:spPr>
-          <a:xfrm>
-            <a:off x="6751229" y="1347408"/>
-            <a:ext cx="4067584" cy="576262"/>
-          </a:xfrm>
-        </p:spPr>
-        <p:txBody>
-          <a:bodyPr/>
-          <a:lstStyle/>
-          <a:p>
-            <a:r>
-              <a:rPr lang="en-US" dirty="0"/>
-              <a:t>“ESP32” Route</a:t>
-            </a:r>
-          </a:p>
-        </p:txBody>
-      </p:sp>
-      <p:pic>
-        <p:nvPicPr>
-          <p:cNvPr id="32" name="Content Placeholder 31" descr="Text&#10;&#10;Description automatically generated">
-            <a:extLst>
-              <a:ext uri="{FF2B5EF4-FFF2-40B4-BE49-F238E27FC236}">
-                <a16:creationId xmlns:a16="http://schemas.microsoft.com/office/drawing/2014/main" id="{8581CC9B-239B-0AFA-34F4-F77C8B99E274}"/>
-              </a:ext>
-            </a:extLst>
-          </p:cNvPr>
-          <p:cNvPicPr>
-            <a:picLocks noGrp="1" noChangeAspect="1"/>
-          </p:cNvPicPr>
-          <p:nvPr>
-            <p:ph sz="half" idx="2"/>
-          </p:nvPr>
-        </p:nvPicPr>
-        <p:blipFill rotWithShape="1">
-          <a:blip r:embed="rId2">
-            <a:extLst>
-              <a:ext uri="{28A0092B-C50C-407E-A947-70E740481C1C}">
-                <a14:useLocalDpi xmlns:a14="http://schemas.microsoft.com/office/drawing/2010/main" val="0"/>
-              </a:ext>
-            </a:extLst>
-          </a:blip>
-          <a:srcRect l="5015" t="8395" r="4670" b="7766"/>
-          <a:stretch/>
-        </p:blipFill>
-        <p:spPr>
-          <a:xfrm>
-            <a:off x="361378" y="1988601"/>
-            <a:ext cx="5599560" cy="4424719"/>
-          </a:xfrm>
-        </p:spPr>
-      </p:pic>
-      <p:pic>
-        <p:nvPicPr>
-          <p:cNvPr id="34" name="Content Placeholder 33" descr="Text&#10;&#10;Description automatically generated">
-            <a:extLst>
-              <a:ext uri="{FF2B5EF4-FFF2-40B4-BE49-F238E27FC236}">
-                <a16:creationId xmlns:a16="http://schemas.microsoft.com/office/drawing/2014/main" id="{949E99AD-B820-D719-AF43-7B9C5BB27613}"/>
-              </a:ext>
-            </a:extLst>
-          </p:cNvPr>
-          <p:cNvPicPr>
-            <a:picLocks noGrp="1" noChangeAspect="1"/>
-          </p:cNvPicPr>
-          <p:nvPr>
-            <p:ph sz="quarter" idx="4"/>
-          </p:nvPr>
-        </p:nvPicPr>
-        <p:blipFill rotWithShape="1">
-          <a:blip r:embed="rId3">
-            <a:extLst>
-              <a:ext uri="{28A0092B-C50C-407E-A947-70E740481C1C}">
-                <a14:useLocalDpi xmlns:a14="http://schemas.microsoft.com/office/drawing/2010/main" val="0"/>
-              </a:ext>
-            </a:extLst>
-          </a:blip>
-          <a:srcRect l="5014" t="8395" r="4671" b="7766"/>
-          <a:stretch/>
-        </p:blipFill>
-        <p:spPr>
-          <a:xfrm>
-            <a:off x="6231061" y="1988600"/>
-            <a:ext cx="5599560" cy="4424718"/>
-          </a:xfrm>
-        </p:spPr>
-      </p:pic>
+              <a:t>Data Flow</a:t>
+            </a:r>
+          </a:p>
+        </p:txBody>
+      </p:sp>
     </p:spTree>
     <p:extLst>
       <p:ext uri="{BB962C8B-B14F-4D97-AF65-F5344CB8AC3E}">
-        <p14:creationId xmlns:p14="http://schemas.microsoft.com/office/powerpoint/2010/main" val="124168814"/>
+        <p14:creationId xmlns:p14="http://schemas.microsoft.com/office/powerpoint/2010/main" val="1165306813"/>
       </p:ext>
     </p:extLst>
   </p:cSld>
@@ -6715,7 +6832,7 @@
           <p:cNvPr id="2" name="Title 1">
             <a:extLst>
               <a:ext uri="{FF2B5EF4-FFF2-40B4-BE49-F238E27FC236}">
-                <a16:creationId xmlns:a16="http://schemas.microsoft.com/office/drawing/2014/main" id="{B98927DB-6DF3-43C4-3081-10C75A50CECE}"/>
+                <a16:creationId xmlns:a16="http://schemas.microsoft.com/office/drawing/2014/main" id="{B13AAC35-CC71-52A2-E2F6-9396B9FCBE2D}"/>
               </a:ext>
             </a:extLst>
           </p:cNvPr>
@@ -6726,161 +6843,488 @@
             <p:ph type="title"/>
           </p:nvPr>
         </p:nvSpPr>
-        <p:spPr>
-          <a:xfrm>
-            <a:off x="687388" y="25546"/>
-            <a:ext cx="10131425" cy="1456267"/>
-          </a:xfrm>
-        </p:spPr>
+        <p:spPr/>
         <p:txBody>
           <a:bodyPr/>
           <a:lstStyle/>
           <a:p>
             <a:r>
               <a:rPr lang="en-US" cap="none" dirty="0"/>
-              <a:t>Flask Route Comparison</a:t>
-            </a:r>
-          </a:p>
-        </p:txBody>
-      </p:sp>
-      <p:sp>
-        <p:nvSpPr>
-          <p:cNvPr id="3" name="Text Placeholder 2">
+              <a:t>Data Flow from ESP32 to Flask Application</a:t>
+            </a:r>
+          </a:p>
+        </p:txBody>
+      </p:sp>
+      <p:sp>
+        <p:nvSpPr>
+          <p:cNvPr id="6" name="Rectangle: Rounded Corners 5">
             <a:extLst>
               <a:ext uri="{FF2B5EF4-FFF2-40B4-BE49-F238E27FC236}">
-                <a16:creationId xmlns:a16="http://schemas.microsoft.com/office/drawing/2014/main" id="{4B05E9F9-B924-5676-769D-F0BD96C02299}"/>
+                <a16:creationId xmlns:a16="http://schemas.microsoft.com/office/drawing/2014/main" id="{299184D3-AE8D-D4E5-8512-3E63D445B6EF}"/>
               </a:ext>
             </a:extLst>
           </p:cNvPr>
-          <p:cNvSpPr>
-            <a:spLocks noGrp="1"/>
-          </p:cNvSpPr>
-          <p:nvPr>
-            <p:ph type="body" idx="1"/>
-          </p:nvPr>
-        </p:nvSpPr>
-        <p:spPr>
-          <a:xfrm>
-            <a:off x="973667" y="1338941"/>
-            <a:ext cx="4709054" cy="576262"/>
-          </a:xfrm>
-        </p:spPr>
-        <p:txBody>
-          <a:bodyPr/>
-          <a:lstStyle/>
-          <a:p>
+          <p:cNvSpPr/>
+          <p:nvPr/>
+        </p:nvSpPr>
+        <p:spPr>
+          <a:xfrm>
+            <a:off x="1370636" y="2322055"/>
+            <a:ext cx="1231975" cy="2543661"/>
+          </a:xfrm>
+          <a:prstGeom prst="roundRect">
+            <a:avLst/>
+          </a:prstGeom>
+          <a:gradFill flip="none" rotWithShape="1">
+            <a:gsLst>
+              <a:gs pos="0">
+                <a:schemeClr val="bg2">
+                  <a:lumMod val="60000"/>
+                  <a:lumOff val="40000"/>
+                  <a:shade val="30000"/>
+                  <a:satMod val="115000"/>
+                </a:schemeClr>
+              </a:gs>
+              <a:gs pos="50000">
+                <a:schemeClr val="bg2">
+                  <a:lumMod val="60000"/>
+                  <a:lumOff val="40000"/>
+                  <a:shade val="67500"/>
+                  <a:satMod val="115000"/>
+                </a:schemeClr>
+              </a:gs>
+              <a:gs pos="100000">
+                <a:schemeClr val="bg2">
+                  <a:lumMod val="60000"/>
+                  <a:lumOff val="40000"/>
+                  <a:shade val="100000"/>
+                  <a:satMod val="115000"/>
+                </a:schemeClr>
+              </a:gs>
+            </a:gsLst>
+            <a:lin ang="2700000" scaled="1"/>
+            <a:tileRect/>
+          </a:gradFill>
+          <a:ln>
+            <a:solidFill>
+              <a:schemeClr val="bg1"/>
+            </a:solidFill>
+          </a:ln>
+        </p:spPr>
+        <p:style>
+          <a:lnRef idx="2">
+            <a:schemeClr val="accent1">
+              <a:shade val="50000"/>
+            </a:schemeClr>
+          </a:lnRef>
+          <a:fillRef idx="1">
+            <a:schemeClr val="accent1"/>
+          </a:fillRef>
+          <a:effectRef idx="0">
+            <a:schemeClr val="accent1"/>
+          </a:effectRef>
+          <a:fontRef idx="minor">
+            <a:schemeClr val="lt1"/>
+          </a:fontRef>
+        </p:style>
+        <p:txBody>
+          <a:bodyPr rtlCol="0" anchor="ctr"/>
+          <a:lstStyle/>
+          <a:p>
+            <a:pPr algn="ctr"/>
             <a:r>
               <a:rPr lang="en-US" dirty="0"/>
-              <a:t>“Human” Route	</a:t>
-            </a:r>
-          </a:p>
-        </p:txBody>
-      </p:sp>
-      <p:sp>
-        <p:nvSpPr>
-          <p:cNvPr id="5" name="Text Placeholder 4">
+              <a:t>ESP32</a:t>
+            </a:r>
+          </a:p>
+        </p:txBody>
+      </p:sp>
+      <p:sp>
+        <p:nvSpPr>
+          <p:cNvPr id="8" name="Arrow: Right 7">
             <a:extLst>
               <a:ext uri="{FF2B5EF4-FFF2-40B4-BE49-F238E27FC236}">
-                <a16:creationId xmlns:a16="http://schemas.microsoft.com/office/drawing/2014/main" id="{FF12C12F-01CC-A1F2-6097-5A5C0FFD321D}"/>
+                <a16:creationId xmlns:a16="http://schemas.microsoft.com/office/drawing/2014/main" id="{274AD047-8AFB-0F3D-D27B-42E156DCF20A}"/>
               </a:ext>
             </a:extLst>
           </p:cNvPr>
-          <p:cNvSpPr>
-            <a:spLocks noGrp="1"/>
-          </p:cNvSpPr>
-          <p:nvPr>
-            <p:ph type="body" sz="quarter" idx="3"/>
-          </p:nvPr>
-        </p:nvSpPr>
-        <p:spPr>
-          <a:xfrm>
-            <a:off x="1065193" y="3630462"/>
-            <a:ext cx="4722813" cy="576262"/>
-          </a:xfrm>
-        </p:spPr>
-        <p:txBody>
-          <a:bodyPr/>
-          <a:lstStyle/>
-          <a:p>
+          <p:cNvSpPr/>
+          <p:nvPr/>
+        </p:nvSpPr>
+        <p:spPr>
+          <a:xfrm>
+            <a:off x="2794962" y="2583934"/>
+            <a:ext cx="6602079" cy="874546"/>
+          </a:xfrm>
+          <a:prstGeom prst="rightArrow">
+            <a:avLst/>
+          </a:prstGeom>
+          <a:ln>
+            <a:solidFill>
+              <a:schemeClr val="bg1"/>
+            </a:solidFill>
+          </a:ln>
+        </p:spPr>
+        <p:style>
+          <a:lnRef idx="2">
+            <a:schemeClr val="accent1">
+              <a:shade val="50000"/>
+            </a:schemeClr>
+          </a:lnRef>
+          <a:fillRef idx="1">
+            <a:schemeClr val="accent1"/>
+          </a:fillRef>
+          <a:effectRef idx="0">
+            <a:schemeClr val="accent1"/>
+          </a:effectRef>
+          <a:fontRef idx="minor">
+            <a:schemeClr val="lt1"/>
+          </a:fontRef>
+        </p:style>
+        <p:txBody>
+          <a:bodyPr rtlCol="0" anchor="ctr"/>
+          <a:lstStyle/>
+          <a:p>
+            <a:pPr algn="ctr"/>
             <a:r>
               <a:rPr lang="en-US" dirty="0"/>
-              <a:t>“ESP32” Route</a:t>
-            </a:r>
-          </a:p>
-        </p:txBody>
-      </p:sp>
-      <p:pic>
-        <p:nvPicPr>
-          <p:cNvPr id="32" name="Content Placeholder 31" descr="Text&#10;&#10;Description automatically generated">
+              <a:t>http://10.13.135.141:5000/potentiometer/esp32/10.0</a:t>
+            </a:r>
+          </a:p>
+        </p:txBody>
+      </p:sp>
+      <p:sp>
+        <p:nvSpPr>
+          <p:cNvPr id="9" name="Rectangle: Rounded Corners 8">
             <a:extLst>
               <a:ext uri="{FF2B5EF4-FFF2-40B4-BE49-F238E27FC236}">
-                <a16:creationId xmlns:a16="http://schemas.microsoft.com/office/drawing/2014/main" id="{8581CC9B-239B-0AFA-34F4-F77C8B99E274}"/>
+                <a16:creationId xmlns:a16="http://schemas.microsoft.com/office/drawing/2014/main" id="{3BC49CA5-ECF3-C2A8-FA69-DD8307770C4C}"/>
               </a:ext>
             </a:extLst>
           </p:cNvPr>
-          <p:cNvPicPr>
-            <a:picLocks noGrp="1" noChangeAspect="1"/>
-          </p:cNvPicPr>
-          <p:nvPr>
-            <p:ph sz="half" idx="2"/>
-          </p:nvPr>
-        </p:nvPicPr>
-        <p:blipFill rotWithShape="1">
-          <a:blip r:embed="rId2">
-            <a:extLst>
-              <a:ext uri="{28A0092B-C50C-407E-A947-70E740481C1C}">
-                <a14:useLocalDpi xmlns:a14="http://schemas.microsoft.com/office/drawing/2010/main" val="0"/>
-              </a:ext>
-            </a:extLst>
-          </a:blip>
-          <a:srcRect l="10274" t="77265" r="22834" b="11427"/>
-          <a:stretch/>
-        </p:blipFill>
-        <p:spPr>
-          <a:xfrm>
-            <a:off x="1065193" y="2075195"/>
-            <a:ext cx="8686581" cy="1250016"/>
-          </a:xfrm>
-        </p:spPr>
-      </p:pic>
-      <p:pic>
-        <p:nvPicPr>
-          <p:cNvPr id="34" name="Content Placeholder 33" descr="Text&#10;&#10;Description automatically generated">
+          <p:cNvSpPr/>
+          <p:nvPr/>
+        </p:nvSpPr>
+        <p:spPr>
+          <a:xfrm>
+            <a:off x="9589392" y="2322055"/>
+            <a:ext cx="1231975" cy="2543661"/>
+          </a:xfrm>
+          <a:prstGeom prst="roundRect">
+            <a:avLst/>
+          </a:prstGeom>
+          <a:gradFill flip="none" rotWithShape="1">
+            <a:gsLst>
+              <a:gs pos="0">
+                <a:schemeClr val="bg2">
+                  <a:lumMod val="60000"/>
+                  <a:lumOff val="40000"/>
+                  <a:shade val="30000"/>
+                  <a:satMod val="115000"/>
+                </a:schemeClr>
+              </a:gs>
+              <a:gs pos="50000">
+                <a:schemeClr val="bg2">
+                  <a:lumMod val="60000"/>
+                  <a:lumOff val="40000"/>
+                  <a:shade val="67500"/>
+                  <a:satMod val="115000"/>
+                </a:schemeClr>
+              </a:gs>
+              <a:gs pos="100000">
+                <a:schemeClr val="bg2">
+                  <a:lumMod val="60000"/>
+                  <a:lumOff val="40000"/>
+                  <a:shade val="100000"/>
+                  <a:satMod val="115000"/>
+                </a:schemeClr>
+              </a:gs>
+            </a:gsLst>
+            <a:lin ang="2700000" scaled="1"/>
+            <a:tileRect/>
+          </a:gradFill>
+          <a:ln>
+            <a:solidFill>
+              <a:schemeClr val="bg1"/>
+            </a:solidFill>
+          </a:ln>
+        </p:spPr>
+        <p:style>
+          <a:lnRef idx="2">
+            <a:schemeClr val="accent1">
+              <a:shade val="50000"/>
+            </a:schemeClr>
+          </a:lnRef>
+          <a:fillRef idx="1">
+            <a:schemeClr val="accent1"/>
+          </a:fillRef>
+          <a:effectRef idx="0">
+            <a:schemeClr val="accent1"/>
+          </a:effectRef>
+          <a:fontRef idx="minor">
+            <a:schemeClr val="lt1"/>
+          </a:fontRef>
+        </p:style>
+        <p:txBody>
+          <a:bodyPr rtlCol="0" anchor="ctr"/>
+          <a:lstStyle/>
+          <a:p>
+            <a:pPr algn="ctr"/>
+            <a:r>
+              <a:rPr lang="en-US" dirty="0"/>
+              <a:t>Flask</a:t>
+            </a:r>
+          </a:p>
+        </p:txBody>
+      </p:sp>
+      <p:sp>
+        <p:nvSpPr>
+          <p:cNvPr id="10" name="TextBox 9">
             <a:extLst>
               <a:ext uri="{FF2B5EF4-FFF2-40B4-BE49-F238E27FC236}">
-                <a16:creationId xmlns:a16="http://schemas.microsoft.com/office/drawing/2014/main" id="{949E99AD-B820-D719-AF43-7B9C5BB27613}"/>
+                <a16:creationId xmlns:a16="http://schemas.microsoft.com/office/drawing/2014/main" id="{59029A07-02E0-099A-142C-D5A393D3953E}"/>
               </a:ext>
             </a:extLst>
           </p:cNvPr>
-          <p:cNvPicPr>
-            <a:picLocks noGrp="1" noChangeAspect="1"/>
-          </p:cNvPicPr>
-          <p:nvPr>
-            <p:ph sz="quarter" idx="4"/>
-          </p:nvPr>
-        </p:nvPicPr>
-        <p:blipFill rotWithShape="1">
-          <a:blip r:embed="rId3">
+          <p:cNvSpPr txBox="1"/>
+          <p:nvPr/>
+        </p:nvSpPr>
+        <p:spPr>
+          <a:xfrm>
+            <a:off x="2799581" y="2399268"/>
+            <a:ext cx="6592841" cy="369332"/>
+          </a:xfrm>
+          <a:prstGeom prst="rect">
+            <a:avLst/>
+          </a:prstGeom>
+          <a:noFill/>
+        </p:spPr>
+        <p:txBody>
+          <a:bodyPr wrap="square" rtlCol="0">
+            <a:spAutoFit/>
+          </a:bodyPr>
+          <a:lstStyle/>
+          <a:p>
+            <a:pPr algn="ctr"/>
+            <a:r>
+              <a:rPr lang="en-US" dirty="0"/>
+              <a:t>HTTP GET Request (with sensor data)</a:t>
+            </a:r>
+          </a:p>
+        </p:txBody>
+      </p:sp>
+      <p:sp>
+        <p:nvSpPr>
+          <p:cNvPr id="11" name="TextBox 10">
             <a:extLst>
-              <a:ext uri="{28A0092B-C50C-407E-A947-70E740481C1C}">
-                <a14:useLocalDpi xmlns:a14="http://schemas.microsoft.com/office/drawing/2010/main" val="0"/>
+              <a:ext uri="{FF2B5EF4-FFF2-40B4-BE49-F238E27FC236}">
+                <a16:creationId xmlns:a16="http://schemas.microsoft.com/office/drawing/2014/main" id="{71D8E7F4-3A73-ADB5-F6E9-7B1645B0DEE6}"/>
               </a:ext>
             </a:extLst>
-          </a:blip>
-          <a:srcRect l="9430" t="75129" r="30517" b="11427"/>
-          <a:stretch/>
-        </p:blipFill>
-        <p:spPr>
-          <a:xfrm>
-            <a:off x="1065192" y="4300518"/>
-            <a:ext cx="8686581" cy="1655326"/>
-          </a:xfrm>
-        </p:spPr>
-      </p:pic>
+          </p:cNvPr>
+          <p:cNvSpPr txBox="1"/>
+          <p:nvPr/>
+        </p:nvSpPr>
+        <p:spPr>
+          <a:xfrm>
+            <a:off x="8666350" y="5050382"/>
+            <a:ext cx="3078058" cy="923330"/>
+          </a:xfrm>
+          <a:prstGeom prst="rect">
+            <a:avLst/>
+          </a:prstGeom>
+          <a:noFill/>
+        </p:spPr>
+        <p:txBody>
+          <a:bodyPr wrap="square" rtlCol="0">
+            <a:spAutoFit/>
+          </a:bodyPr>
+          <a:lstStyle/>
+          <a:p>
+            <a:pPr marL="285750" indent="-285750" algn="ctr">
+              <a:buFont typeface="Arial" panose="020B0604020202020204" pitchFamily="34" charset="0"/>
+              <a:buChar char="•"/>
+            </a:pPr>
+            <a:r>
+              <a:rPr lang="en-US" dirty="0"/>
+              <a:t>Receive Data</a:t>
+            </a:r>
+          </a:p>
+          <a:p>
+            <a:pPr marL="285750" indent="-285750" algn="ctr">
+              <a:buFont typeface="Arial" panose="020B0604020202020204" pitchFamily="34" charset="0"/>
+              <a:buChar char="•"/>
+            </a:pPr>
+            <a:r>
+              <a:rPr lang="en-US" dirty="0"/>
+              <a:t>Database Reading/Writing</a:t>
+            </a:r>
+          </a:p>
+          <a:p>
+            <a:pPr marL="285750" indent="-285750" algn="ctr">
+              <a:buFont typeface="Arial" panose="020B0604020202020204" pitchFamily="34" charset="0"/>
+              <a:buChar char="•"/>
+            </a:pPr>
+            <a:r>
+              <a:rPr lang="en-US" dirty="0"/>
+              <a:t>Process and Return Data</a:t>
+            </a:r>
+          </a:p>
+        </p:txBody>
+      </p:sp>
+      <p:sp>
+        <p:nvSpPr>
+          <p:cNvPr id="12" name="TextBox 11">
+            <a:extLst>
+              <a:ext uri="{FF2B5EF4-FFF2-40B4-BE49-F238E27FC236}">
+                <a16:creationId xmlns:a16="http://schemas.microsoft.com/office/drawing/2014/main" id="{F4FD8BBF-0EB6-D6F6-4669-28ABFA561507}"/>
+              </a:ext>
+            </a:extLst>
+          </p:cNvPr>
+          <p:cNvSpPr txBox="1"/>
+          <p:nvPr/>
+        </p:nvSpPr>
+        <p:spPr>
+          <a:xfrm>
+            <a:off x="447594" y="5050382"/>
+            <a:ext cx="3078058" cy="923330"/>
+          </a:xfrm>
+          <a:prstGeom prst="rect">
+            <a:avLst/>
+          </a:prstGeom>
+          <a:noFill/>
+        </p:spPr>
+        <p:txBody>
+          <a:bodyPr wrap="square" rtlCol="0">
+            <a:spAutoFit/>
+          </a:bodyPr>
+          <a:lstStyle/>
+          <a:p>
+            <a:pPr marL="285750" indent="-285750" algn="ctr">
+              <a:buFont typeface="Arial" panose="020B0604020202020204" pitchFamily="34" charset="0"/>
+              <a:buChar char="•"/>
+            </a:pPr>
+            <a:r>
+              <a:rPr lang="en-US" dirty="0"/>
+              <a:t>Read Sensors</a:t>
+            </a:r>
+          </a:p>
+          <a:p>
+            <a:pPr marL="285750" indent="-285750" algn="ctr">
+              <a:buFont typeface="Arial" panose="020B0604020202020204" pitchFamily="34" charset="0"/>
+              <a:buChar char="•"/>
+            </a:pPr>
+            <a:r>
+              <a:rPr lang="en-US" dirty="0"/>
+              <a:t>Activate Actuators</a:t>
+            </a:r>
+          </a:p>
+          <a:p>
+            <a:pPr marL="285750" indent="-285750" algn="ctr">
+              <a:buFont typeface="Arial" panose="020B0604020202020204" pitchFamily="34" charset="0"/>
+              <a:buChar char="•"/>
+            </a:pPr>
+            <a:r>
+              <a:rPr lang="en-US" dirty="0"/>
+              <a:t>Visit URLs over Wi-Fi</a:t>
+            </a:r>
+          </a:p>
+        </p:txBody>
+      </p:sp>
+      <p:sp>
+        <p:nvSpPr>
+          <p:cNvPr id="13" name="Arrow: Right 12">
+            <a:extLst>
+              <a:ext uri="{FF2B5EF4-FFF2-40B4-BE49-F238E27FC236}">
+                <a16:creationId xmlns:a16="http://schemas.microsoft.com/office/drawing/2014/main" id="{0BEEB147-F3D1-379D-411C-088C35983287}"/>
+              </a:ext>
+            </a:extLst>
+          </p:cNvPr>
+          <p:cNvSpPr/>
+          <p:nvPr/>
+        </p:nvSpPr>
+        <p:spPr>
+          <a:xfrm flipH="1">
+            <a:off x="2794962" y="3806504"/>
+            <a:ext cx="6597460" cy="874546"/>
+          </a:xfrm>
+          <a:prstGeom prst="rightArrow">
+            <a:avLst/>
+          </a:prstGeom>
+          <a:ln>
+            <a:solidFill>
+              <a:schemeClr val="bg1"/>
+            </a:solidFill>
+          </a:ln>
+        </p:spPr>
+        <p:style>
+          <a:lnRef idx="2">
+            <a:schemeClr val="accent1">
+              <a:shade val="50000"/>
+            </a:schemeClr>
+          </a:lnRef>
+          <a:fillRef idx="1">
+            <a:schemeClr val="accent1"/>
+          </a:fillRef>
+          <a:effectRef idx="0">
+            <a:schemeClr val="accent1"/>
+          </a:effectRef>
+          <a:fontRef idx="minor">
+            <a:schemeClr val="lt1"/>
+          </a:fontRef>
+        </p:style>
+        <p:txBody>
+          <a:bodyPr rtlCol="0" anchor="ctr"/>
+          <a:lstStyle/>
+          <a:p>
+            <a:pPr algn="ctr"/>
+            <a:r>
+              <a:rPr lang="en-US" dirty="0"/>
+              <a:t>[Response data, date/time, server data, etc.]</a:t>
+            </a:r>
+          </a:p>
+        </p:txBody>
+      </p:sp>
+      <p:sp>
+        <p:nvSpPr>
+          <p:cNvPr id="14" name="TextBox 13">
+            <a:extLst>
+              <a:ext uri="{FF2B5EF4-FFF2-40B4-BE49-F238E27FC236}">
+                <a16:creationId xmlns:a16="http://schemas.microsoft.com/office/drawing/2014/main" id="{E175A7EA-007F-4DD5-FFF5-8AE359239901}"/>
+              </a:ext>
+            </a:extLst>
+          </p:cNvPr>
+          <p:cNvSpPr txBox="1"/>
+          <p:nvPr/>
+        </p:nvSpPr>
+        <p:spPr>
+          <a:xfrm>
+            <a:off x="2794962" y="3643146"/>
+            <a:ext cx="6597460" cy="369332"/>
+          </a:xfrm>
+          <a:prstGeom prst="rect">
+            <a:avLst/>
+          </a:prstGeom>
+          <a:noFill/>
+        </p:spPr>
+        <p:txBody>
+          <a:bodyPr wrap="square" rtlCol="0">
+            <a:spAutoFit/>
+          </a:bodyPr>
+          <a:lstStyle/>
+          <a:p>
+            <a:pPr algn="ctr"/>
+            <a:r>
+              <a:rPr lang="en-US" dirty="0"/>
+              <a:t>HTTP Response Header/Body (with processed data)</a:t>
+            </a:r>
+          </a:p>
+        </p:txBody>
+      </p:sp>
     </p:spTree>
     <p:extLst>
       <p:ext uri="{BB962C8B-B14F-4D97-AF65-F5344CB8AC3E}">
-        <p14:creationId xmlns:p14="http://schemas.microsoft.com/office/powerpoint/2010/main" val="62881052"/>
+        <p14:creationId xmlns:p14="http://schemas.microsoft.com/office/powerpoint/2010/main" val="3269124258"/>
       </p:ext>
     </p:extLst>
   </p:cSld>
@@ -6907,116 +7351,472 @@
           <a:chExt cx="0" cy="0"/>
         </a:xfrm>
       </p:grpSpPr>
-      <p:sp>
-        <p:nvSpPr>
-          <p:cNvPr id="2" name="Title 1">
+      <p:pic>
+        <p:nvPicPr>
+          <p:cNvPr id="6" name="Content Placeholder 5" descr="Text&#10;&#10;Description automatically generated">
             <a:extLst>
               <a:ext uri="{FF2B5EF4-FFF2-40B4-BE49-F238E27FC236}">
-                <a16:creationId xmlns:a16="http://schemas.microsoft.com/office/drawing/2014/main" id="{97FECF91-E2E3-E401-6DF2-B114C4D3B6C3}"/>
+                <a16:creationId xmlns:a16="http://schemas.microsoft.com/office/drawing/2014/main" id="{89E85EB2-6BD9-97BC-6514-C639676F73C0}"/>
               </a:ext>
             </a:extLst>
           </p:cNvPr>
-          <p:cNvSpPr>
-            <a:spLocks noGrp="1"/>
-          </p:cNvSpPr>
-          <p:nvPr>
-            <p:ph type="title"/>
-          </p:nvPr>
-        </p:nvSpPr>
-        <p:spPr/>
-        <p:txBody>
-          <a:bodyPr/>
-          <a:lstStyle/>
-          <a:p>
-            <a:r>
-              <a:rPr lang="en-US" cap="none" dirty="0"/>
-              <a:t>Demo #1: Pretend </a:t>
-            </a:r>
-            <a:r>
-              <a:rPr lang="en-US" i="1" cap="none" dirty="0"/>
-              <a:t>You’re </a:t>
-            </a:r>
-            <a:r>
-              <a:rPr lang="en-US" cap="none" dirty="0"/>
-              <a:t>the IoT Device</a:t>
-            </a:r>
-          </a:p>
-        </p:txBody>
-      </p:sp>
-      <p:sp>
-        <p:nvSpPr>
-          <p:cNvPr id="3" name="Content Placeholder 2">
+          <p:cNvPicPr>
+            <a:picLocks noGrp="1" noChangeAspect="1"/>
+          </p:cNvPicPr>
+          <p:nvPr>
+            <p:ph idx="1"/>
+          </p:nvPr>
+        </p:nvPicPr>
+        <p:blipFill rotWithShape="1">
+          <a:blip r:embed="rId2">
+            <a:extLst>
+              <a:ext uri="{28A0092B-C50C-407E-A947-70E740481C1C}">
+                <a14:useLocalDpi xmlns:a14="http://schemas.microsoft.com/office/drawing/2010/main" val="0"/>
+              </a:ext>
+            </a:extLst>
+          </a:blip>
+          <a:srcRect l="5018" t="8423" r="4624" b="8288"/>
+          <a:stretch/>
+        </p:blipFill>
+        <p:spPr>
+          <a:xfrm>
+            <a:off x="4685338" y="592359"/>
+            <a:ext cx="7273637" cy="5707148"/>
+          </a:xfrm>
+        </p:spPr>
+      </p:pic>
+      <p:sp>
+        <p:nvSpPr>
+          <p:cNvPr id="7" name="Rectangle 6">
             <a:extLst>
               <a:ext uri="{FF2B5EF4-FFF2-40B4-BE49-F238E27FC236}">
-                <a16:creationId xmlns:a16="http://schemas.microsoft.com/office/drawing/2014/main" id="{7EA411E2-0FF7-D65C-0854-8650D0D1023D}"/>
+                <a16:creationId xmlns:a16="http://schemas.microsoft.com/office/drawing/2014/main" id="{BC52D2F0-00EB-34C1-8008-8336DE743858}"/>
               </a:ext>
             </a:extLst>
           </p:cNvPr>
-          <p:cNvSpPr>
-            <a:spLocks noGrp="1"/>
-          </p:cNvSpPr>
-          <p:nvPr>
-            <p:ph idx="1"/>
-          </p:nvPr>
-        </p:nvSpPr>
-        <p:spPr>
-          <a:xfrm>
-            <a:off x="49279" y="2131116"/>
-            <a:ext cx="12013137" cy="3649133"/>
-          </a:xfrm>
-        </p:spPr>
-        <p:txBody>
-          <a:bodyPr>
-            <a:normAutofit/>
-          </a:bodyPr>
-          <a:lstStyle/>
-          <a:p>
-            <a:pPr marL="0" indent="0" algn="ctr">
-              <a:buNone/>
-            </a:pPr>
-            <a:r>
-              <a:rPr lang="en-US" sz="3200" dirty="0"/>
-              <a:t>http://10.13.135.141:5000/potentiometer/human/&lt;some_value&gt;</a:t>
-            </a:r>
-          </a:p>
-          <a:p>
-            <a:pPr marL="0" indent="0" algn="ctr">
-              <a:buNone/>
-            </a:pPr>
-            <a:endParaRPr lang="en-US" sz="3200" dirty="0"/>
-          </a:p>
+          <p:cNvSpPr/>
+          <p:nvPr/>
+        </p:nvSpPr>
+        <p:spPr>
+          <a:xfrm>
+            <a:off x="4796742" y="696393"/>
+            <a:ext cx="5056909" cy="1647099"/>
+          </a:xfrm>
+          <a:prstGeom prst="rect">
+            <a:avLst/>
+          </a:prstGeom>
+          <a:noFill/>
+          <a:ln w="76200">
+            <a:solidFill>
+              <a:srgbClr val="FF0000"/>
+            </a:solidFill>
+          </a:ln>
+        </p:spPr>
+        <p:style>
+          <a:lnRef idx="2">
+            <a:schemeClr val="accent1">
+              <a:shade val="50000"/>
+            </a:schemeClr>
+          </a:lnRef>
+          <a:fillRef idx="1">
+            <a:schemeClr val="accent1"/>
+          </a:fillRef>
+          <a:effectRef idx="0">
+            <a:schemeClr val="accent1"/>
+          </a:effectRef>
+          <a:fontRef idx="minor">
+            <a:schemeClr val="lt1"/>
+          </a:fontRef>
+        </p:style>
+        <p:txBody>
+          <a:bodyPr rtlCol="0" anchor="ctr"/>
+          <a:lstStyle/>
           <a:p>
             <a:pPr algn="ctr"/>
-            <a:r>
-              <a:rPr lang="en-US" sz="3200" dirty="0"/>
-              <a:t>Connect your phone/laptop to </a:t>
-            </a:r>
-            <a:r>
-              <a:rPr lang="en-US" sz="3200" dirty="0" err="1"/>
-              <a:t>UPIoT</a:t>
-            </a:r>
-            <a:endParaRPr lang="en-US" sz="3200" dirty="0"/>
-          </a:p>
+            <a:endParaRPr lang="en-US"/>
+          </a:p>
+        </p:txBody>
+      </p:sp>
+      <p:sp>
+        <p:nvSpPr>
+          <p:cNvPr id="8" name="Rectangle 7">
+            <a:extLst>
+              <a:ext uri="{FF2B5EF4-FFF2-40B4-BE49-F238E27FC236}">
+                <a16:creationId xmlns:a16="http://schemas.microsoft.com/office/drawing/2014/main" id="{5AD1524C-FB95-F08A-B4DB-7885FA6C6E32}"/>
+              </a:ext>
+            </a:extLst>
+          </p:cNvPr>
+          <p:cNvSpPr/>
+          <p:nvPr/>
+        </p:nvSpPr>
+        <p:spPr>
+          <a:xfrm>
+            <a:off x="4796742" y="3142908"/>
+            <a:ext cx="5056909" cy="1987588"/>
+          </a:xfrm>
+          <a:prstGeom prst="rect">
+            <a:avLst/>
+          </a:prstGeom>
+          <a:noFill/>
+          <a:ln w="76200">
+            <a:solidFill>
+              <a:srgbClr val="FF0000"/>
+            </a:solidFill>
+          </a:ln>
+        </p:spPr>
+        <p:style>
+          <a:lnRef idx="2">
+            <a:schemeClr val="accent1">
+              <a:shade val="50000"/>
+            </a:schemeClr>
+          </a:lnRef>
+          <a:fillRef idx="1">
+            <a:schemeClr val="accent1"/>
+          </a:fillRef>
+          <a:effectRef idx="0">
+            <a:schemeClr val="accent1"/>
+          </a:effectRef>
+          <a:fontRef idx="minor">
+            <a:schemeClr val="lt1"/>
+          </a:fontRef>
+        </p:style>
+        <p:txBody>
+          <a:bodyPr rtlCol="0" anchor="ctr"/>
+          <a:lstStyle/>
           <a:p>
             <a:pPr algn="ctr"/>
-            <a:r>
-              <a:rPr lang="en-US" sz="3200" dirty="0"/>
-              <a:t>Replace &lt;</a:t>
-            </a:r>
-            <a:r>
-              <a:rPr lang="en-US" sz="3200" dirty="0" err="1"/>
-              <a:t>some_value</a:t>
-            </a:r>
-            <a:r>
-              <a:rPr lang="en-US" sz="3200" dirty="0"/>
-              <a:t>&gt; with a float between 0 and 100</a:t>
-            </a:r>
-          </a:p>
+            <a:endParaRPr lang="en-US"/>
+          </a:p>
+        </p:txBody>
+      </p:sp>
+      <p:sp>
+        <p:nvSpPr>
+          <p:cNvPr id="9" name="Rectangle 8">
+            <a:extLst>
+              <a:ext uri="{FF2B5EF4-FFF2-40B4-BE49-F238E27FC236}">
+                <a16:creationId xmlns:a16="http://schemas.microsoft.com/office/drawing/2014/main" id="{6ED8085E-6A33-528C-6DB8-5DE3AB005856}"/>
+              </a:ext>
+            </a:extLst>
+          </p:cNvPr>
+          <p:cNvSpPr/>
+          <p:nvPr/>
+        </p:nvSpPr>
+        <p:spPr>
+          <a:xfrm>
+            <a:off x="4796742" y="5130496"/>
+            <a:ext cx="5056909" cy="1035674"/>
+          </a:xfrm>
+          <a:prstGeom prst="rect">
+            <a:avLst/>
+          </a:prstGeom>
+          <a:noFill/>
+          <a:ln w="76200">
+            <a:solidFill>
+              <a:srgbClr val="FF0000"/>
+            </a:solidFill>
+          </a:ln>
+        </p:spPr>
+        <p:style>
+          <a:lnRef idx="2">
+            <a:schemeClr val="accent1">
+              <a:shade val="50000"/>
+            </a:schemeClr>
+          </a:lnRef>
+          <a:fillRef idx="1">
+            <a:schemeClr val="accent1"/>
+          </a:fillRef>
+          <a:effectRef idx="0">
+            <a:schemeClr val="accent1"/>
+          </a:effectRef>
+          <a:fontRef idx="minor">
+            <a:schemeClr val="lt1"/>
+          </a:fontRef>
+        </p:style>
+        <p:txBody>
+          <a:bodyPr rtlCol="0" anchor="ctr"/>
+          <a:lstStyle/>
           <a:p>
             <a:pPr algn="ctr"/>
-            <a:r>
-              <a:rPr lang="en-US" sz="3200" dirty="0"/>
-              <a:t>Use a decimal point for integers (i.e., instead of 10, use 10.0)</a:t>
+            <a:endParaRPr lang="en-US"/>
+          </a:p>
+        </p:txBody>
+      </p:sp>
+      <p:sp>
+        <p:nvSpPr>
+          <p:cNvPr id="10" name="Arrow: Right 9">
+            <a:extLst>
+              <a:ext uri="{FF2B5EF4-FFF2-40B4-BE49-F238E27FC236}">
+                <a16:creationId xmlns:a16="http://schemas.microsoft.com/office/drawing/2014/main" id="{083300F4-293B-B37F-7E1F-012551630124}"/>
+              </a:ext>
+            </a:extLst>
+          </p:cNvPr>
+          <p:cNvSpPr/>
+          <p:nvPr/>
+        </p:nvSpPr>
+        <p:spPr>
+          <a:xfrm>
+            <a:off x="503741" y="958204"/>
+            <a:ext cx="4035406" cy="1155320"/>
+          </a:xfrm>
+          <a:prstGeom prst="rightArrow">
+            <a:avLst/>
+          </a:prstGeom>
+          <a:solidFill>
+            <a:schemeClr val="accent1"/>
+          </a:solidFill>
+          <a:ln>
+            <a:solidFill>
+              <a:schemeClr val="bg1"/>
+            </a:solidFill>
+          </a:ln>
+        </p:spPr>
+        <p:style>
+          <a:lnRef idx="2">
+            <a:schemeClr val="accent1">
+              <a:shade val="50000"/>
+            </a:schemeClr>
+          </a:lnRef>
+          <a:fillRef idx="1">
+            <a:schemeClr val="accent1"/>
+          </a:fillRef>
+          <a:effectRef idx="0">
+            <a:schemeClr val="accent1"/>
+          </a:effectRef>
+          <a:fontRef idx="minor">
+            <a:schemeClr val="lt1"/>
+          </a:fontRef>
+        </p:style>
+        <p:txBody>
+          <a:bodyPr rtlCol="0" anchor="ctr"/>
+          <a:lstStyle/>
+          <a:p>
+            <a:pPr algn="ctr"/>
+            <a:r>
+              <a:rPr lang="en-US" dirty="0"/>
+              <a:t>Receive Data from ESP32 through URL</a:t>
+            </a:r>
+          </a:p>
+        </p:txBody>
+      </p:sp>
+      <p:sp>
+        <p:nvSpPr>
+          <p:cNvPr id="12" name="Arrow: Right 11">
+            <a:extLst>
+              <a:ext uri="{FF2B5EF4-FFF2-40B4-BE49-F238E27FC236}">
+                <a16:creationId xmlns:a16="http://schemas.microsoft.com/office/drawing/2014/main" id="{9ED719B6-74E1-82EA-8EF9-8078DF27EDD4}"/>
+              </a:ext>
+            </a:extLst>
+          </p:cNvPr>
+          <p:cNvSpPr/>
+          <p:nvPr/>
+        </p:nvSpPr>
+        <p:spPr>
+          <a:xfrm>
+            <a:off x="503741" y="3445933"/>
+            <a:ext cx="4035406" cy="1155320"/>
+          </a:xfrm>
+          <a:prstGeom prst="rightArrow">
+            <a:avLst/>
+          </a:prstGeom>
+          <a:solidFill>
+            <a:schemeClr val="accent1"/>
+          </a:solidFill>
+          <a:ln>
+            <a:solidFill>
+              <a:schemeClr val="bg1"/>
+            </a:solidFill>
+          </a:ln>
+        </p:spPr>
+        <p:style>
+          <a:lnRef idx="2">
+            <a:schemeClr val="accent1">
+              <a:shade val="50000"/>
+            </a:schemeClr>
+          </a:lnRef>
+          <a:fillRef idx="1">
+            <a:schemeClr val="accent1"/>
+          </a:fillRef>
+          <a:effectRef idx="0">
+            <a:schemeClr val="accent1"/>
+          </a:effectRef>
+          <a:fontRef idx="minor">
+            <a:schemeClr val="lt1"/>
+          </a:fontRef>
+        </p:style>
+        <p:txBody>
+          <a:bodyPr rtlCol="0" anchor="ctr"/>
+          <a:lstStyle/>
+          <a:p>
+            <a:pPr algn="ctr"/>
+            <a:r>
+              <a:rPr lang="en-US" dirty="0"/>
+              <a:t>Flask Processes Data</a:t>
+            </a:r>
+          </a:p>
+        </p:txBody>
+      </p:sp>
+      <p:sp>
+        <p:nvSpPr>
+          <p:cNvPr id="13" name="Arrow: Right 12">
+            <a:extLst>
+              <a:ext uri="{FF2B5EF4-FFF2-40B4-BE49-F238E27FC236}">
+                <a16:creationId xmlns:a16="http://schemas.microsoft.com/office/drawing/2014/main" id="{8955BE31-9638-6518-D203-FA61BEDE5B18}"/>
+              </a:ext>
+            </a:extLst>
+          </p:cNvPr>
+          <p:cNvSpPr/>
+          <p:nvPr/>
+        </p:nvSpPr>
+        <p:spPr>
+          <a:xfrm>
+            <a:off x="503741" y="5070673"/>
+            <a:ext cx="4035406" cy="1155320"/>
+          </a:xfrm>
+          <a:prstGeom prst="rightArrow">
+            <a:avLst/>
+          </a:prstGeom>
+          <a:solidFill>
+            <a:schemeClr val="accent1"/>
+          </a:solidFill>
+          <a:ln>
+            <a:solidFill>
+              <a:schemeClr val="bg1"/>
+            </a:solidFill>
+          </a:ln>
+        </p:spPr>
+        <p:style>
+          <a:lnRef idx="2">
+            <a:schemeClr val="accent1">
+              <a:shade val="50000"/>
+            </a:schemeClr>
+          </a:lnRef>
+          <a:fillRef idx="1">
+            <a:schemeClr val="accent1"/>
+          </a:fillRef>
+          <a:effectRef idx="0">
+            <a:schemeClr val="accent1"/>
+          </a:effectRef>
+          <a:fontRef idx="minor">
+            <a:schemeClr val="lt1"/>
+          </a:fontRef>
+        </p:style>
+        <p:txBody>
+          <a:bodyPr rtlCol="0" anchor="ctr"/>
+          <a:lstStyle/>
+          <a:p>
+            <a:pPr algn="ctr"/>
+            <a:r>
+              <a:rPr lang="en-US" dirty="0"/>
+              <a:t>Processed Data is Returned to ESP32</a:t>
+            </a:r>
+          </a:p>
+        </p:txBody>
+      </p:sp>
+      <p:sp>
+        <p:nvSpPr>
+          <p:cNvPr id="14" name="Rectangle 13">
+            <a:extLst>
+              <a:ext uri="{FF2B5EF4-FFF2-40B4-BE49-F238E27FC236}">
+                <a16:creationId xmlns:a16="http://schemas.microsoft.com/office/drawing/2014/main" id="{BFB3541B-69C6-CD0A-E684-F0B9252D9A36}"/>
+              </a:ext>
+            </a:extLst>
+          </p:cNvPr>
+          <p:cNvSpPr/>
+          <p:nvPr/>
+        </p:nvSpPr>
+        <p:spPr>
+          <a:xfrm>
+            <a:off x="4796742" y="2343492"/>
+            <a:ext cx="5056909" cy="799416"/>
+          </a:xfrm>
+          <a:prstGeom prst="rect">
+            <a:avLst/>
+          </a:prstGeom>
+          <a:noFill/>
+          <a:ln w="76200">
+            <a:solidFill>
+              <a:srgbClr val="FF0000"/>
+            </a:solidFill>
+          </a:ln>
+        </p:spPr>
+        <p:style>
+          <a:lnRef idx="2">
+            <a:schemeClr val="accent1">
+              <a:shade val="50000"/>
+            </a:schemeClr>
+          </a:lnRef>
+          <a:fillRef idx="1">
+            <a:schemeClr val="accent1"/>
+          </a:fillRef>
+          <a:effectRef idx="0">
+            <a:schemeClr val="accent1"/>
+          </a:effectRef>
+          <a:fontRef idx="minor">
+            <a:schemeClr val="lt1"/>
+          </a:fontRef>
+        </p:style>
+        <p:txBody>
+          <a:bodyPr rtlCol="0" anchor="ctr"/>
+          <a:lstStyle/>
+          <a:p>
+            <a:pPr algn="ctr"/>
+            <a:endParaRPr lang="en-US"/>
+          </a:p>
+        </p:txBody>
+      </p:sp>
+      <p:sp>
+        <p:nvSpPr>
+          <p:cNvPr id="15" name="Arrow: Right 14">
+            <a:extLst>
+              <a:ext uri="{FF2B5EF4-FFF2-40B4-BE49-F238E27FC236}">
+                <a16:creationId xmlns:a16="http://schemas.microsoft.com/office/drawing/2014/main" id="{E18E03A9-C3C4-522F-370B-637904A71859}"/>
+              </a:ext>
+            </a:extLst>
+          </p:cNvPr>
+          <p:cNvSpPr/>
+          <p:nvPr/>
+        </p:nvSpPr>
+        <p:spPr>
+          <a:xfrm>
+            <a:off x="503741" y="2216898"/>
+            <a:ext cx="4035406" cy="1155320"/>
+          </a:xfrm>
+          <a:prstGeom prst="rightArrow">
+            <a:avLst/>
+          </a:prstGeom>
+          <a:solidFill>
+            <a:schemeClr val="accent1"/>
+          </a:solidFill>
+          <a:ln>
+            <a:solidFill>
+              <a:schemeClr val="bg1"/>
+            </a:solidFill>
+          </a:ln>
+        </p:spPr>
+        <p:style>
+          <a:lnRef idx="2">
+            <a:schemeClr val="accent1">
+              <a:shade val="50000"/>
+            </a:schemeClr>
+          </a:lnRef>
+          <a:fillRef idx="1">
+            <a:schemeClr val="accent1"/>
+          </a:fillRef>
+          <a:effectRef idx="0">
+            <a:schemeClr val="accent1"/>
+          </a:effectRef>
+          <a:fontRef idx="minor">
+            <a:schemeClr val="lt1"/>
+          </a:fontRef>
+        </p:style>
+        <p:txBody>
+          <a:bodyPr rtlCol="0" anchor="ctr"/>
+          <a:lstStyle/>
+          <a:p>
+            <a:pPr algn="ctr"/>
+            <a:r>
+              <a:rPr lang="en-US" dirty="0"/>
+              <a:t>Flask Stores Data in Persistent Storage</a:t>
             </a:r>
           </a:p>
         </p:txBody>
@@ -7024,7 +7824,7 @@
     </p:spTree>
     <p:extLst>
       <p:ext uri="{BB962C8B-B14F-4D97-AF65-F5344CB8AC3E}">
-        <p14:creationId xmlns:p14="http://schemas.microsoft.com/office/powerpoint/2010/main" val="295200476"/>
+        <p14:creationId xmlns:p14="http://schemas.microsoft.com/office/powerpoint/2010/main" val="3861650629"/>
       </p:ext>
     </p:extLst>
   </p:cSld>
@@ -7056,6 +7856,400 @@
           <p:cNvPr id="2" name="Title 1">
             <a:extLst>
               <a:ext uri="{FF2B5EF4-FFF2-40B4-BE49-F238E27FC236}">
+                <a16:creationId xmlns:a16="http://schemas.microsoft.com/office/drawing/2014/main" id="{B98927DB-6DF3-43C4-3081-10C75A50CECE}"/>
+              </a:ext>
+            </a:extLst>
+          </p:cNvPr>
+          <p:cNvSpPr>
+            <a:spLocks noGrp="1"/>
+          </p:cNvSpPr>
+          <p:nvPr>
+            <p:ph type="title"/>
+          </p:nvPr>
+        </p:nvSpPr>
+        <p:spPr>
+          <a:xfrm>
+            <a:off x="687388" y="25546"/>
+            <a:ext cx="10131425" cy="1456267"/>
+          </a:xfrm>
+        </p:spPr>
+        <p:txBody>
+          <a:bodyPr/>
+          <a:lstStyle/>
+          <a:p>
+            <a:r>
+              <a:rPr lang="en-US" cap="none" dirty="0"/>
+              <a:t>Flask Route Comparison</a:t>
+            </a:r>
+          </a:p>
+        </p:txBody>
+      </p:sp>
+      <p:sp>
+        <p:nvSpPr>
+          <p:cNvPr id="3" name="Text Placeholder 2">
+            <a:extLst>
+              <a:ext uri="{FF2B5EF4-FFF2-40B4-BE49-F238E27FC236}">
+                <a16:creationId xmlns:a16="http://schemas.microsoft.com/office/drawing/2014/main" id="{4B05E9F9-B924-5676-769D-F0BD96C02299}"/>
+              </a:ext>
+            </a:extLst>
+          </p:cNvPr>
+          <p:cNvSpPr>
+            <a:spLocks noGrp="1"/>
+          </p:cNvSpPr>
+          <p:nvPr>
+            <p:ph type="body" idx="1"/>
+          </p:nvPr>
+        </p:nvSpPr>
+        <p:spPr>
+          <a:xfrm>
+            <a:off x="973667" y="1338941"/>
+            <a:ext cx="4709054" cy="576262"/>
+          </a:xfrm>
+        </p:spPr>
+        <p:txBody>
+          <a:bodyPr/>
+          <a:lstStyle/>
+          <a:p>
+            <a:r>
+              <a:rPr lang="en-US" dirty="0"/>
+              <a:t>“Human” Route	</a:t>
+            </a:r>
+          </a:p>
+        </p:txBody>
+      </p:sp>
+      <p:sp>
+        <p:nvSpPr>
+          <p:cNvPr id="5" name="Text Placeholder 4">
+            <a:extLst>
+              <a:ext uri="{FF2B5EF4-FFF2-40B4-BE49-F238E27FC236}">
+                <a16:creationId xmlns:a16="http://schemas.microsoft.com/office/drawing/2014/main" id="{FF12C12F-01CC-A1F2-6097-5A5C0FFD321D}"/>
+              </a:ext>
+            </a:extLst>
+          </p:cNvPr>
+          <p:cNvSpPr>
+            <a:spLocks noGrp="1"/>
+          </p:cNvSpPr>
+          <p:nvPr>
+            <p:ph type="body" sz="quarter" idx="3"/>
+          </p:nvPr>
+        </p:nvSpPr>
+        <p:spPr>
+          <a:xfrm>
+            <a:off x="6751229" y="1347408"/>
+            <a:ext cx="4067584" cy="576262"/>
+          </a:xfrm>
+        </p:spPr>
+        <p:txBody>
+          <a:bodyPr/>
+          <a:lstStyle/>
+          <a:p>
+            <a:r>
+              <a:rPr lang="en-US" dirty="0"/>
+              <a:t>“ESP32” Route</a:t>
+            </a:r>
+          </a:p>
+        </p:txBody>
+      </p:sp>
+      <p:pic>
+        <p:nvPicPr>
+          <p:cNvPr id="32" name="Content Placeholder 31" descr="Text&#10;&#10;Description automatically generated">
+            <a:extLst>
+              <a:ext uri="{FF2B5EF4-FFF2-40B4-BE49-F238E27FC236}">
+                <a16:creationId xmlns:a16="http://schemas.microsoft.com/office/drawing/2014/main" id="{8581CC9B-239B-0AFA-34F4-F77C8B99E274}"/>
+              </a:ext>
+            </a:extLst>
+          </p:cNvPr>
+          <p:cNvPicPr>
+            <a:picLocks noGrp="1" noChangeAspect="1"/>
+          </p:cNvPicPr>
+          <p:nvPr>
+            <p:ph sz="half" idx="2"/>
+          </p:nvPr>
+        </p:nvPicPr>
+        <p:blipFill rotWithShape="1">
+          <a:blip r:embed="rId2">
+            <a:extLst>
+              <a:ext uri="{28A0092B-C50C-407E-A947-70E740481C1C}">
+                <a14:useLocalDpi xmlns:a14="http://schemas.microsoft.com/office/drawing/2010/main" val="0"/>
+              </a:ext>
+            </a:extLst>
+          </a:blip>
+          <a:srcRect l="5015" t="8395" r="4670" b="7766"/>
+          <a:stretch/>
+        </p:blipFill>
+        <p:spPr>
+          <a:xfrm>
+            <a:off x="361378" y="1988601"/>
+            <a:ext cx="5599560" cy="4424719"/>
+          </a:xfrm>
+        </p:spPr>
+      </p:pic>
+      <p:pic>
+        <p:nvPicPr>
+          <p:cNvPr id="34" name="Content Placeholder 33" descr="Text&#10;&#10;Description automatically generated">
+            <a:extLst>
+              <a:ext uri="{FF2B5EF4-FFF2-40B4-BE49-F238E27FC236}">
+                <a16:creationId xmlns:a16="http://schemas.microsoft.com/office/drawing/2014/main" id="{949E99AD-B820-D719-AF43-7B9C5BB27613}"/>
+              </a:ext>
+            </a:extLst>
+          </p:cNvPr>
+          <p:cNvPicPr>
+            <a:picLocks noGrp="1" noChangeAspect="1"/>
+          </p:cNvPicPr>
+          <p:nvPr>
+            <p:ph sz="quarter" idx="4"/>
+          </p:nvPr>
+        </p:nvPicPr>
+        <p:blipFill rotWithShape="1">
+          <a:blip r:embed="rId3">
+            <a:extLst>
+              <a:ext uri="{28A0092B-C50C-407E-A947-70E740481C1C}">
+                <a14:useLocalDpi xmlns:a14="http://schemas.microsoft.com/office/drawing/2010/main" val="0"/>
+              </a:ext>
+            </a:extLst>
+          </a:blip>
+          <a:srcRect l="5014" t="8395" r="4671" b="7766"/>
+          <a:stretch/>
+        </p:blipFill>
+        <p:spPr>
+          <a:xfrm>
+            <a:off x="6231061" y="1988600"/>
+            <a:ext cx="5599560" cy="4424718"/>
+          </a:xfrm>
+        </p:spPr>
+      </p:pic>
+    </p:spTree>
+    <p:extLst>
+      <p:ext uri="{BB962C8B-B14F-4D97-AF65-F5344CB8AC3E}">
+        <p14:creationId xmlns:p14="http://schemas.microsoft.com/office/powerpoint/2010/main" val="124168814"/>
+      </p:ext>
+    </p:extLst>
+  </p:cSld>
+  <p:clrMapOvr>
+    <a:masterClrMapping/>
+  </p:clrMapOvr>
+</p:sld>
+</file>
+
+<file path=ppt/slides/slide8.xml><?xml version="1.0" encoding="utf-8"?>
+<p:sld xmlns:a="http://schemas.openxmlformats.org/drawingml/2006/main" xmlns:r="http://schemas.openxmlformats.org/officeDocument/2006/relationships" xmlns:p="http://schemas.openxmlformats.org/presentationml/2006/main">
+  <p:cSld>
+    <p:spTree>
+      <p:nvGrpSpPr>
+        <p:cNvPr id="1" name=""/>
+        <p:cNvGrpSpPr/>
+        <p:nvPr/>
+      </p:nvGrpSpPr>
+      <p:grpSpPr>
+        <a:xfrm>
+          <a:off x="0" y="0"/>
+          <a:ext cx="0" cy="0"/>
+          <a:chOff x="0" y="0"/>
+          <a:chExt cx="0" cy="0"/>
+        </a:xfrm>
+      </p:grpSpPr>
+      <p:sp>
+        <p:nvSpPr>
+          <p:cNvPr id="2" name="Title 1">
+            <a:extLst>
+              <a:ext uri="{FF2B5EF4-FFF2-40B4-BE49-F238E27FC236}">
+                <a16:creationId xmlns:a16="http://schemas.microsoft.com/office/drawing/2014/main" id="{B98927DB-6DF3-43C4-3081-10C75A50CECE}"/>
+              </a:ext>
+            </a:extLst>
+          </p:cNvPr>
+          <p:cNvSpPr>
+            <a:spLocks noGrp="1"/>
+          </p:cNvSpPr>
+          <p:nvPr>
+            <p:ph type="title"/>
+          </p:nvPr>
+        </p:nvSpPr>
+        <p:spPr>
+          <a:xfrm>
+            <a:off x="687388" y="25546"/>
+            <a:ext cx="10131425" cy="1456267"/>
+          </a:xfrm>
+        </p:spPr>
+        <p:txBody>
+          <a:bodyPr/>
+          <a:lstStyle/>
+          <a:p>
+            <a:r>
+              <a:rPr lang="en-US" cap="none" dirty="0"/>
+              <a:t>Flask Route Comparison</a:t>
+            </a:r>
+          </a:p>
+        </p:txBody>
+      </p:sp>
+      <p:sp>
+        <p:nvSpPr>
+          <p:cNvPr id="3" name="Text Placeholder 2">
+            <a:extLst>
+              <a:ext uri="{FF2B5EF4-FFF2-40B4-BE49-F238E27FC236}">
+                <a16:creationId xmlns:a16="http://schemas.microsoft.com/office/drawing/2014/main" id="{4B05E9F9-B924-5676-769D-F0BD96C02299}"/>
+              </a:ext>
+            </a:extLst>
+          </p:cNvPr>
+          <p:cNvSpPr>
+            <a:spLocks noGrp="1"/>
+          </p:cNvSpPr>
+          <p:nvPr>
+            <p:ph type="body" idx="1"/>
+          </p:nvPr>
+        </p:nvSpPr>
+        <p:spPr>
+          <a:xfrm>
+            <a:off x="973667" y="1338941"/>
+            <a:ext cx="4709054" cy="576262"/>
+          </a:xfrm>
+        </p:spPr>
+        <p:txBody>
+          <a:bodyPr/>
+          <a:lstStyle/>
+          <a:p>
+            <a:r>
+              <a:rPr lang="en-US" dirty="0"/>
+              <a:t>“Human” Route	</a:t>
+            </a:r>
+          </a:p>
+        </p:txBody>
+      </p:sp>
+      <p:sp>
+        <p:nvSpPr>
+          <p:cNvPr id="5" name="Text Placeholder 4">
+            <a:extLst>
+              <a:ext uri="{FF2B5EF4-FFF2-40B4-BE49-F238E27FC236}">
+                <a16:creationId xmlns:a16="http://schemas.microsoft.com/office/drawing/2014/main" id="{FF12C12F-01CC-A1F2-6097-5A5C0FFD321D}"/>
+              </a:ext>
+            </a:extLst>
+          </p:cNvPr>
+          <p:cNvSpPr>
+            <a:spLocks noGrp="1"/>
+          </p:cNvSpPr>
+          <p:nvPr>
+            <p:ph type="body" sz="quarter" idx="3"/>
+          </p:nvPr>
+        </p:nvSpPr>
+        <p:spPr>
+          <a:xfrm>
+            <a:off x="1065193" y="3630462"/>
+            <a:ext cx="4722813" cy="576262"/>
+          </a:xfrm>
+        </p:spPr>
+        <p:txBody>
+          <a:bodyPr/>
+          <a:lstStyle/>
+          <a:p>
+            <a:r>
+              <a:rPr lang="en-US" dirty="0"/>
+              <a:t>“ESP32” Route</a:t>
+            </a:r>
+          </a:p>
+        </p:txBody>
+      </p:sp>
+      <p:pic>
+        <p:nvPicPr>
+          <p:cNvPr id="32" name="Content Placeholder 31" descr="Text&#10;&#10;Description automatically generated">
+            <a:extLst>
+              <a:ext uri="{FF2B5EF4-FFF2-40B4-BE49-F238E27FC236}">
+                <a16:creationId xmlns:a16="http://schemas.microsoft.com/office/drawing/2014/main" id="{8581CC9B-239B-0AFA-34F4-F77C8B99E274}"/>
+              </a:ext>
+            </a:extLst>
+          </p:cNvPr>
+          <p:cNvPicPr>
+            <a:picLocks noGrp="1" noChangeAspect="1"/>
+          </p:cNvPicPr>
+          <p:nvPr>
+            <p:ph sz="half" idx="2"/>
+          </p:nvPr>
+        </p:nvPicPr>
+        <p:blipFill rotWithShape="1">
+          <a:blip r:embed="rId2">
+            <a:extLst>
+              <a:ext uri="{28A0092B-C50C-407E-A947-70E740481C1C}">
+                <a14:useLocalDpi xmlns:a14="http://schemas.microsoft.com/office/drawing/2010/main" val="0"/>
+              </a:ext>
+            </a:extLst>
+          </a:blip>
+          <a:srcRect l="10274" t="77265" r="22834" b="11427"/>
+          <a:stretch/>
+        </p:blipFill>
+        <p:spPr>
+          <a:xfrm>
+            <a:off x="1065193" y="2075195"/>
+            <a:ext cx="8686581" cy="1250016"/>
+          </a:xfrm>
+        </p:spPr>
+      </p:pic>
+      <p:pic>
+        <p:nvPicPr>
+          <p:cNvPr id="34" name="Content Placeholder 33" descr="Text&#10;&#10;Description automatically generated">
+            <a:extLst>
+              <a:ext uri="{FF2B5EF4-FFF2-40B4-BE49-F238E27FC236}">
+                <a16:creationId xmlns:a16="http://schemas.microsoft.com/office/drawing/2014/main" id="{949E99AD-B820-D719-AF43-7B9C5BB27613}"/>
+              </a:ext>
+            </a:extLst>
+          </p:cNvPr>
+          <p:cNvPicPr>
+            <a:picLocks noGrp="1" noChangeAspect="1"/>
+          </p:cNvPicPr>
+          <p:nvPr>
+            <p:ph sz="quarter" idx="4"/>
+          </p:nvPr>
+        </p:nvPicPr>
+        <p:blipFill rotWithShape="1">
+          <a:blip r:embed="rId3">
+            <a:extLst>
+              <a:ext uri="{28A0092B-C50C-407E-A947-70E740481C1C}">
+                <a14:useLocalDpi xmlns:a14="http://schemas.microsoft.com/office/drawing/2010/main" val="0"/>
+              </a:ext>
+            </a:extLst>
+          </a:blip>
+          <a:srcRect l="9430" t="75129" r="30517" b="11427"/>
+          <a:stretch/>
+        </p:blipFill>
+        <p:spPr>
+          <a:xfrm>
+            <a:off x="1065192" y="4300518"/>
+            <a:ext cx="8686581" cy="1655326"/>
+          </a:xfrm>
+        </p:spPr>
+      </p:pic>
+    </p:spTree>
+    <p:extLst>
+      <p:ext uri="{BB962C8B-B14F-4D97-AF65-F5344CB8AC3E}">
+        <p14:creationId xmlns:p14="http://schemas.microsoft.com/office/powerpoint/2010/main" val="62881052"/>
+      </p:ext>
+    </p:extLst>
+  </p:cSld>
+  <p:clrMapOvr>
+    <a:masterClrMapping/>
+  </p:clrMapOvr>
+</p:sld>
+</file>
+
+<file path=ppt/slides/slide9.xml><?xml version="1.0" encoding="utf-8"?>
+<p:sld xmlns:a="http://schemas.openxmlformats.org/drawingml/2006/main" xmlns:r="http://schemas.openxmlformats.org/officeDocument/2006/relationships" xmlns:p="http://schemas.openxmlformats.org/presentationml/2006/main">
+  <p:cSld>
+    <p:spTree>
+      <p:nvGrpSpPr>
+        <p:cNvPr id="1" name=""/>
+        <p:cNvGrpSpPr/>
+        <p:nvPr/>
+      </p:nvGrpSpPr>
+      <p:grpSpPr>
+        <a:xfrm>
+          <a:off x="0" y="0"/>
+          <a:ext cx="0" cy="0"/>
+          <a:chOff x="0" y="0"/>
+          <a:chExt cx="0" cy="0"/>
+        </a:xfrm>
+      </p:grpSpPr>
+      <p:sp>
+        <p:nvSpPr>
+          <p:cNvPr id="2" name="Title 1">
+            <a:extLst>
+              <a:ext uri="{FF2B5EF4-FFF2-40B4-BE49-F238E27FC236}">
                 <a16:creationId xmlns:a16="http://schemas.microsoft.com/office/drawing/2014/main" id="{97FECF91-E2E3-E401-6DF2-B114C4D3B6C3}"/>
               </a:ext>
             </a:extLst>
@@ -7074,7 +8268,15 @@
           <a:p>
             <a:r>
               <a:rPr lang="en-US" cap="none" dirty="0"/>
-              <a:t>Demo #2: IoT Applications</a:t>
+              <a:t>Demo #1: Pretend </a:t>
+            </a:r>
+            <a:r>
+              <a:rPr lang="en-US" i="1" cap="none" dirty="0"/>
+              <a:t>You’re </a:t>
+            </a:r>
+            <a:r>
+              <a:rPr lang="en-US" cap="none" dirty="0"/>
+              <a:t>the IoT Device</a:t>
             </a:r>
           </a:p>
         </p:txBody>
@@ -7097,8 +8299,8 @@
         </p:nvSpPr>
         <p:spPr>
           <a:xfrm>
-            <a:off x="306625" y="2131116"/>
-            <a:ext cx="11514869" cy="4187552"/>
+            <a:off x="49279" y="2131116"/>
+            <a:ext cx="12013137" cy="3649133"/>
           </a:xfrm>
         </p:spPr>
         <p:txBody>
@@ -7112,7 +8314,7 @@
             </a:pPr>
             <a:r>
               <a:rPr lang="en-US" sz="3200" dirty="0"/>
-              <a:t>http://github.com/uyechi23/FlaskESP32ConceptDemo</a:t>
+              <a:t>http://10.13.135.141:5000/potentiometer/human/&lt;some_value&gt;</a:t>
             </a:r>
           </a:p>
           <a:p>
@@ -7125,50 +8327,42 @@
             <a:pPr algn="ctr"/>
             <a:r>
               <a:rPr lang="en-US" sz="3200" dirty="0"/>
-              <a:t>Upload the .</a:t>
+              <a:t>Connect your phone/laptop to </a:t>
             </a:r>
             <a:r>
               <a:rPr lang="en-US" sz="3200" dirty="0" err="1"/>
-              <a:t>ino</a:t>
-            </a:r>
+              <a:t>UPIoT</a:t>
+            </a:r>
+            <a:endParaRPr lang="en-US" sz="3200" dirty="0"/>
+          </a:p>
+          <a:p>
+            <a:pPr algn="ctr"/>
             <a:r>
               <a:rPr lang="en-US" sz="3200" dirty="0"/>
-              <a:t> file to your ESP32</a:t>
-            </a:r>
-          </a:p>
-          <a:p>
-            <a:pPr marL="0" indent="0" algn="ctr">
-              <a:buNone/>
-            </a:pPr>
+              <a:t>Replace &lt;</a:t>
+            </a:r>
+            <a:r>
+              <a:rPr lang="en-US" sz="3200" dirty="0" err="1"/>
+              <a:t>some_value</a:t>
+            </a:r>
             <a:r>
               <a:rPr lang="en-US" sz="3200" dirty="0"/>
-              <a:t>(</a:t>
-            </a:r>
-            <a:r>
-              <a:rPr lang="en-US" sz="3200" dirty="0">
-                <a:sym typeface="Wingdings" panose="05000000000000000000" pitchFamily="2" charset="2"/>
-              </a:rPr>
-              <a:t>ESP32  esp32potdemo  esp32potdemo.ino)</a:t>
-            </a:r>
-            <a:endParaRPr lang="en-US" sz="3200" dirty="0"/>
+              <a:t>&gt; with a float between 0 and 100</a:t>
+            </a:r>
           </a:p>
           <a:p>
             <a:pPr algn="ctr"/>
             <a:r>
               <a:rPr lang="en-US" sz="3200" dirty="0"/>
-              <a:t>Connect a potentiometer’s middle pin to 33 on your ESP32</a:t>
-            </a:r>
-          </a:p>
-          <a:p>
-            <a:pPr algn="ctr"/>
-            <a:endParaRPr lang="en-US" sz="3200" dirty="0"/>
+              <a:t>Use a decimal point for integers (i.e., instead of 10, use 10.0)</a:t>
+            </a:r>
           </a:p>
         </p:txBody>
       </p:sp>
     </p:spTree>
     <p:extLst>
       <p:ext uri="{BB962C8B-B14F-4D97-AF65-F5344CB8AC3E}">
-        <p14:creationId xmlns:p14="http://schemas.microsoft.com/office/powerpoint/2010/main" val="3688982312"/>
+        <p14:creationId xmlns:p14="http://schemas.microsoft.com/office/powerpoint/2010/main" val="295200476"/>
       </p:ext>
     </p:extLst>
   </p:cSld>
@@ -7425,4 +8619,299 @@
     </a:ext>
   </a:extLst>
 </a:theme>
+</file>
+
+<file path=ppt/theme/theme2.xml><?xml version="1.0" encoding="utf-8"?>
+<a:theme xmlns:a="http://schemas.openxmlformats.org/drawingml/2006/main" name="Office Theme">
+  <a:themeElements>
+    <a:clrScheme name="Office">
+      <a:dk1>
+        <a:sysClr val="windowText" lastClr="000000"/>
+      </a:dk1>
+      <a:lt1>
+        <a:sysClr val="window" lastClr="FFFFFF"/>
+      </a:lt1>
+      <a:dk2>
+        <a:srgbClr val="44546A"/>
+      </a:dk2>
+      <a:lt2>
+        <a:srgbClr val="E7E6E6"/>
+      </a:lt2>
+      <a:accent1>
+        <a:srgbClr val="4472C4"/>
+      </a:accent1>
+      <a:accent2>
+        <a:srgbClr val="ED7D31"/>
+      </a:accent2>
+      <a:accent3>
+        <a:srgbClr val="A5A5A5"/>
+      </a:accent3>
+      <a:accent4>
+        <a:srgbClr val="FFC000"/>
+      </a:accent4>
+      <a:accent5>
+        <a:srgbClr val="5B9BD5"/>
+      </a:accent5>
+      <a:accent6>
+        <a:srgbClr val="70AD47"/>
+      </a:accent6>
+      <a:hlink>
+        <a:srgbClr val="0563C1"/>
+      </a:hlink>
+      <a:folHlink>
+        <a:srgbClr val="954F72"/>
+      </a:folHlink>
+    </a:clrScheme>
+    <a:fontScheme name="Office">
+      <a:majorFont>
+        <a:latin typeface="Calibri Light" panose="020F0302020204030204"/>
+        <a:ea typeface=""/>
+        <a:cs typeface=""/>
+        <a:font script="Jpan" typeface="游ゴシック Light"/>
+        <a:font script="Hang" typeface="맑은 고딕"/>
+        <a:font script="Hans" typeface="等线 Light"/>
+        <a:font script="Hant" typeface="新細明體"/>
+        <a:font script="Arab" typeface="Times New Roman"/>
+        <a:font script="Hebr" typeface="Times New Roman"/>
+        <a:font script="Thai" typeface="Angsana New"/>
+        <a:font script="Ethi" typeface="Nyala"/>
+        <a:font script="Beng" typeface="Vrinda"/>
+        <a:font script="Gujr" typeface="Shruti"/>
+        <a:font script="Khmr" typeface="MoolBoran"/>
+        <a:font script="Knda" typeface="Tunga"/>
+        <a:font script="Guru" typeface="Raavi"/>
+        <a:font script="Cans" typeface="Euphemia"/>
+        <a:font script="Cher" typeface="Plantagenet Cherokee"/>
+        <a:font script="Yiii" typeface="Microsoft Yi Baiti"/>
+        <a:font script="Tibt" typeface="Microsoft Himalaya"/>
+        <a:font script="Thaa" typeface="MV Boli"/>
+        <a:font script="Deva" typeface="Mangal"/>
+        <a:font script="Telu" typeface="Gautami"/>
+        <a:font script="Taml" typeface="Latha"/>
+        <a:font script="Syrc" typeface="Estrangelo Edessa"/>
+        <a:font script="Orya" typeface="Kalinga"/>
+        <a:font script="Mlym" typeface="Kartika"/>
+        <a:font script="Laoo" typeface="DokChampa"/>
+        <a:font script="Sinh" typeface="Iskoola Pota"/>
+        <a:font script="Mong" typeface="Mongolian Baiti"/>
+        <a:font script="Viet" typeface="Times New Roman"/>
+        <a:font script="Uigh" typeface="Microsoft Uighur"/>
+        <a:font script="Geor" typeface="Sylfaen"/>
+        <a:font script="Armn" typeface="Arial"/>
+        <a:font script="Bugi" typeface="Leelawadee UI"/>
+        <a:font script="Bopo" typeface="Microsoft JhengHei"/>
+        <a:font script="Java" typeface="Javanese Text"/>
+        <a:font script="Lisu" typeface="Segoe UI"/>
+        <a:font script="Mymr" typeface="Myanmar Text"/>
+        <a:font script="Nkoo" typeface="Ebrima"/>
+        <a:font script="Olck" typeface="Nirmala UI"/>
+        <a:font script="Osma" typeface="Ebrima"/>
+        <a:font script="Phag" typeface="Phagspa"/>
+        <a:font script="Syrn" typeface="Estrangelo Edessa"/>
+        <a:font script="Syrj" typeface="Estrangelo Edessa"/>
+        <a:font script="Syre" typeface="Estrangelo Edessa"/>
+        <a:font script="Sora" typeface="Nirmala UI"/>
+        <a:font script="Tale" typeface="Microsoft Tai Le"/>
+        <a:font script="Talu" typeface="Microsoft New Tai Lue"/>
+        <a:font script="Tfng" typeface="Ebrima"/>
+      </a:majorFont>
+      <a:minorFont>
+        <a:latin typeface="Calibri" panose="020F0502020204030204"/>
+        <a:ea typeface=""/>
+        <a:cs typeface=""/>
+        <a:font script="Jpan" typeface="游ゴシック"/>
+        <a:font script="Hang" typeface="맑은 고딕"/>
+        <a:font script="Hans" typeface="等线"/>
+        <a:font script="Hant" typeface="新細明體"/>
+        <a:font script="Arab" typeface="Arial"/>
+        <a:font script="Hebr" typeface="Arial"/>
+        <a:font script="Thai" typeface="Cordia New"/>
+        <a:font script="Ethi" typeface="Nyala"/>
+        <a:font script="Beng" typeface="Vrinda"/>
+        <a:font script="Gujr" typeface="Shruti"/>
+        <a:font script="Khmr" typeface="DaunPenh"/>
+        <a:font script="Knda" typeface="Tunga"/>
+        <a:font script="Guru" typeface="Raavi"/>
+        <a:font script="Cans" typeface="Euphemia"/>
+        <a:font script="Cher" typeface="Plantagenet Cherokee"/>
+        <a:font script="Yiii" typeface="Microsoft Yi Baiti"/>
+        <a:font script="Tibt" typeface="Microsoft Himalaya"/>
+        <a:font script="Thaa" typeface="MV Boli"/>
+        <a:font script="Deva" typeface="Mangal"/>
+        <a:font script="Telu" typeface="Gautami"/>
+        <a:font script="Taml" typeface="Latha"/>
+        <a:font script="Syrc" typeface="Estrangelo Edessa"/>
+        <a:font script="Orya" typeface="Kalinga"/>
+        <a:font script="Mlym" typeface="Kartika"/>
+        <a:font script="Laoo" typeface="DokChampa"/>
+        <a:font script="Sinh" typeface="Iskoola Pota"/>
+        <a:font script="Mong" typeface="Mongolian Baiti"/>
+        <a:font script="Viet" typeface="Arial"/>
+        <a:font script="Uigh" typeface="Microsoft Uighur"/>
+        <a:font script="Geor" typeface="Sylfaen"/>
+        <a:font script="Armn" typeface="Arial"/>
+        <a:font script="Bugi" typeface="Leelawadee UI"/>
+        <a:font script="Bopo" typeface="Microsoft JhengHei"/>
+        <a:font script="Java" typeface="Javanese Text"/>
+        <a:font script="Lisu" typeface="Segoe UI"/>
+        <a:font script="Mymr" typeface="Myanmar Text"/>
+        <a:font script="Nkoo" typeface="Ebrima"/>
+        <a:font script="Olck" typeface="Nirmala UI"/>
+        <a:font script="Osma" typeface="Ebrima"/>
+        <a:font script="Phag" typeface="Phagspa"/>
+        <a:font script="Syrn" typeface="Estrangelo Edessa"/>
+        <a:font script="Syrj" typeface="Estrangelo Edessa"/>
+        <a:font script="Syre" typeface="Estrangelo Edessa"/>
+        <a:font script="Sora" typeface="Nirmala UI"/>
+        <a:font script="Tale" typeface="Microsoft Tai Le"/>
+        <a:font script="Talu" typeface="Microsoft New Tai Lue"/>
+        <a:font script="Tfng" typeface="Ebrima"/>
+      </a:minorFont>
+    </a:fontScheme>
+    <a:fmtScheme name="Office">
+      <a:fillStyleLst>
+        <a:solidFill>
+          <a:schemeClr val="phClr"/>
+        </a:solidFill>
+        <a:gradFill rotWithShape="1">
+          <a:gsLst>
+            <a:gs pos="0">
+              <a:schemeClr val="phClr">
+                <a:lumMod val="110000"/>
+                <a:satMod val="105000"/>
+                <a:tint val="67000"/>
+              </a:schemeClr>
+            </a:gs>
+            <a:gs pos="50000">
+              <a:schemeClr val="phClr">
+                <a:lumMod val="105000"/>
+                <a:satMod val="103000"/>
+                <a:tint val="73000"/>
+              </a:schemeClr>
+            </a:gs>
+            <a:gs pos="100000">
+              <a:schemeClr val="phClr">
+                <a:lumMod val="105000"/>
+                <a:satMod val="109000"/>
+                <a:tint val="81000"/>
+              </a:schemeClr>
+            </a:gs>
+          </a:gsLst>
+          <a:lin ang="5400000" scaled="0"/>
+        </a:gradFill>
+        <a:gradFill rotWithShape="1">
+          <a:gsLst>
+            <a:gs pos="0">
+              <a:schemeClr val="phClr">
+                <a:satMod val="103000"/>
+                <a:lumMod val="102000"/>
+                <a:tint val="94000"/>
+              </a:schemeClr>
+            </a:gs>
+            <a:gs pos="50000">
+              <a:schemeClr val="phClr">
+                <a:satMod val="110000"/>
+                <a:lumMod val="100000"/>
+                <a:shade val="100000"/>
+              </a:schemeClr>
+            </a:gs>
+            <a:gs pos="100000">
+              <a:schemeClr val="phClr">
+                <a:lumMod val="99000"/>
+                <a:satMod val="120000"/>
+                <a:shade val="78000"/>
+              </a:schemeClr>
+            </a:gs>
+          </a:gsLst>
+          <a:lin ang="5400000" scaled="0"/>
+        </a:gradFill>
+      </a:fillStyleLst>
+      <a:lnStyleLst>
+        <a:ln w="6350" cap="flat" cmpd="sng" algn="ctr">
+          <a:solidFill>
+            <a:schemeClr val="phClr"/>
+          </a:solidFill>
+          <a:prstDash val="solid"/>
+          <a:miter lim="800000"/>
+        </a:ln>
+        <a:ln w="12700" cap="flat" cmpd="sng" algn="ctr">
+          <a:solidFill>
+            <a:schemeClr val="phClr"/>
+          </a:solidFill>
+          <a:prstDash val="solid"/>
+          <a:miter lim="800000"/>
+        </a:ln>
+        <a:ln w="19050" cap="flat" cmpd="sng" algn="ctr">
+          <a:solidFill>
+            <a:schemeClr val="phClr"/>
+          </a:solidFill>
+          <a:prstDash val="solid"/>
+          <a:miter lim="800000"/>
+        </a:ln>
+      </a:lnStyleLst>
+      <a:effectStyleLst>
+        <a:effectStyle>
+          <a:effectLst/>
+        </a:effectStyle>
+        <a:effectStyle>
+          <a:effectLst/>
+        </a:effectStyle>
+        <a:effectStyle>
+          <a:effectLst>
+            <a:outerShdw blurRad="57150" dist="19050" dir="5400000" algn="ctr" rotWithShape="0">
+              <a:srgbClr val="000000">
+                <a:alpha val="63000"/>
+              </a:srgbClr>
+            </a:outerShdw>
+          </a:effectLst>
+        </a:effectStyle>
+      </a:effectStyleLst>
+      <a:bgFillStyleLst>
+        <a:solidFill>
+          <a:schemeClr val="phClr"/>
+        </a:solidFill>
+        <a:solidFill>
+          <a:schemeClr val="phClr">
+            <a:tint val="95000"/>
+            <a:satMod val="170000"/>
+          </a:schemeClr>
+        </a:solidFill>
+        <a:gradFill rotWithShape="1">
+          <a:gsLst>
+            <a:gs pos="0">
+              <a:schemeClr val="phClr">
+                <a:tint val="93000"/>
+                <a:satMod val="150000"/>
+                <a:shade val="98000"/>
+                <a:lumMod val="102000"/>
+              </a:schemeClr>
+            </a:gs>
+            <a:gs pos="50000">
+              <a:schemeClr val="phClr">
+                <a:tint val="98000"/>
+                <a:satMod val="130000"/>
+                <a:shade val="90000"/>
+                <a:lumMod val="103000"/>
+              </a:schemeClr>
+            </a:gs>
+            <a:gs pos="100000">
+              <a:schemeClr val="phClr">
+                <a:shade val="63000"/>
+                <a:satMod val="120000"/>
+              </a:schemeClr>
+            </a:gs>
+          </a:gsLst>
+          <a:lin ang="5400000" scaled="0"/>
+        </a:gradFill>
+      </a:bgFillStyleLst>
+    </a:fmtScheme>
+  </a:themeElements>
+  <a:objectDefaults/>
+  <a:extraClrSchemeLst/>
+  <a:extLst>
+    <a:ext uri="{05A4C25C-085E-4340-85A3-A5531E510DB2}">
+      <thm15:themeFamily xmlns:thm15="http://schemas.microsoft.com/office/thememl/2012/main" name="Office Theme" id="{62F939B6-93AF-4DB8-9C6B-D6C7DFDC589F}" vid="{4A3C46E8-61CC-4603-A589-7422A47A8E4A}"/>
+    </a:ext>
+  </a:extLst>
+</a:theme>
 </file>
--- a/FlaskESP32ConceptDemo.pptx
+++ b/FlaskESP32ConceptDemo.pptx
@@ -8314,7 +8314,7 @@
             </a:pPr>
             <a:r>
               <a:rPr lang="en-US" sz="3200" dirty="0"/>
-              <a:t>http://10.13.135.141:5000/potentiometer/human/&lt;some_value&gt;</a:t>
+              <a:t>http://10.17.154.215:5000/potentiometer/human/&lt;some_value&gt;</a:t>
             </a:r>
           </a:p>
           <a:p>
@@ -8331,7 +8331,15 @@
             </a:r>
             <a:r>
               <a:rPr lang="en-US" sz="3200" dirty="0" err="1"/>
-              <a:t>UPIoT</a:t>
+              <a:t>UPStudent</a:t>
+            </a:r>
+            <a:r>
+              <a:rPr lang="en-US" sz="3200" dirty="0"/>
+              <a:t> (if it’s </a:t>
+            </a:r>
+            <a:r>
+              <a:rPr lang="en-US" sz="3200"/>
+              <a:t>not already on it)</a:t>
             </a:r>
             <a:endParaRPr lang="en-US" sz="3200" dirty="0"/>
           </a:p>
